--- a/lectures/99-Summary.pptx
+++ b/lectures/99-Summary.pptx
@@ -5,34 +5,35 @@
     <p:sldMasterId id="2147483660" r:id="rId1"/>
   </p:sldMasterIdLst>
   <p:handoutMasterIdLst>
-    <p:handoutMasterId r:id="rId27"/>
+    <p:handoutMasterId r:id="rId28"/>
   </p:handoutMasterIdLst>
   <p:sldIdLst>
     <p:sldId id="256" r:id="rId2"/>
     <p:sldId id="257" r:id="rId3"/>
-    <p:sldId id="339" r:id="rId4"/>
-    <p:sldId id="365" r:id="rId5"/>
-    <p:sldId id="298" r:id="rId6"/>
-    <p:sldId id="366" r:id="rId7"/>
-    <p:sldId id="360" r:id="rId8"/>
-    <p:sldId id="367" r:id="rId9"/>
-    <p:sldId id="341" r:id="rId10"/>
-    <p:sldId id="368" r:id="rId11"/>
-    <p:sldId id="317" r:id="rId12"/>
-    <p:sldId id="369" r:id="rId13"/>
-    <p:sldId id="323" r:id="rId14"/>
-    <p:sldId id="371" r:id="rId15"/>
-    <p:sldId id="310" r:id="rId16"/>
-    <p:sldId id="370" r:id="rId17"/>
-    <p:sldId id="325" r:id="rId18"/>
-    <p:sldId id="372" r:id="rId19"/>
-    <p:sldId id="334" r:id="rId20"/>
-    <p:sldId id="373" r:id="rId21"/>
-    <p:sldId id="361" r:id="rId22"/>
-    <p:sldId id="362" r:id="rId23"/>
-    <p:sldId id="363" r:id="rId24"/>
-    <p:sldId id="364" r:id="rId25"/>
-    <p:sldId id="260" r:id="rId26"/>
+    <p:sldId id="374" r:id="rId4"/>
+    <p:sldId id="339" r:id="rId5"/>
+    <p:sldId id="365" r:id="rId6"/>
+    <p:sldId id="298" r:id="rId7"/>
+    <p:sldId id="366" r:id="rId8"/>
+    <p:sldId id="360" r:id="rId9"/>
+    <p:sldId id="367" r:id="rId10"/>
+    <p:sldId id="341" r:id="rId11"/>
+    <p:sldId id="368" r:id="rId12"/>
+    <p:sldId id="317" r:id="rId13"/>
+    <p:sldId id="369" r:id="rId14"/>
+    <p:sldId id="323" r:id="rId15"/>
+    <p:sldId id="371" r:id="rId16"/>
+    <p:sldId id="310" r:id="rId17"/>
+    <p:sldId id="370" r:id="rId18"/>
+    <p:sldId id="325" r:id="rId19"/>
+    <p:sldId id="372" r:id="rId20"/>
+    <p:sldId id="334" r:id="rId21"/>
+    <p:sldId id="373" r:id="rId22"/>
+    <p:sldId id="361" r:id="rId23"/>
+    <p:sldId id="362" r:id="rId24"/>
+    <p:sldId id="363" r:id="rId25"/>
+    <p:sldId id="364" r:id="rId26"/>
+    <p:sldId id="260" r:id="rId27"/>
   </p:sldIdLst>
   <p:sldSz cx="9144000" cy="6858000" type="screen4x3"/>
   <p:notesSz cx="6858000" cy="9144000"/>
@@ -162,6 +163,3140 @@
     </p:ext>
   </p:extLst>
 </p:presentation>
+</file>
+
+<file path=ppt/diagrams/colors1.xml><?xml version="1.0" encoding="utf-8"?>
+<dgm:colorsDef xmlns:dgm="http://schemas.openxmlformats.org/drawingml/2006/diagram" xmlns:a="http://schemas.openxmlformats.org/drawingml/2006/main" uniqueId="urn:microsoft.com/office/officeart/2005/8/colors/accent1_2">
+  <dgm:title val=""/>
+  <dgm:desc val=""/>
+  <dgm:catLst>
+    <dgm:cat type="accent1" pri="11200"/>
+  </dgm:catLst>
+  <dgm:styleLbl name="node0">
+    <dgm:fillClrLst meth="repeat">
+      <a:schemeClr val="accent1"/>
+    </dgm:fillClrLst>
+    <dgm:linClrLst meth="repeat">
+      <a:schemeClr val="lt1"/>
+    </dgm:linClrLst>
+    <dgm:effectClrLst/>
+    <dgm:txLinClrLst/>
+    <dgm:txFillClrLst/>
+    <dgm:txEffectClrLst/>
+  </dgm:styleLbl>
+  <dgm:styleLbl name="alignNode1">
+    <dgm:fillClrLst meth="repeat">
+      <a:schemeClr val="accent1"/>
+    </dgm:fillClrLst>
+    <dgm:linClrLst meth="repeat">
+      <a:schemeClr val="accent1"/>
+    </dgm:linClrLst>
+    <dgm:effectClrLst/>
+    <dgm:txLinClrLst/>
+    <dgm:txFillClrLst/>
+    <dgm:txEffectClrLst/>
+  </dgm:styleLbl>
+  <dgm:styleLbl name="node1">
+    <dgm:fillClrLst meth="repeat">
+      <a:schemeClr val="accent1"/>
+    </dgm:fillClrLst>
+    <dgm:linClrLst meth="repeat">
+      <a:schemeClr val="lt1"/>
+    </dgm:linClrLst>
+    <dgm:effectClrLst/>
+    <dgm:txLinClrLst/>
+    <dgm:txFillClrLst/>
+    <dgm:txEffectClrLst/>
+  </dgm:styleLbl>
+  <dgm:styleLbl name="lnNode1">
+    <dgm:fillClrLst meth="repeat">
+      <a:schemeClr val="accent1"/>
+    </dgm:fillClrLst>
+    <dgm:linClrLst meth="repeat">
+      <a:schemeClr val="lt1"/>
+    </dgm:linClrLst>
+    <dgm:effectClrLst/>
+    <dgm:txLinClrLst/>
+    <dgm:txFillClrLst/>
+    <dgm:txEffectClrLst/>
+  </dgm:styleLbl>
+  <dgm:styleLbl name="vennNode1">
+    <dgm:fillClrLst meth="repeat">
+      <a:schemeClr val="accent1">
+        <a:alpha val="50000"/>
+      </a:schemeClr>
+    </dgm:fillClrLst>
+    <dgm:linClrLst meth="repeat">
+      <a:schemeClr val="lt1"/>
+    </dgm:linClrLst>
+    <dgm:effectClrLst/>
+    <dgm:txLinClrLst/>
+    <dgm:txFillClrLst/>
+    <dgm:txEffectClrLst/>
+  </dgm:styleLbl>
+  <dgm:styleLbl name="node2">
+    <dgm:fillClrLst meth="repeat">
+      <a:schemeClr val="accent1"/>
+    </dgm:fillClrLst>
+    <dgm:linClrLst meth="repeat">
+      <a:schemeClr val="lt1"/>
+    </dgm:linClrLst>
+    <dgm:effectClrLst/>
+    <dgm:txLinClrLst/>
+    <dgm:txFillClrLst/>
+    <dgm:txEffectClrLst/>
+  </dgm:styleLbl>
+  <dgm:styleLbl name="node3">
+    <dgm:fillClrLst meth="repeat">
+      <a:schemeClr val="accent1"/>
+    </dgm:fillClrLst>
+    <dgm:linClrLst meth="repeat">
+      <a:schemeClr val="lt1"/>
+    </dgm:linClrLst>
+    <dgm:effectClrLst/>
+    <dgm:txLinClrLst/>
+    <dgm:txFillClrLst/>
+    <dgm:txEffectClrLst/>
+  </dgm:styleLbl>
+  <dgm:styleLbl name="node4">
+    <dgm:fillClrLst meth="repeat">
+      <a:schemeClr val="accent1"/>
+    </dgm:fillClrLst>
+    <dgm:linClrLst meth="repeat">
+      <a:schemeClr val="lt1"/>
+    </dgm:linClrLst>
+    <dgm:effectClrLst/>
+    <dgm:txLinClrLst/>
+    <dgm:txFillClrLst/>
+    <dgm:txEffectClrLst/>
+  </dgm:styleLbl>
+  <dgm:styleLbl name="fgImgPlace1">
+    <dgm:fillClrLst meth="repeat">
+      <a:schemeClr val="accent1">
+        <a:tint val="50000"/>
+      </a:schemeClr>
+    </dgm:fillClrLst>
+    <dgm:linClrLst meth="repeat">
+      <a:schemeClr val="lt1"/>
+    </dgm:linClrLst>
+    <dgm:effectClrLst/>
+    <dgm:txLinClrLst/>
+    <dgm:txFillClrLst meth="repeat">
+      <a:schemeClr val="lt1"/>
+    </dgm:txFillClrLst>
+    <dgm:txEffectClrLst/>
+  </dgm:styleLbl>
+  <dgm:styleLbl name="alignImgPlace1">
+    <dgm:fillClrLst meth="repeat">
+      <a:schemeClr val="accent1">
+        <a:tint val="50000"/>
+      </a:schemeClr>
+    </dgm:fillClrLst>
+    <dgm:linClrLst meth="repeat">
+      <a:schemeClr val="lt1"/>
+    </dgm:linClrLst>
+    <dgm:effectClrLst/>
+    <dgm:txLinClrLst/>
+    <dgm:txFillClrLst meth="repeat">
+      <a:schemeClr val="lt1"/>
+    </dgm:txFillClrLst>
+    <dgm:txEffectClrLst/>
+  </dgm:styleLbl>
+  <dgm:styleLbl name="bgImgPlace1">
+    <dgm:fillClrLst meth="repeat">
+      <a:schemeClr val="accent1">
+        <a:tint val="50000"/>
+      </a:schemeClr>
+    </dgm:fillClrLst>
+    <dgm:linClrLst meth="repeat">
+      <a:schemeClr val="lt1"/>
+    </dgm:linClrLst>
+    <dgm:effectClrLst/>
+    <dgm:txLinClrLst/>
+    <dgm:txFillClrLst meth="repeat">
+      <a:schemeClr val="lt1"/>
+    </dgm:txFillClrLst>
+    <dgm:txEffectClrLst/>
+  </dgm:styleLbl>
+  <dgm:styleLbl name="sibTrans2D1">
+    <dgm:fillClrLst meth="repeat">
+      <a:schemeClr val="accent1">
+        <a:tint val="60000"/>
+      </a:schemeClr>
+    </dgm:fillClrLst>
+    <dgm:linClrLst meth="repeat">
+      <a:schemeClr val="accent1">
+        <a:tint val="60000"/>
+      </a:schemeClr>
+    </dgm:linClrLst>
+    <dgm:effectClrLst/>
+    <dgm:txLinClrLst/>
+    <dgm:txFillClrLst/>
+    <dgm:txEffectClrLst/>
+  </dgm:styleLbl>
+  <dgm:styleLbl name="fgSibTrans2D1">
+    <dgm:fillClrLst meth="repeat">
+      <a:schemeClr val="accent1">
+        <a:tint val="60000"/>
+      </a:schemeClr>
+    </dgm:fillClrLst>
+    <dgm:linClrLst meth="repeat">
+      <a:schemeClr val="accent1">
+        <a:tint val="60000"/>
+      </a:schemeClr>
+    </dgm:linClrLst>
+    <dgm:effectClrLst/>
+    <dgm:txLinClrLst/>
+    <dgm:txFillClrLst/>
+    <dgm:txEffectClrLst/>
+  </dgm:styleLbl>
+  <dgm:styleLbl name="bgSibTrans2D1">
+    <dgm:fillClrLst meth="repeat">
+      <a:schemeClr val="accent1">
+        <a:tint val="60000"/>
+      </a:schemeClr>
+    </dgm:fillClrLst>
+    <dgm:linClrLst meth="repeat">
+      <a:schemeClr val="accent1">
+        <a:tint val="60000"/>
+      </a:schemeClr>
+    </dgm:linClrLst>
+    <dgm:effectClrLst/>
+    <dgm:txLinClrLst/>
+    <dgm:txFillClrLst/>
+    <dgm:txEffectClrLst/>
+  </dgm:styleLbl>
+  <dgm:styleLbl name="sibTrans1D1">
+    <dgm:fillClrLst meth="repeat">
+      <a:schemeClr val="accent1"/>
+    </dgm:fillClrLst>
+    <dgm:linClrLst meth="repeat">
+      <a:schemeClr val="accent1"/>
+    </dgm:linClrLst>
+    <dgm:effectClrLst/>
+    <dgm:txLinClrLst/>
+    <dgm:txFillClrLst meth="repeat">
+      <a:schemeClr val="tx1"/>
+    </dgm:txFillClrLst>
+    <dgm:txEffectClrLst/>
+  </dgm:styleLbl>
+  <dgm:styleLbl name="callout">
+    <dgm:fillClrLst meth="repeat">
+      <a:schemeClr val="accent1"/>
+    </dgm:fillClrLst>
+    <dgm:linClrLst meth="repeat">
+      <a:schemeClr val="accent1">
+        <a:tint val="50000"/>
+      </a:schemeClr>
+    </dgm:linClrLst>
+    <dgm:effectClrLst/>
+    <dgm:txLinClrLst/>
+    <dgm:txFillClrLst meth="repeat">
+      <a:schemeClr val="tx1"/>
+    </dgm:txFillClrLst>
+    <dgm:txEffectClrLst/>
+  </dgm:styleLbl>
+  <dgm:styleLbl name="asst0">
+    <dgm:fillClrLst meth="repeat">
+      <a:schemeClr val="accent1"/>
+    </dgm:fillClrLst>
+    <dgm:linClrLst meth="repeat">
+      <a:schemeClr val="lt1"/>
+    </dgm:linClrLst>
+    <dgm:effectClrLst/>
+    <dgm:txLinClrLst/>
+    <dgm:txFillClrLst/>
+    <dgm:txEffectClrLst/>
+  </dgm:styleLbl>
+  <dgm:styleLbl name="asst1">
+    <dgm:fillClrLst meth="repeat">
+      <a:schemeClr val="accent1"/>
+    </dgm:fillClrLst>
+    <dgm:linClrLst meth="repeat">
+      <a:schemeClr val="lt1"/>
+    </dgm:linClrLst>
+    <dgm:effectClrLst/>
+    <dgm:txLinClrLst/>
+    <dgm:txFillClrLst/>
+    <dgm:txEffectClrLst/>
+  </dgm:styleLbl>
+  <dgm:styleLbl name="asst2">
+    <dgm:fillClrLst meth="repeat">
+      <a:schemeClr val="accent1"/>
+    </dgm:fillClrLst>
+    <dgm:linClrLst meth="repeat">
+      <a:schemeClr val="lt1"/>
+    </dgm:linClrLst>
+    <dgm:effectClrLst/>
+    <dgm:txLinClrLst/>
+    <dgm:txFillClrLst/>
+    <dgm:txEffectClrLst/>
+  </dgm:styleLbl>
+  <dgm:styleLbl name="asst3">
+    <dgm:fillClrLst meth="repeat">
+      <a:schemeClr val="accent1"/>
+    </dgm:fillClrLst>
+    <dgm:linClrLst meth="repeat">
+      <a:schemeClr val="lt1"/>
+    </dgm:linClrLst>
+    <dgm:effectClrLst/>
+    <dgm:txLinClrLst/>
+    <dgm:txFillClrLst/>
+    <dgm:txEffectClrLst/>
+  </dgm:styleLbl>
+  <dgm:styleLbl name="asst4">
+    <dgm:fillClrLst meth="repeat">
+      <a:schemeClr val="accent1"/>
+    </dgm:fillClrLst>
+    <dgm:linClrLst meth="repeat">
+      <a:schemeClr val="lt1"/>
+    </dgm:linClrLst>
+    <dgm:effectClrLst/>
+    <dgm:txLinClrLst/>
+    <dgm:txFillClrLst/>
+    <dgm:txEffectClrLst/>
+  </dgm:styleLbl>
+  <dgm:styleLbl name="parChTrans2D1">
+    <dgm:fillClrLst meth="repeat">
+      <a:schemeClr val="accent1">
+        <a:tint val="60000"/>
+      </a:schemeClr>
+    </dgm:fillClrLst>
+    <dgm:linClrLst meth="repeat">
+      <a:schemeClr val="accent1">
+        <a:tint val="60000"/>
+      </a:schemeClr>
+    </dgm:linClrLst>
+    <dgm:effectClrLst/>
+    <dgm:txLinClrLst/>
+    <dgm:txFillClrLst meth="repeat">
+      <a:schemeClr val="lt1"/>
+    </dgm:txFillClrLst>
+    <dgm:txEffectClrLst/>
+  </dgm:styleLbl>
+  <dgm:styleLbl name="parChTrans2D2">
+    <dgm:fillClrLst meth="repeat">
+      <a:schemeClr val="accent1"/>
+    </dgm:fillClrLst>
+    <dgm:linClrLst meth="repeat">
+      <a:schemeClr val="accent1"/>
+    </dgm:linClrLst>
+    <dgm:effectClrLst/>
+    <dgm:txLinClrLst/>
+    <dgm:txFillClrLst meth="repeat">
+      <a:schemeClr val="lt1"/>
+    </dgm:txFillClrLst>
+    <dgm:txEffectClrLst/>
+  </dgm:styleLbl>
+  <dgm:styleLbl name="parChTrans2D3">
+    <dgm:fillClrLst meth="repeat">
+      <a:schemeClr val="accent1"/>
+    </dgm:fillClrLst>
+    <dgm:linClrLst meth="repeat">
+      <a:schemeClr val="accent1"/>
+    </dgm:linClrLst>
+    <dgm:effectClrLst/>
+    <dgm:txLinClrLst/>
+    <dgm:txFillClrLst meth="repeat">
+      <a:schemeClr val="lt1"/>
+    </dgm:txFillClrLst>
+    <dgm:txEffectClrLst/>
+  </dgm:styleLbl>
+  <dgm:styleLbl name="parChTrans2D4">
+    <dgm:fillClrLst meth="repeat">
+      <a:schemeClr val="accent1"/>
+    </dgm:fillClrLst>
+    <dgm:linClrLst meth="repeat">
+      <a:schemeClr val="accent1"/>
+    </dgm:linClrLst>
+    <dgm:effectClrLst/>
+    <dgm:txLinClrLst/>
+    <dgm:txFillClrLst meth="repeat">
+      <a:schemeClr val="lt1"/>
+    </dgm:txFillClrLst>
+    <dgm:txEffectClrLst/>
+  </dgm:styleLbl>
+  <dgm:styleLbl name="parChTrans1D1">
+    <dgm:fillClrLst meth="repeat">
+      <a:schemeClr val="accent1"/>
+    </dgm:fillClrLst>
+    <dgm:linClrLst meth="repeat">
+      <a:schemeClr val="accent1">
+        <a:shade val="60000"/>
+      </a:schemeClr>
+    </dgm:linClrLst>
+    <dgm:effectClrLst/>
+    <dgm:txLinClrLst/>
+    <dgm:txFillClrLst meth="repeat">
+      <a:schemeClr val="tx1"/>
+    </dgm:txFillClrLst>
+    <dgm:txEffectClrLst/>
+  </dgm:styleLbl>
+  <dgm:styleLbl name="parChTrans1D2">
+    <dgm:fillClrLst meth="repeat">
+      <a:schemeClr val="accent1"/>
+    </dgm:fillClrLst>
+    <dgm:linClrLst meth="repeat">
+      <a:schemeClr val="accent1">
+        <a:shade val="60000"/>
+      </a:schemeClr>
+    </dgm:linClrLst>
+    <dgm:effectClrLst/>
+    <dgm:txLinClrLst/>
+    <dgm:txFillClrLst meth="repeat">
+      <a:schemeClr val="tx1"/>
+    </dgm:txFillClrLst>
+    <dgm:txEffectClrLst/>
+  </dgm:styleLbl>
+  <dgm:styleLbl name="parChTrans1D3">
+    <dgm:fillClrLst meth="repeat">
+      <a:schemeClr val="accent1"/>
+    </dgm:fillClrLst>
+    <dgm:linClrLst meth="repeat">
+      <a:schemeClr val="accent1">
+        <a:shade val="80000"/>
+      </a:schemeClr>
+    </dgm:linClrLst>
+    <dgm:effectClrLst/>
+    <dgm:txLinClrLst/>
+    <dgm:txFillClrLst meth="repeat">
+      <a:schemeClr val="tx1"/>
+    </dgm:txFillClrLst>
+    <dgm:txEffectClrLst/>
+  </dgm:styleLbl>
+  <dgm:styleLbl name="parChTrans1D4">
+    <dgm:fillClrLst meth="repeat">
+      <a:schemeClr val="accent1"/>
+    </dgm:fillClrLst>
+    <dgm:linClrLst meth="repeat">
+      <a:schemeClr val="accent1">
+        <a:shade val="80000"/>
+      </a:schemeClr>
+    </dgm:linClrLst>
+    <dgm:effectClrLst/>
+    <dgm:txLinClrLst/>
+    <dgm:txFillClrLst meth="repeat">
+      <a:schemeClr val="tx1"/>
+    </dgm:txFillClrLst>
+    <dgm:txEffectClrLst/>
+  </dgm:styleLbl>
+  <dgm:styleLbl name="fgAcc1">
+    <dgm:fillClrLst meth="repeat">
+      <a:schemeClr val="lt1">
+        <a:alpha val="90000"/>
+      </a:schemeClr>
+    </dgm:fillClrLst>
+    <dgm:linClrLst meth="repeat">
+      <a:schemeClr val="accent1"/>
+    </dgm:linClrLst>
+    <dgm:effectClrLst/>
+    <dgm:txLinClrLst/>
+    <dgm:txFillClrLst meth="repeat">
+      <a:schemeClr val="dk1"/>
+    </dgm:txFillClrLst>
+    <dgm:txEffectClrLst/>
+  </dgm:styleLbl>
+  <dgm:styleLbl name="conFgAcc1">
+    <dgm:fillClrLst meth="repeat">
+      <a:schemeClr val="lt1">
+        <a:alpha val="90000"/>
+      </a:schemeClr>
+    </dgm:fillClrLst>
+    <dgm:linClrLst meth="repeat">
+      <a:schemeClr val="accent1"/>
+    </dgm:linClrLst>
+    <dgm:effectClrLst/>
+    <dgm:txLinClrLst/>
+    <dgm:txFillClrLst meth="repeat">
+      <a:schemeClr val="dk1"/>
+    </dgm:txFillClrLst>
+    <dgm:txEffectClrLst/>
+  </dgm:styleLbl>
+  <dgm:styleLbl name="alignAcc1">
+    <dgm:fillClrLst meth="repeat">
+      <a:schemeClr val="lt1">
+        <a:alpha val="90000"/>
+      </a:schemeClr>
+    </dgm:fillClrLst>
+    <dgm:linClrLst meth="repeat">
+      <a:schemeClr val="accent1"/>
+    </dgm:linClrLst>
+    <dgm:effectClrLst/>
+    <dgm:txLinClrLst/>
+    <dgm:txFillClrLst meth="repeat">
+      <a:schemeClr val="dk1"/>
+    </dgm:txFillClrLst>
+    <dgm:txEffectClrLst/>
+  </dgm:styleLbl>
+  <dgm:styleLbl name="trAlignAcc1">
+    <dgm:fillClrLst meth="repeat">
+      <a:schemeClr val="lt1">
+        <a:alpha val="40000"/>
+      </a:schemeClr>
+    </dgm:fillClrLst>
+    <dgm:linClrLst meth="repeat">
+      <a:schemeClr val="accent1"/>
+    </dgm:linClrLst>
+    <dgm:effectClrLst/>
+    <dgm:txLinClrLst/>
+    <dgm:txFillClrLst meth="repeat">
+      <a:schemeClr val="dk1"/>
+    </dgm:txFillClrLst>
+    <dgm:txEffectClrLst/>
+  </dgm:styleLbl>
+  <dgm:styleLbl name="bgAcc1">
+    <dgm:fillClrLst meth="repeat">
+      <a:schemeClr val="lt1">
+        <a:alpha val="90000"/>
+      </a:schemeClr>
+    </dgm:fillClrLst>
+    <dgm:linClrLst meth="repeat">
+      <a:schemeClr val="accent1"/>
+    </dgm:linClrLst>
+    <dgm:effectClrLst/>
+    <dgm:txLinClrLst/>
+    <dgm:txFillClrLst meth="repeat">
+      <a:schemeClr val="dk1"/>
+    </dgm:txFillClrLst>
+    <dgm:txEffectClrLst/>
+  </dgm:styleLbl>
+  <dgm:styleLbl name="solidFgAcc1">
+    <dgm:fillClrLst meth="repeat">
+      <a:schemeClr val="lt1"/>
+    </dgm:fillClrLst>
+    <dgm:linClrLst meth="repeat">
+      <a:schemeClr val="accent1"/>
+    </dgm:linClrLst>
+    <dgm:effectClrLst/>
+    <dgm:txLinClrLst/>
+    <dgm:txFillClrLst meth="repeat">
+      <a:schemeClr val="dk1"/>
+    </dgm:txFillClrLst>
+    <dgm:txEffectClrLst/>
+  </dgm:styleLbl>
+  <dgm:styleLbl name="solidAlignAcc1">
+    <dgm:fillClrLst meth="repeat">
+      <a:schemeClr val="lt1"/>
+    </dgm:fillClrLst>
+    <dgm:linClrLst meth="repeat">
+      <a:schemeClr val="accent1"/>
+    </dgm:linClrLst>
+    <dgm:effectClrLst/>
+    <dgm:txLinClrLst/>
+    <dgm:txFillClrLst meth="repeat">
+      <a:schemeClr val="dk1"/>
+    </dgm:txFillClrLst>
+    <dgm:txEffectClrLst/>
+  </dgm:styleLbl>
+  <dgm:styleLbl name="solidBgAcc1">
+    <dgm:fillClrLst meth="repeat">
+      <a:schemeClr val="lt1"/>
+    </dgm:fillClrLst>
+    <dgm:linClrLst meth="repeat">
+      <a:schemeClr val="accent1"/>
+    </dgm:linClrLst>
+    <dgm:effectClrLst/>
+    <dgm:txLinClrLst/>
+    <dgm:txFillClrLst meth="repeat">
+      <a:schemeClr val="dk1"/>
+    </dgm:txFillClrLst>
+    <dgm:txEffectClrLst/>
+  </dgm:styleLbl>
+  <dgm:styleLbl name="fgAccFollowNode1">
+    <dgm:fillClrLst meth="repeat">
+      <a:schemeClr val="accent1">
+        <a:alpha val="90000"/>
+        <a:tint val="40000"/>
+      </a:schemeClr>
+    </dgm:fillClrLst>
+    <dgm:linClrLst meth="repeat">
+      <a:schemeClr val="accent1">
+        <a:alpha val="90000"/>
+        <a:tint val="40000"/>
+      </a:schemeClr>
+    </dgm:linClrLst>
+    <dgm:effectClrLst/>
+    <dgm:txLinClrLst/>
+    <dgm:txFillClrLst meth="repeat">
+      <a:schemeClr val="dk1"/>
+    </dgm:txFillClrLst>
+    <dgm:txEffectClrLst/>
+  </dgm:styleLbl>
+  <dgm:styleLbl name="alignAccFollowNode1">
+    <dgm:fillClrLst meth="repeat">
+      <a:schemeClr val="accent1">
+        <a:alpha val="90000"/>
+        <a:tint val="40000"/>
+      </a:schemeClr>
+    </dgm:fillClrLst>
+    <dgm:linClrLst meth="repeat">
+      <a:schemeClr val="accent1">
+        <a:alpha val="90000"/>
+        <a:tint val="40000"/>
+      </a:schemeClr>
+    </dgm:linClrLst>
+    <dgm:effectClrLst/>
+    <dgm:txLinClrLst/>
+    <dgm:txFillClrLst meth="repeat">
+      <a:schemeClr val="dk1"/>
+    </dgm:txFillClrLst>
+    <dgm:txEffectClrLst/>
+  </dgm:styleLbl>
+  <dgm:styleLbl name="bgAccFollowNode1">
+    <dgm:fillClrLst meth="repeat">
+      <a:schemeClr val="accent1">
+        <a:alpha val="90000"/>
+        <a:tint val="40000"/>
+      </a:schemeClr>
+    </dgm:fillClrLst>
+    <dgm:linClrLst meth="repeat">
+      <a:schemeClr val="accent1">
+        <a:alpha val="90000"/>
+        <a:tint val="40000"/>
+      </a:schemeClr>
+    </dgm:linClrLst>
+    <dgm:effectClrLst/>
+    <dgm:txLinClrLst/>
+    <dgm:txFillClrLst meth="repeat">
+      <a:schemeClr val="dk1"/>
+    </dgm:txFillClrLst>
+    <dgm:txEffectClrLst/>
+  </dgm:styleLbl>
+  <dgm:styleLbl name="fgAcc0">
+    <dgm:fillClrLst meth="repeat">
+      <a:schemeClr val="lt1">
+        <a:alpha val="90000"/>
+      </a:schemeClr>
+    </dgm:fillClrLst>
+    <dgm:linClrLst meth="repeat">
+      <a:schemeClr val="accent1"/>
+    </dgm:linClrLst>
+    <dgm:effectClrLst/>
+    <dgm:txLinClrLst/>
+    <dgm:txFillClrLst meth="repeat">
+      <a:schemeClr val="dk1"/>
+    </dgm:txFillClrLst>
+    <dgm:txEffectClrLst/>
+  </dgm:styleLbl>
+  <dgm:styleLbl name="fgAcc2">
+    <dgm:fillClrLst meth="repeat">
+      <a:schemeClr val="lt1">
+        <a:alpha val="90000"/>
+      </a:schemeClr>
+    </dgm:fillClrLst>
+    <dgm:linClrLst meth="repeat">
+      <a:schemeClr val="accent1"/>
+    </dgm:linClrLst>
+    <dgm:effectClrLst/>
+    <dgm:txLinClrLst/>
+    <dgm:txFillClrLst meth="repeat">
+      <a:schemeClr val="dk1"/>
+    </dgm:txFillClrLst>
+    <dgm:txEffectClrLst/>
+  </dgm:styleLbl>
+  <dgm:styleLbl name="fgAcc3">
+    <dgm:fillClrLst meth="repeat">
+      <a:schemeClr val="lt1">
+        <a:alpha val="90000"/>
+      </a:schemeClr>
+    </dgm:fillClrLst>
+    <dgm:linClrLst meth="repeat">
+      <a:schemeClr val="accent1"/>
+    </dgm:linClrLst>
+    <dgm:effectClrLst/>
+    <dgm:txLinClrLst/>
+    <dgm:txFillClrLst meth="repeat">
+      <a:schemeClr val="dk1"/>
+    </dgm:txFillClrLst>
+    <dgm:txEffectClrLst/>
+  </dgm:styleLbl>
+  <dgm:styleLbl name="fgAcc4">
+    <dgm:fillClrLst meth="repeat">
+      <a:schemeClr val="lt1">
+        <a:alpha val="90000"/>
+      </a:schemeClr>
+    </dgm:fillClrLst>
+    <dgm:linClrLst meth="repeat">
+      <a:schemeClr val="accent1"/>
+    </dgm:linClrLst>
+    <dgm:effectClrLst/>
+    <dgm:txLinClrLst/>
+    <dgm:txFillClrLst meth="repeat">
+      <a:schemeClr val="dk1"/>
+    </dgm:txFillClrLst>
+    <dgm:txEffectClrLst/>
+  </dgm:styleLbl>
+  <dgm:styleLbl name="bgShp">
+    <dgm:fillClrLst meth="repeat">
+      <a:schemeClr val="accent1">
+        <a:tint val="40000"/>
+      </a:schemeClr>
+    </dgm:fillClrLst>
+    <dgm:linClrLst meth="repeat">
+      <a:schemeClr val="accent1"/>
+    </dgm:linClrLst>
+    <dgm:effectClrLst/>
+    <dgm:txLinClrLst/>
+    <dgm:txFillClrLst meth="repeat">
+      <a:schemeClr val="dk1"/>
+    </dgm:txFillClrLst>
+    <dgm:txEffectClrLst/>
+  </dgm:styleLbl>
+  <dgm:styleLbl name="dkBgShp">
+    <dgm:fillClrLst meth="repeat">
+      <a:schemeClr val="accent1">
+        <a:shade val="80000"/>
+      </a:schemeClr>
+    </dgm:fillClrLst>
+    <dgm:linClrLst meth="repeat">
+      <a:schemeClr val="accent1"/>
+    </dgm:linClrLst>
+    <dgm:effectClrLst/>
+    <dgm:txLinClrLst/>
+    <dgm:txFillClrLst meth="repeat">
+      <a:schemeClr val="lt1"/>
+    </dgm:txFillClrLst>
+    <dgm:txEffectClrLst/>
+  </dgm:styleLbl>
+  <dgm:styleLbl name="trBgShp">
+    <dgm:fillClrLst meth="repeat">
+      <a:schemeClr val="accent1">
+        <a:tint val="50000"/>
+        <a:alpha val="40000"/>
+      </a:schemeClr>
+    </dgm:fillClrLst>
+    <dgm:linClrLst meth="repeat">
+      <a:schemeClr val="accent1"/>
+    </dgm:linClrLst>
+    <dgm:effectClrLst/>
+    <dgm:txLinClrLst/>
+    <dgm:txFillClrLst meth="repeat">
+      <a:schemeClr val="lt1"/>
+    </dgm:txFillClrLst>
+    <dgm:txEffectClrLst/>
+  </dgm:styleLbl>
+  <dgm:styleLbl name="fgShp">
+    <dgm:fillClrLst meth="repeat">
+      <a:schemeClr val="accent1">
+        <a:tint val="60000"/>
+      </a:schemeClr>
+    </dgm:fillClrLst>
+    <dgm:linClrLst meth="repeat">
+      <a:schemeClr val="lt1"/>
+    </dgm:linClrLst>
+    <dgm:effectClrLst/>
+    <dgm:txLinClrLst/>
+    <dgm:txFillClrLst meth="repeat">
+      <a:schemeClr val="dk1"/>
+    </dgm:txFillClrLst>
+    <dgm:txEffectClrLst/>
+  </dgm:styleLbl>
+  <dgm:styleLbl name="revTx">
+    <dgm:fillClrLst meth="repeat">
+      <a:schemeClr val="lt1">
+        <a:alpha val="0"/>
+      </a:schemeClr>
+    </dgm:fillClrLst>
+    <dgm:linClrLst meth="repeat">
+      <a:schemeClr val="dk1">
+        <a:alpha val="0"/>
+      </a:schemeClr>
+    </dgm:linClrLst>
+    <dgm:effectClrLst/>
+    <dgm:txLinClrLst/>
+    <dgm:txFillClrLst meth="repeat">
+      <a:schemeClr val="tx1"/>
+    </dgm:txFillClrLst>
+    <dgm:txEffectClrLst/>
+  </dgm:styleLbl>
+</dgm:colorsDef>
+</file>
+
+<file path=ppt/diagrams/data1.xml><?xml version="1.0" encoding="utf-8"?>
+<dgm:dataModel xmlns:dgm="http://schemas.openxmlformats.org/drawingml/2006/diagram" xmlns:a="http://schemas.openxmlformats.org/drawingml/2006/main">
+  <dgm:ptLst>
+    <dgm:pt modelId="{233433E0-C328-4AD6-84B4-CF9934BF7D41}" type="doc">
+      <dgm:prSet loTypeId="urn:microsoft.com/office/officeart/2018/2/layout/IconVerticalSolidList" loCatId="icon" qsTypeId="urn:microsoft.com/office/officeart/2005/8/quickstyle/simple1" qsCatId="simple" csTypeId="urn:microsoft.com/office/officeart/2005/8/colors/accent1_2" csCatId="accent1" phldr="1"/>
+      <dgm:spPr/>
+      <dgm:t>
+        <a:bodyPr/>
+        <a:lstStyle/>
+        <a:p>
+          <a:endParaRPr lang="en-US"/>
+        </a:p>
+      </dgm:t>
+    </dgm:pt>
+    <dgm:pt modelId="{FC41A998-E98F-4A80-AA96-A9E78B6013DE}">
+      <dgm:prSet/>
+      <dgm:spPr/>
+      <dgm:t>
+        <a:bodyPr/>
+        <a:lstStyle/>
+        <a:p>
+          <a:pPr>
+            <a:lnSpc>
+              <a:spcPct val="100000"/>
+            </a:lnSpc>
+          </a:pPr>
+          <a:r>
+            <a:rPr lang="en-CA"/>
+            <a:t>Start with descriptive, hypothesis testing methods, then progress to model-based methods</a:t>
+          </a:r>
+          <a:endParaRPr lang="en-US"/>
+        </a:p>
+      </dgm:t>
+    </dgm:pt>
+    <dgm:pt modelId="{1E3CDD6C-41E9-4A59-82C6-557372934E25}" type="parTrans" cxnId="{B48BD7B3-D0E0-418F-945F-C5016DF6B557}">
+      <dgm:prSet/>
+      <dgm:spPr/>
+      <dgm:t>
+        <a:bodyPr/>
+        <a:lstStyle/>
+        <a:p>
+          <a:endParaRPr lang="en-US"/>
+        </a:p>
+      </dgm:t>
+    </dgm:pt>
+    <dgm:pt modelId="{3FBC0116-B8FC-46A7-8C92-CF66DF383A16}" type="sibTrans" cxnId="{B48BD7B3-D0E0-418F-945F-C5016DF6B557}">
+      <dgm:prSet/>
+      <dgm:spPr/>
+      <dgm:t>
+        <a:bodyPr/>
+        <a:lstStyle/>
+        <a:p>
+          <a:endParaRPr lang="en-US"/>
+        </a:p>
+      </dgm:t>
+    </dgm:pt>
+    <dgm:pt modelId="{B847ED0E-3461-46E7-8113-58C7DADB798A}">
+      <dgm:prSet/>
+      <dgm:spPr/>
+      <dgm:t>
+        <a:bodyPr/>
+        <a:lstStyle/>
+        <a:p>
+          <a:pPr>
+            <a:lnSpc>
+              <a:spcPct val="100000"/>
+            </a:lnSpc>
+          </a:pPr>
+          <a:r>
+            <a:rPr lang="en-CA" dirty="0"/>
+            <a:t>Visual tools for thinking &amp; understanding</a:t>
+          </a:r>
+          <a:endParaRPr lang="en-US" dirty="0"/>
+        </a:p>
+      </dgm:t>
+    </dgm:pt>
+    <dgm:pt modelId="{26392040-F129-46D5-A68E-B2CD173C8CB0}" type="parTrans" cxnId="{6981B48C-E571-4635-8E20-6AB6D8EDA21D}">
+      <dgm:prSet/>
+      <dgm:spPr/>
+      <dgm:t>
+        <a:bodyPr/>
+        <a:lstStyle/>
+        <a:p>
+          <a:endParaRPr lang="en-US"/>
+        </a:p>
+      </dgm:t>
+    </dgm:pt>
+    <dgm:pt modelId="{97B6E262-6EE4-41B9-B582-620159111A13}" type="sibTrans" cxnId="{6981B48C-E571-4635-8E20-6AB6D8EDA21D}">
+      <dgm:prSet/>
+      <dgm:spPr/>
+      <dgm:t>
+        <a:bodyPr/>
+        <a:lstStyle/>
+        <a:p>
+          <a:endParaRPr lang="en-US"/>
+        </a:p>
+      </dgm:t>
+    </dgm:pt>
+    <dgm:pt modelId="{B3A3FBE6-5A5B-4BAF-A034-CF324BEBA275}">
+      <dgm:prSet/>
+      <dgm:spPr/>
+      <dgm:t>
+        <a:bodyPr/>
+        <a:lstStyle/>
+        <a:p>
+          <a:pPr>
+            <a:lnSpc>
+              <a:spcPct val="100000"/>
+            </a:lnSpc>
+          </a:pPr>
+          <a:r>
+            <a:rPr lang="en-CA"/>
+            <a:t>Sieve plots, mosaic plots, spineplots, …</a:t>
+          </a:r>
+          <a:endParaRPr lang="en-US"/>
+        </a:p>
+      </dgm:t>
+    </dgm:pt>
+    <dgm:pt modelId="{5CB18CDF-5F0D-4943-AF49-765310B66696}" type="parTrans" cxnId="{C679CA07-3455-484B-8FFC-79EFCE618136}">
+      <dgm:prSet/>
+      <dgm:spPr/>
+      <dgm:t>
+        <a:bodyPr/>
+        <a:lstStyle/>
+        <a:p>
+          <a:endParaRPr lang="en-US"/>
+        </a:p>
+      </dgm:t>
+    </dgm:pt>
+    <dgm:pt modelId="{9B581706-6038-4B25-98C3-C69B38000DF6}" type="sibTrans" cxnId="{C679CA07-3455-484B-8FFC-79EFCE618136}">
+      <dgm:prSet/>
+      <dgm:spPr/>
+      <dgm:t>
+        <a:bodyPr/>
+        <a:lstStyle/>
+        <a:p>
+          <a:endParaRPr lang="en-US"/>
+        </a:p>
+      </dgm:t>
+    </dgm:pt>
+    <dgm:pt modelId="{92EE31BA-C7B8-45ED-AEAA-ED48AEE18C73}">
+      <dgm:prSet/>
+      <dgm:spPr/>
+      <dgm:t>
+        <a:bodyPr/>
+        <a:lstStyle/>
+        <a:p>
+          <a:pPr>
+            <a:lnSpc>
+              <a:spcPct val="100000"/>
+            </a:lnSpc>
+          </a:pPr>
+          <a:r>
+            <a:rPr lang="en-CA"/>
+            <a:t>Correspondence analysis: best 2D summary</a:t>
+          </a:r>
+          <a:endParaRPr lang="en-US"/>
+        </a:p>
+      </dgm:t>
+    </dgm:pt>
+    <dgm:pt modelId="{6E2F7F77-4323-4F52-9C49-8A7E036B4B37}" type="parTrans" cxnId="{97D1C87E-BF9E-4C8E-8E1E-16AF896BF239}">
+      <dgm:prSet/>
+      <dgm:spPr/>
+      <dgm:t>
+        <a:bodyPr/>
+        <a:lstStyle/>
+        <a:p>
+          <a:endParaRPr lang="en-US"/>
+        </a:p>
+      </dgm:t>
+    </dgm:pt>
+    <dgm:pt modelId="{3592959C-46F0-4140-B8D8-E1C84FD8C671}" type="sibTrans" cxnId="{97D1C87E-BF9E-4C8E-8E1E-16AF896BF239}">
+      <dgm:prSet/>
+      <dgm:spPr/>
+      <dgm:t>
+        <a:bodyPr/>
+        <a:lstStyle/>
+        <a:p>
+          <a:endParaRPr lang="en-US"/>
+        </a:p>
+      </dgm:t>
+    </dgm:pt>
+    <dgm:pt modelId="{16FE35DB-D9EB-46E2-B728-CCAFE079EB2F}">
+      <dgm:prSet/>
+      <dgm:spPr/>
+      <dgm:t>
+        <a:bodyPr/>
+        <a:lstStyle/>
+        <a:p>
+          <a:pPr>
+            <a:lnSpc>
+              <a:spcPct val="100000"/>
+            </a:lnSpc>
+          </a:pPr>
+          <a:r>
+            <a:rPr lang="en-CA"/>
+            <a:t>Effect plots, Data + Model plots</a:t>
+          </a:r>
+          <a:endParaRPr lang="en-US"/>
+        </a:p>
+      </dgm:t>
+    </dgm:pt>
+    <dgm:pt modelId="{34184181-909A-4704-88CB-7870493351E9}" type="parTrans" cxnId="{1882BD74-176F-4425-B4F8-0022F6969C62}">
+      <dgm:prSet/>
+      <dgm:spPr/>
+      <dgm:t>
+        <a:bodyPr/>
+        <a:lstStyle/>
+        <a:p>
+          <a:endParaRPr lang="en-US"/>
+        </a:p>
+      </dgm:t>
+    </dgm:pt>
+    <dgm:pt modelId="{716C9CCC-A2AC-4163-9783-7CDD66AF5320}" type="sibTrans" cxnId="{1882BD74-176F-4425-B4F8-0022F6969C62}">
+      <dgm:prSet/>
+      <dgm:spPr/>
+      <dgm:t>
+        <a:bodyPr/>
+        <a:lstStyle/>
+        <a:p>
+          <a:endParaRPr lang="en-US"/>
+        </a:p>
+      </dgm:t>
+    </dgm:pt>
+    <dgm:pt modelId="{A65E3886-7C7A-442B-B982-A99A9EDAA531}">
+      <dgm:prSet/>
+      <dgm:spPr/>
+      <dgm:t>
+        <a:bodyPr/>
+        <a:lstStyle/>
+        <a:p>
+          <a:pPr>
+            <a:lnSpc>
+              <a:spcPct val="100000"/>
+            </a:lnSpc>
+          </a:pPr>
+          <a:r>
+            <a:rPr lang="en-CA"/>
+            <a:t>Build from simple, loglinear models to more complex ones</a:t>
+          </a:r>
+          <a:endParaRPr lang="en-US"/>
+        </a:p>
+      </dgm:t>
+    </dgm:pt>
+    <dgm:pt modelId="{4DEA5D59-1732-4FD3-B61D-0EC9327BFAE7}" type="parTrans" cxnId="{826141D3-6CF9-42D3-B8AE-3DA51D9655B1}">
+      <dgm:prSet/>
+      <dgm:spPr/>
+      <dgm:t>
+        <a:bodyPr/>
+        <a:lstStyle/>
+        <a:p>
+          <a:endParaRPr lang="en-US"/>
+        </a:p>
+      </dgm:t>
+    </dgm:pt>
+    <dgm:pt modelId="{B52950F8-1DBA-49AA-B10D-53F2AA00AD45}" type="sibTrans" cxnId="{826141D3-6CF9-42D3-B8AE-3DA51D9655B1}">
+      <dgm:prSet/>
+      <dgm:spPr/>
+      <dgm:t>
+        <a:bodyPr/>
+        <a:lstStyle/>
+        <a:p>
+          <a:endParaRPr lang="en-US"/>
+        </a:p>
+      </dgm:t>
+    </dgm:pt>
+    <dgm:pt modelId="{00A7CA57-BD6F-4618-837D-83CE16D9643A}" type="pres">
+      <dgm:prSet presAssocID="{233433E0-C328-4AD6-84B4-CF9934BF7D41}" presName="root" presStyleCnt="0">
+        <dgm:presLayoutVars>
+          <dgm:dir/>
+          <dgm:resizeHandles val="exact"/>
+        </dgm:presLayoutVars>
+      </dgm:prSet>
+      <dgm:spPr/>
+    </dgm:pt>
+    <dgm:pt modelId="{92E051DA-07D5-4C2E-8F47-35EE7C10203A}" type="pres">
+      <dgm:prSet presAssocID="{FC41A998-E98F-4A80-AA96-A9E78B6013DE}" presName="compNode" presStyleCnt="0"/>
+      <dgm:spPr/>
+    </dgm:pt>
+    <dgm:pt modelId="{2827F806-2CC6-430D-9518-519AE77A5BD9}" type="pres">
+      <dgm:prSet presAssocID="{FC41A998-E98F-4A80-AA96-A9E78B6013DE}" presName="bgRect" presStyleLbl="bgShp" presStyleIdx="0" presStyleCnt="3"/>
+      <dgm:spPr/>
+    </dgm:pt>
+    <dgm:pt modelId="{E5B51C0D-A214-41A9-9D47-FD7524BA06E7}" type="pres">
+      <dgm:prSet presAssocID="{FC41A998-E98F-4A80-AA96-A9E78B6013DE}" presName="iconRect" presStyleLbl="node1" presStyleIdx="0" presStyleCnt="3"/>
+      <dgm:spPr>
+        <a:blipFill>
+          <a:blip xmlns:r="http://schemas.openxmlformats.org/officeDocument/2006/relationships" r:embed="rId1">
+            <a:extLst>
+              <a:ext uri="{28A0092B-C50C-407E-A947-70E740481C1C}">
+                <a14:useLocalDpi xmlns:a14="http://schemas.microsoft.com/office/drawing/2010/main" val="0"/>
+              </a:ext>
+              <a:ext uri="{96DAC541-7B7A-43D3-8B79-37D633B846F1}">
+                <asvg:svgBlip xmlns:asvg="http://schemas.microsoft.com/office/drawing/2016/SVG/main" r:embed="rId2"/>
+              </a:ext>
+            </a:extLst>
+          </a:blip>
+          <a:stretch>
+            <a:fillRect/>
+          </a:stretch>
+        </a:blipFill>
+      </dgm:spPr>
+      <dgm:extLst>
+        <a:ext uri="{E40237B7-FDA0-4F09-8148-C483321AD2D9}">
+          <dgm14:cNvPr xmlns:dgm14="http://schemas.microsoft.com/office/drawing/2010/diagram" id="0" name="" descr="Test tubes"/>
+        </a:ext>
+      </dgm:extLst>
+    </dgm:pt>
+    <dgm:pt modelId="{62C06899-BDA4-48AB-BF10-70475ADE1665}" type="pres">
+      <dgm:prSet presAssocID="{FC41A998-E98F-4A80-AA96-A9E78B6013DE}" presName="spaceRect" presStyleCnt="0"/>
+      <dgm:spPr/>
+    </dgm:pt>
+    <dgm:pt modelId="{719D622A-F770-4981-9143-CFC8B6B98CBC}" type="pres">
+      <dgm:prSet presAssocID="{FC41A998-E98F-4A80-AA96-A9E78B6013DE}" presName="parTx" presStyleLbl="revTx" presStyleIdx="0" presStyleCnt="4">
+        <dgm:presLayoutVars>
+          <dgm:chMax val="0"/>
+          <dgm:chPref val="0"/>
+        </dgm:presLayoutVars>
+      </dgm:prSet>
+      <dgm:spPr/>
+    </dgm:pt>
+    <dgm:pt modelId="{A9D139BA-913B-48ED-8260-88C6F98E808F}" type="pres">
+      <dgm:prSet presAssocID="{3FBC0116-B8FC-46A7-8C92-CF66DF383A16}" presName="sibTrans" presStyleCnt="0"/>
+      <dgm:spPr/>
+    </dgm:pt>
+    <dgm:pt modelId="{E5B2A3F0-73C6-4ABC-A5BF-ED99D98EC0DB}" type="pres">
+      <dgm:prSet presAssocID="{B847ED0E-3461-46E7-8113-58C7DADB798A}" presName="compNode" presStyleCnt="0"/>
+      <dgm:spPr/>
+    </dgm:pt>
+    <dgm:pt modelId="{8301F6CE-D42A-4A73-810D-88F92C6C4C5D}" type="pres">
+      <dgm:prSet presAssocID="{B847ED0E-3461-46E7-8113-58C7DADB798A}" presName="bgRect" presStyleLbl="bgShp" presStyleIdx="1" presStyleCnt="3"/>
+      <dgm:spPr/>
+    </dgm:pt>
+    <dgm:pt modelId="{5426F10A-1809-4CA3-B933-E0048DCB6DDA}" type="pres">
+      <dgm:prSet presAssocID="{B847ED0E-3461-46E7-8113-58C7DADB798A}" presName="iconRect" presStyleLbl="node1" presStyleIdx="1" presStyleCnt="3"/>
+      <dgm:spPr>
+        <a:blipFill>
+          <a:blip xmlns:r="http://schemas.openxmlformats.org/officeDocument/2006/relationships" r:embed="rId3">
+            <a:extLst>
+              <a:ext uri="{28A0092B-C50C-407E-A947-70E740481C1C}">
+                <a14:useLocalDpi xmlns:a14="http://schemas.microsoft.com/office/drawing/2010/main" val="0"/>
+              </a:ext>
+              <a:ext uri="{96DAC541-7B7A-43D3-8B79-37D633B846F1}">
+                <asvg:svgBlip xmlns:asvg="http://schemas.microsoft.com/office/drawing/2016/SVG/main" r:embed="rId4"/>
+              </a:ext>
+            </a:extLst>
+          </a:blip>
+          <a:stretch>
+            <a:fillRect/>
+          </a:stretch>
+        </a:blipFill>
+      </dgm:spPr>
+      <dgm:extLst>
+        <a:ext uri="{E40237B7-FDA0-4F09-8148-C483321AD2D9}">
+          <dgm14:cNvPr xmlns:dgm14="http://schemas.microsoft.com/office/drawing/2010/diagram" id="0" name="" descr="Statistics"/>
+        </a:ext>
+      </dgm:extLst>
+    </dgm:pt>
+    <dgm:pt modelId="{F5ED1A72-F68D-4BC5-8991-CDB0B3C9C292}" type="pres">
+      <dgm:prSet presAssocID="{B847ED0E-3461-46E7-8113-58C7DADB798A}" presName="spaceRect" presStyleCnt="0"/>
+      <dgm:spPr/>
+    </dgm:pt>
+    <dgm:pt modelId="{36CE07EE-29A2-491D-8A4B-D82925FD2D2E}" type="pres">
+      <dgm:prSet presAssocID="{B847ED0E-3461-46E7-8113-58C7DADB798A}" presName="parTx" presStyleLbl="revTx" presStyleIdx="1" presStyleCnt="4">
+        <dgm:presLayoutVars>
+          <dgm:chMax val="0"/>
+          <dgm:chPref val="0"/>
+        </dgm:presLayoutVars>
+      </dgm:prSet>
+      <dgm:spPr/>
+    </dgm:pt>
+    <dgm:pt modelId="{23932328-9F65-40D1-9330-DD2D59D992BC}" type="pres">
+      <dgm:prSet presAssocID="{B847ED0E-3461-46E7-8113-58C7DADB798A}" presName="desTx" presStyleLbl="revTx" presStyleIdx="2" presStyleCnt="4">
+        <dgm:presLayoutVars/>
+      </dgm:prSet>
+      <dgm:spPr/>
+    </dgm:pt>
+    <dgm:pt modelId="{CF5E90B2-92F9-46F7-8B4A-84F05AE3214D}" type="pres">
+      <dgm:prSet presAssocID="{97B6E262-6EE4-41B9-B582-620159111A13}" presName="sibTrans" presStyleCnt="0"/>
+      <dgm:spPr/>
+    </dgm:pt>
+    <dgm:pt modelId="{A7EB078C-DA6B-479D-BA10-7D579C5B5B52}" type="pres">
+      <dgm:prSet presAssocID="{A65E3886-7C7A-442B-B982-A99A9EDAA531}" presName="compNode" presStyleCnt="0"/>
+      <dgm:spPr/>
+    </dgm:pt>
+    <dgm:pt modelId="{CDBC4275-C7C5-4F71-9D47-CCB2D1EE3D0A}" type="pres">
+      <dgm:prSet presAssocID="{A65E3886-7C7A-442B-B982-A99A9EDAA531}" presName="bgRect" presStyleLbl="bgShp" presStyleIdx="2" presStyleCnt="3"/>
+      <dgm:spPr/>
+    </dgm:pt>
+    <dgm:pt modelId="{1D3D79CA-CE57-4583-9095-2E0C5BD58180}" type="pres">
+      <dgm:prSet presAssocID="{A65E3886-7C7A-442B-B982-A99A9EDAA531}" presName="iconRect" presStyleLbl="node1" presStyleIdx="2" presStyleCnt="3"/>
+      <dgm:spPr>
+        <a:blipFill>
+          <a:blip xmlns:r="http://schemas.openxmlformats.org/officeDocument/2006/relationships" r:embed="rId5">
+            <a:extLst>
+              <a:ext uri="{28A0092B-C50C-407E-A947-70E740481C1C}">
+                <a14:useLocalDpi xmlns:a14="http://schemas.microsoft.com/office/drawing/2010/main" val="0"/>
+              </a:ext>
+              <a:ext uri="{96DAC541-7B7A-43D3-8B79-37D633B846F1}">
+                <asvg:svgBlip xmlns:asvg="http://schemas.microsoft.com/office/drawing/2016/SVG/main" r:embed="rId6"/>
+              </a:ext>
+            </a:extLst>
+          </a:blip>
+          <a:stretch>
+            <a:fillRect/>
+          </a:stretch>
+        </a:blipFill>
+      </dgm:spPr>
+      <dgm:extLst>
+        <a:ext uri="{E40237B7-FDA0-4F09-8148-C483321AD2D9}">
+          <dgm14:cNvPr xmlns:dgm14="http://schemas.microsoft.com/office/drawing/2010/diagram" id="0" name="" descr="Pyramid with Levels"/>
+        </a:ext>
+      </dgm:extLst>
+    </dgm:pt>
+    <dgm:pt modelId="{CA179525-B90E-4E8C-B869-1B8CBBF4453F}" type="pres">
+      <dgm:prSet presAssocID="{A65E3886-7C7A-442B-B982-A99A9EDAA531}" presName="spaceRect" presStyleCnt="0"/>
+      <dgm:spPr/>
+    </dgm:pt>
+    <dgm:pt modelId="{C25CACD3-C3F0-467F-BFBC-6E6A8CBC6379}" type="pres">
+      <dgm:prSet presAssocID="{A65E3886-7C7A-442B-B982-A99A9EDAA531}" presName="parTx" presStyleLbl="revTx" presStyleIdx="3" presStyleCnt="4">
+        <dgm:presLayoutVars>
+          <dgm:chMax val="0"/>
+          <dgm:chPref val="0"/>
+        </dgm:presLayoutVars>
+      </dgm:prSet>
+      <dgm:spPr/>
+    </dgm:pt>
+  </dgm:ptLst>
+  <dgm:cxnLst>
+    <dgm:cxn modelId="{C679CA07-3455-484B-8FFC-79EFCE618136}" srcId="{B847ED0E-3461-46E7-8113-58C7DADB798A}" destId="{B3A3FBE6-5A5B-4BAF-A034-CF324BEBA275}" srcOrd="0" destOrd="0" parTransId="{5CB18CDF-5F0D-4943-AF49-765310B66696}" sibTransId="{9B581706-6038-4B25-98C3-C69B38000DF6}"/>
+    <dgm:cxn modelId="{D6F84D10-A723-4C0D-A219-65FF130EF97A}" type="presOf" srcId="{B3A3FBE6-5A5B-4BAF-A034-CF324BEBA275}" destId="{23932328-9F65-40D1-9330-DD2D59D992BC}" srcOrd="0" destOrd="0" presId="urn:microsoft.com/office/officeart/2018/2/layout/IconVerticalSolidList"/>
+    <dgm:cxn modelId="{62D3DD60-29AA-4E1F-9E32-31322ABFF024}" type="presOf" srcId="{FC41A998-E98F-4A80-AA96-A9E78B6013DE}" destId="{719D622A-F770-4981-9143-CFC8B6B98CBC}" srcOrd="0" destOrd="0" presId="urn:microsoft.com/office/officeart/2018/2/layout/IconVerticalSolidList"/>
+    <dgm:cxn modelId="{7FC7C041-7AE2-44B6-8278-49DCC5039393}" type="presOf" srcId="{92EE31BA-C7B8-45ED-AEAA-ED48AEE18C73}" destId="{23932328-9F65-40D1-9330-DD2D59D992BC}" srcOrd="0" destOrd="1" presId="urn:microsoft.com/office/officeart/2018/2/layout/IconVerticalSolidList"/>
+    <dgm:cxn modelId="{D1F7CD42-2899-4475-91FB-00B80D3F4088}" type="presOf" srcId="{233433E0-C328-4AD6-84B4-CF9934BF7D41}" destId="{00A7CA57-BD6F-4618-837D-83CE16D9643A}" srcOrd="0" destOrd="0" presId="urn:microsoft.com/office/officeart/2018/2/layout/IconVerticalSolidList"/>
+    <dgm:cxn modelId="{4D9FF163-F988-48F2-B622-FE0CA41D3012}" type="presOf" srcId="{A65E3886-7C7A-442B-B982-A99A9EDAA531}" destId="{C25CACD3-C3F0-467F-BFBC-6E6A8CBC6379}" srcOrd="0" destOrd="0" presId="urn:microsoft.com/office/officeart/2018/2/layout/IconVerticalSolidList"/>
+    <dgm:cxn modelId="{E0C3A34F-EBB8-4EC5-B73E-AEAC7C351F4C}" type="presOf" srcId="{16FE35DB-D9EB-46E2-B728-CCAFE079EB2F}" destId="{23932328-9F65-40D1-9330-DD2D59D992BC}" srcOrd="0" destOrd="2" presId="urn:microsoft.com/office/officeart/2018/2/layout/IconVerticalSolidList"/>
+    <dgm:cxn modelId="{1882BD74-176F-4425-B4F8-0022F6969C62}" srcId="{B847ED0E-3461-46E7-8113-58C7DADB798A}" destId="{16FE35DB-D9EB-46E2-B728-CCAFE079EB2F}" srcOrd="2" destOrd="0" parTransId="{34184181-909A-4704-88CB-7870493351E9}" sibTransId="{716C9CCC-A2AC-4163-9783-7CDD66AF5320}"/>
+    <dgm:cxn modelId="{60FBBD7A-380C-4AC5-9426-8331AEB8F6FE}" type="presOf" srcId="{B847ED0E-3461-46E7-8113-58C7DADB798A}" destId="{36CE07EE-29A2-491D-8A4B-D82925FD2D2E}" srcOrd="0" destOrd="0" presId="urn:microsoft.com/office/officeart/2018/2/layout/IconVerticalSolidList"/>
+    <dgm:cxn modelId="{97D1C87E-BF9E-4C8E-8E1E-16AF896BF239}" srcId="{B847ED0E-3461-46E7-8113-58C7DADB798A}" destId="{92EE31BA-C7B8-45ED-AEAA-ED48AEE18C73}" srcOrd="1" destOrd="0" parTransId="{6E2F7F77-4323-4F52-9C49-8A7E036B4B37}" sibTransId="{3592959C-46F0-4140-B8D8-E1C84FD8C671}"/>
+    <dgm:cxn modelId="{6981B48C-E571-4635-8E20-6AB6D8EDA21D}" srcId="{233433E0-C328-4AD6-84B4-CF9934BF7D41}" destId="{B847ED0E-3461-46E7-8113-58C7DADB798A}" srcOrd="1" destOrd="0" parTransId="{26392040-F129-46D5-A68E-B2CD173C8CB0}" sibTransId="{97B6E262-6EE4-41B9-B582-620159111A13}"/>
+    <dgm:cxn modelId="{B48BD7B3-D0E0-418F-945F-C5016DF6B557}" srcId="{233433E0-C328-4AD6-84B4-CF9934BF7D41}" destId="{FC41A998-E98F-4A80-AA96-A9E78B6013DE}" srcOrd="0" destOrd="0" parTransId="{1E3CDD6C-41E9-4A59-82C6-557372934E25}" sibTransId="{3FBC0116-B8FC-46A7-8C92-CF66DF383A16}"/>
+    <dgm:cxn modelId="{826141D3-6CF9-42D3-B8AE-3DA51D9655B1}" srcId="{233433E0-C328-4AD6-84B4-CF9934BF7D41}" destId="{A65E3886-7C7A-442B-B982-A99A9EDAA531}" srcOrd="2" destOrd="0" parTransId="{4DEA5D59-1732-4FD3-B61D-0EC9327BFAE7}" sibTransId="{B52950F8-1DBA-49AA-B10D-53F2AA00AD45}"/>
+    <dgm:cxn modelId="{23A85D87-2D4A-487C-8DA5-ED0D894F030A}" type="presParOf" srcId="{00A7CA57-BD6F-4618-837D-83CE16D9643A}" destId="{92E051DA-07D5-4C2E-8F47-35EE7C10203A}" srcOrd="0" destOrd="0" presId="urn:microsoft.com/office/officeart/2018/2/layout/IconVerticalSolidList"/>
+    <dgm:cxn modelId="{5C8E053E-07DB-4417-8293-5A8E4C9E66A0}" type="presParOf" srcId="{92E051DA-07D5-4C2E-8F47-35EE7C10203A}" destId="{2827F806-2CC6-430D-9518-519AE77A5BD9}" srcOrd="0" destOrd="0" presId="urn:microsoft.com/office/officeart/2018/2/layout/IconVerticalSolidList"/>
+    <dgm:cxn modelId="{DD44499F-7EA6-42DB-9E77-DE8C0B020FD2}" type="presParOf" srcId="{92E051DA-07D5-4C2E-8F47-35EE7C10203A}" destId="{E5B51C0D-A214-41A9-9D47-FD7524BA06E7}" srcOrd="1" destOrd="0" presId="urn:microsoft.com/office/officeart/2018/2/layout/IconVerticalSolidList"/>
+    <dgm:cxn modelId="{AD671954-FF4A-4769-9CF1-5BE6D036AA69}" type="presParOf" srcId="{92E051DA-07D5-4C2E-8F47-35EE7C10203A}" destId="{62C06899-BDA4-48AB-BF10-70475ADE1665}" srcOrd="2" destOrd="0" presId="urn:microsoft.com/office/officeart/2018/2/layout/IconVerticalSolidList"/>
+    <dgm:cxn modelId="{62EC1209-994E-4031-9512-2111FAF9FAA2}" type="presParOf" srcId="{92E051DA-07D5-4C2E-8F47-35EE7C10203A}" destId="{719D622A-F770-4981-9143-CFC8B6B98CBC}" srcOrd="3" destOrd="0" presId="urn:microsoft.com/office/officeart/2018/2/layout/IconVerticalSolidList"/>
+    <dgm:cxn modelId="{088F8E8B-3780-4787-9757-5FE8A21F417D}" type="presParOf" srcId="{00A7CA57-BD6F-4618-837D-83CE16D9643A}" destId="{A9D139BA-913B-48ED-8260-88C6F98E808F}" srcOrd="1" destOrd="0" presId="urn:microsoft.com/office/officeart/2018/2/layout/IconVerticalSolidList"/>
+    <dgm:cxn modelId="{CAAB2444-48C4-4CA4-9DF6-B5DA57099F91}" type="presParOf" srcId="{00A7CA57-BD6F-4618-837D-83CE16D9643A}" destId="{E5B2A3F0-73C6-4ABC-A5BF-ED99D98EC0DB}" srcOrd="2" destOrd="0" presId="urn:microsoft.com/office/officeart/2018/2/layout/IconVerticalSolidList"/>
+    <dgm:cxn modelId="{209D64CB-5406-467D-AF10-860840FD068B}" type="presParOf" srcId="{E5B2A3F0-73C6-4ABC-A5BF-ED99D98EC0DB}" destId="{8301F6CE-D42A-4A73-810D-88F92C6C4C5D}" srcOrd="0" destOrd="0" presId="urn:microsoft.com/office/officeart/2018/2/layout/IconVerticalSolidList"/>
+    <dgm:cxn modelId="{227EC472-A44B-42EC-A1BA-4CC97EB1EF79}" type="presParOf" srcId="{E5B2A3F0-73C6-4ABC-A5BF-ED99D98EC0DB}" destId="{5426F10A-1809-4CA3-B933-E0048DCB6DDA}" srcOrd="1" destOrd="0" presId="urn:microsoft.com/office/officeart/2018/2/layout/IconVerticalSolidList"/>
+    <dgm:cxn modelId="{3049B136-A4DF-4554-8CA1-5EBDFDBA03A5}" type="presParOf" srcId="{E5B2A3F0-73C6-4ABC-A5BF-ED99D98EC0DB}" destId="{F5ED1A72-F68D-4BC5-8991-CDB0B3C9C292}" srcOrd="2" destOrd="0" presId="urn:microsoft.com/office/officeart/2018/2/layout/IconVerticalSolidList"/>
+    <dgm:cxn modelId="{DBBE4855-74DE-42D5-A7B5-8918D44D51F6}" type="presParOf" srcId="{E5B2A3F0-73C6-4ABC-A5BF-ED99D98EC0DB}" destId="{36CE07EE-29A2-491D-8A4B-D82925FD2D2E}" srcOrd="3" destOrd="0" presId="urn:microsoft.com/office/officeart/2018/2/layout/IconVerticalSolidList"/>
+    <dgm:cxn modelId="{14EE2D5E-2BFD-47CB-B71B-C6A14C379F76}" type="presParOf" srcId="{E5B2A3F0-73C6-4ABC-A5BF-ED99D98EC0DB}" destId="{23932328-9F65-40D1-9330-DD2D59D992BC}" srcOrd="4" destOrd="0" presId="urn:microsoft.com/office/officeart/2018/2/layout/IconVerticalSolidList"/>
+    <dgm:cxn modelId="{51DC54C7-B1CF-4202-8FAE-E6812C1D048A}" type="presParOf" srcId="{00A7CA57-BD6F-4618-837D-83CE16D9643A}" destId="{CF5E90B2-92F9-46F7-8B4A-84F05AE3214D}" srcOrd="3" destOrd="0" presId="urn:microsoft.com/office/officeart/2018/2/layout/IconVerticalSolidList"/>
+    <dgm:cxn modelId="{E407F8E8-B636-4005-836A-C88492F55C6F}" type="presParOf" srcId="{00A7CA57-BD6F-4618-837D-83CE16D9643A}" destId="{A7EB078C-DA6B-479D-BA10-7D579C5B5B52}" srcOrd="4" destOrd="0" presId="urn:microsoft.com/office/officeart/2018/2/layout/IconVerticalSolidList"/>
+    <dgm:cxn modelId="{65EF2FF8-6341-4BF9-954A-346C6BF50B53}" type="presParOf" srcId="{A7EB078C-DA6B-479D-BA10-7D579C5B5B52}" destId="{CDBC4275-C7C5-4F71-9D47-CCB2D1EE3D0A}" srcOrd="0" destOrd="0" presId="urn:microsoft.com/office/officeart/2018/2/layout/IconVerticalSolidList"/>
+    <dgm:cxn modelId="{4B483ECC-3A13-4439-ADC0-ABDA54AD3E63}" type="presParOf" srcId="{A7EB078C-DA6B-479D-BA10-7D579C5B5B52}" destId="{1D3D79CA-CE57-4583-9095-2E0C5BD58180}" srcOrd="1" destOrd="0" presId="urn:microsoft.com/office/officeart/2018/2/layout/IconVerticalSolidList"/>
+    <dgm:cxn modelId="{5458C0D9-EDD2-44DB-8275-7DE498389964}" type="presParOf" srcId="{A7EB078C-DA6B-479D-BA10-7D579C5B5B52}" destId="{CA179525-B90E-4E8C-B869-1B8CBBF4453F}" srcOrd="2" destOrd="0" presId="urn:microsoft.com/office/officeart/2018/2/layout/IconVerticalSolidList"/>
+    <dgm:cxn modelId="{54DC7766-4C26-4131-8F9C-5A2489C28378}" type="presParOf" srcId="{A7EB078C-DA6B-479D-BA10-7D579C5B5B52}" destId="{C25CACD3-C3F0-467F-BFBC-6E6A8CBC6379}" srcOrd="3" destOrd="0" presId="urn:microsoft.com/office/officeart/2018/2/layout/IconVerticalSolidList"/>
+  </dgm:cxnLst>
+  <dgm:bg/>
+  <dgm:whole/>
+  <dgm:extLst>
+    <a:ext uri="http://schemas.microsoft.com/office/drawing/2008/diagram">
+      <dsp:dataModelExt xmlns:dsp="http://schemas.microsoft.com/office/drawing/2008/diagram" relId="rId6" minVer="http://schemas.openxmlformats.org/drawingml/2006/diagram"/>
+    </a:ext>
+  </dgm:extLst>
+</dgm:dataModel>
+</file>
+
+<file path=ppt/diagrams/drawing1.xml><?xml version="1.0" encoding="utf-8"?>
+<dsp:drawing xmlns:dgm="http://schemas.openxmlformats.org/drawingml/2006/diagram" xmlns:dsp="http://schemas.microsoft.com/office/drawing/2008/diagram" xmlns:a="http://schemas.openxmlformats.org/drawingml/2006/main">
+  <dsp:spTree>
+    <dsp:nvGrpSpPr>
+      <dsp:cNvPr id="0" name=""/>
+      <dsp:cNvGrpSpPr/>
+    </dsp:nvGrpSpPr>
+    <dsp:grpSpPr/>
+    <dsp:sp modelId="{2827F806-2CC6-430D-9518-519AE77A5BD9}">
+      <dsp:nvSpPr>
+        <dsp:cNvPr id="0" name=""/>
+        <dsp:cNvSpPr/>
+      </dsp:nvSpPr>
+      <dsp:spPr>
+        <a:xfrm>
+          <a:off x="0" y="623"/>
+          <a:ext cx="8229600" cy="1458329"/>
+        </a:xfrm>
+        <a:prstGeom prst="roundRect">
+          <a:avLst>
+            <a:gd name="adj" fmla="val 10000"/>
+          </a:avLst>
+        </a:prstGeom>
+        <a:solidFill>
+          <a:schemeClr val="accent1">
+            <a:tint val="40000"/>
+            <a:hueOff val="0"/>
+            <a:satOff val="0"/>
+            <a:lumOff val="0"/>
+            <a:alphaOff val="0"/>
+          </a:schemeClr>
+        </a:solidFill>
+        <a:ln>
+          <a:noFill/>
+        </a:ln>
+        <a:effectLst/>
+      </dsp:spPr>
+      <dsp:style>
+        <a:lnRef idx="0">
+          <a:scrgbClr r="0" g="0" b="0"/>
+        </a:lnRef>
+        <a:fillRef idx="1">
+          <a:scrgbClr r="0" g="0" b="0"/>
+        </a:fillRef>
+        <a:effectRef idx="0">
+          <a:scrgbClr r="0" g="0" b="0"/>
+        </a:effectRef>
+        <a:fontRef idx="minor"/>
+      </dsp:style>
+    </dsp:sp>
+    <dsp:sp modelId="{E5B51C0D-A214-41A9-9D47-FD7524BA06E7}">
+      <dsp:nvSpPr>
+        <dsp:cNvPr id="0" name=""/>
+        <dsp:cNvSpPr/>
+      </dsp:nvSpPr>
+      <dsp:spPr>
+        <a:xfrm>
+          <a:off x="441144" y="328747"/>
+          <a:ext cx="802081" cy="802081"/>
+        </a:xfrm>
+        <a:prstGeom prst="rect">
+          <a:avLst/>
+        </a:prstGeom>
+        <a:blipFill>
+          <a:blip xmlns:r="http://schemas.openxmlformats.org/officeDocument/2006/relationships" r:embed="rId1">
+            <a:extLst>
+              <a:ext uri="{28A0092B-C50C-407E-A947-70E740481C1C}">
+                <a14:useLocalDpi xmlns:a14="http://schemas.microsoft.com/office/drawing/2010/main" val="0"/>
+              </a:ext>
+              <a:ext uri="{96DAC541-7B7A-43D3-8B79-37D633B846F1}">
+                <asvg:svgBlip xmlns:asvg="http://schemas.microsoft.com/office/drawing/2016/SVG/main" r:embed="rId2"/>
+              </a:ext>
+            </a:extLst>
+          </a:blip>
+          <a:stretch>
+            <a:fillRect/>
+          </a:stretch>
+        </a:blipFill>
+        <a:ln w="25400" cap="flat" cmpd="sng" algn="ctr">
+          <a:solidFill>
+            <a:schemeClr val="lt1">
+              <a:hueOff val="0"/>
+              <a:satOff val="0"/>
+              <a:lumOff val="0"/>
+              <a:alphaOff val="0"/>
+            </a:schemeClr>
+          </a:solidFill>
+          <a:prstDash val="solid"/>
+        </a:ln>
+        <a:effectLst/>
+      </dsp:spPr>
+      <dsp:style>
+        <a:lnRef idx="2">
+          <a:scrgbClr r="0" g="0" b="0"/>
+        </a:lnRef>
+        <a:fillRef idx="1">
+          <a:scrgbClr r="0" g="0" b="0"/>
+        </a:fillRef>
+        <a:effectRef idx="0">
+          <a:scrgbClr r="0" g="0" b="0"/>
+        </a:effectRef>
+        <a:fontRef idx="minor">
+          <a:schemeClr val="lt1"/>
+        </a:fontRef>
+      </dsp:style>
+    </dsp:sp>
+    <dsp:sp modelId="{719D622A-F770-4981-9143-CFC8B6B98CBC}">
+      <dsp:nvSpPr>
+        <dsp:cNvPr id="0" name=""/>
+        <dsp:cNvSpPr/>
+      </dsp:nvSpPr>
+      <dsp:spPr>
+        <a:xfrm>
+          <a:off x="1684370" y="623"/>
+          <a:ext cx="6545229" cy="1458329"/>
+        </a:xfrm>
+        <a:prstGeom prst="rect">
+          <a:avLst/>
+        </a:prstGeom>
+        <a:noFill/>
+        <a:ln>
+          <a:noFill/>
+        </a:ln>
+        <a:effectLst/>
+      </dsp:spPr>
+      <dsp:style>
+        <a:lnRef idx="0">
+          <a:scrgbClr r="0" g="0" b="0"/>
+        </a:lnRef>
+        <a:fillRef idx="0">
+          <a:scrgbClr r="0" g="0" b="0"/>
+        </a:fillRef>
+        <a:effectRef idx="0">
+          <a:scrgbClr r="0" g="0" b="0"/>
+        </a:effectRef>
+        <a:fontRef idx="minor"/>
+      </dsp:style>
+      <dsp:txBody>
+        <a:bodyPr spcFirstLastPara="0" vert="horz" wrap="square" lIns="154340" tIns="154340" rIns="154340" bIns="154340" numCol="1" spcCol="1270" anchor="ctr" anchorCtr="0">
+          <a:noAutofit/>
+        </a:bodyPr>
+        <a:lstStyle/>
+        <a:p>
+          <a:pPr marL="0" lvl="0" indent="0" algn="l" defTabSz="1066800">
+            <a:lnSpc>
+              <a:spcPct val="100000"/>
+            </a:lnSpc>
+            <a:spcBef>
+              <a:spcPct val="0"/>
+            </a:spcBef>
+            <a:spcAft>
+              <a:spcPct val="35000"/>
+            </a:spcAft>
+            <a:buNone/>
+          </a:pPr>
+          <a:r>
+            <a:rPr lang="en-CA" sz="2400" kern="1200"/>
+            <a:t>Start with descriptive, hypothesis testing methods, then progress to model-based methods</a:t>
+          </a:r>
+          <a:endParaRPr lang="en-US" sz="2400" kern="1200"/>
+        </a:p>
+      </dsp:txBody>
+      <dsp:txXfrm>
+        <a:off x="1684370" y="623"/>
+        <a:ext cx="6545229" cy="1458329"/>
+      </dsp:txXfrm>
+    </dsp:sp>
+    <dsp:sp modelId="{8301F6CE-D42A-4A73-810D-88F92C6C4C5D}">
+      <dsp:nvSpPr>
+        <dsp:cNvPr id="0" name=""/>
+        <dsp:cNvSpPr/>
+      </dsp:nvSpPr>
+      <dsp:spPr>
+        <a:xfrm>
+          <a:off x="0" y="1823535"/>
+          <a:ext cx="8229600" cy="1458329"/>
+        </a:xfrm>
+        <a:prstGeom prst="roundRect">
+          <a:avLst>
+            <a:gd name="adj" fmla="val 10000"/>
+          </a:avLst>
+        </a:prstGeom>
+        <a:solidFill>
+          <a:schemeClr val="accent1">
+            <a:tint val="40000"/>
+            <a:hueOff val="0"/>
+            <a:satOff val="0"/>
+            <a:lumOff val="0"/>
+            <a:alphaOff val="0"/>
+          </a:schemeClr>
+        </a:solidFill>
+        <a:ln>
+          <a:noFill/>
+        </a:ln>
+        <a:effectLst/>
+      </dsp:spPr>
+      <dsp:style>
+        <a:lnRef idx="0">
+          <a:scrgbClr r="0" g="0" b="0"/>
+        </a:lnRef>
+        <a:fillRef idx="1">
+          <a:scrgbClr r="0" g="0" b="0"/>
+        </a:fillRef>
+        <a:effectRef idx="0">
+          <a:scrgbClr r="0" g="0" b="0"/>
+        </a:effectRef>
+        <a:fontRef idx="minor"/>
+      </dsp:style>
+    </dsp:sp>
+    <dsp:sp modelId="{5426F10A-1809-4CA3-B933-E0048DCB6DDA}">
+      <dsp:nvSpPr>
+        <dsp:cNvPr id="0" name=""/>
+        <dsp:cNvSpPr/>
+      </dsp:nvSpPr>
+      <dsp:spPr>
+        <a:xfrm>
+          <a:off x="441144" y="2151659"/>
+          <a:ext cx="802081" cy="802081"/>
+        </a:xfrm>
+        <a:prstGeom prst="rect">
+          <a:avLst/>
+        </a:prstGeom>
+        <a:blipFill>
+          <a:blip xmlns:r="http://schemas.openxmlformats.org/officeDocument/2006/relationships" r:embed="rId3">
+            <a:extLst>
+              <a:ext uri="{28A0092B-C50C-407E-A947-70E740481C1C}">
+                <a14:useLocalDpi xmlns:a14="http://schemas.microsoft.com/office/drawing/2010/main" val="0"/>
+              </a:ext>
+              <a:ext uri="{96DAC541-7B7A-43D3-8B79-37D633B846F1}">
+                <asvg:svgBlip xmlns:asvg="http://schemas.microsoft.com/office/drawing/2016/SVG/main" r:embed="rId4"/>
+              </a:ext>
+            </a:extLst>
+          </a:blip>
+          <a:stretch>
+            <a:fillRect/>
+          </a:stretch>
+        </a:blipFill>
+        <a:ln w="25400" cap="flat" cmpd="sng" algn="ctr">
+          <a:solidFill>
+            <a:schemeClr val="lt1">
+              <a:hueOff val="0"/>
+              <a:satOff val="0"/>
+              <a:lumOff val="0"/>
+              <a:alphaOff val="0"/>
+            </a:schemeClr>
+          </a:solidFill>
+          <a:prstDash val="solid"/>
+        </a:ln>
+        <a:effectLst/>
+      </dsp:spPr>
+      <dsp:style>
+        <a:lnRef idx="2">
+          <a:scrgbClr r="0" g="0" b="0"/>
+        </a:lnRef>
+        <a:fillRef idx="1">
+          <a:scrgbClr r="0" g="0" b="0"/>
+        </a:fillRef>
+        <a:effectRef idx="0">
+          <a:scrgbClr r="0" g="0" b="0"/>
+        </a:effectRef>
+        <a:fontRef idx="minor">
+          <a:schemeClr val="lt1"/>
+        </a:fontRef>
+      </dsp:style>
+    </dsp:sp>
+    <dsp:sp modelId="{36CE07EE-29A2-491D-8A4B-D82925FD2D2E}">
+      <dsp:nvSpPr>
+        <dsp:cNvPr id="0" name=""/>
+        <dsp:cNvSpPr/>
+      </dsp:nvSpPr>
+      <dsp:spPr>
+        <a:xfrm>
+          <a:off x="1684370" y="1823535"/>
+          <a:ext cx="3703320" cy="1458329"/>
+        </a:xfrm>
+        <a:prstGeom prst="rect">
+          <a:avLst/>
+        </a:prstGeom>
+        <a:noFill/>
+        <a:ln>
+          <a:noFill/>
+        </a:ln>
+        <a:effectLst/>
+      </dsp:spPr>
+      <dsp:style>
+        <a:lnRef idx="0">
+          <a:scrgbClr r="0" g="0" b="0"/>
+        </a:lnRef>
+        <a:fillRef idx="0">
+          <a:scrgbClr r="0" g="0" b="0"/>
+        </a:fillRef>
+        <a:effectRef idx="0">
+          <a:scrgbClr r="0" g="0" b="0"/>
+        </a:effectRef>
+        <a:fontRef idx="minor"/>
+      </dsp:style>
+      <dsp:txBody>
+        <a:bodyPr spcFirstLastPara="0" vert="horz" wrap="square" lIns="154340" tIns="154340" rIns="154340" bIns="154340" numCol="1" spcCol="1270" anchor="ctr" anchorCtr="0">
+          <a:noAutofit/>
+        </a:bodyPr>
+        <a:lstStyle/>
+        <a:p>
+          <a:pPr marL="0" lvl="0" indent="0" algn="l" defTabSz="1066800">
+            <a:lnSpc>
+              <a:spcPct val="100000"/>
+            </a:lnSpc>
+            <a:spcBef>
+              <a:spcPct val="0"/>
+            </a:spcBef>
+            <a:spcAft>
+              <a:spcPct val="35000"/>
+            </a:spcAft>
+            <a:buNone/>
+          </a:pPr>
+          <a:r>
+            <a:rPr lang="en-CA" sz="2400" kern="1200" dirty="0"/>
+            <a:t>Visual tools for thinking &amp; understanding</a:t>
+          </a:r>
+          <a:endParaRPr lang="en-US" sz="2400" kern="1200" dirty="0"/>
+        </a:p>
+      </dsp:txBody>
+      <dsp:txXfrm>
+        <a:off x="1684370" y="1823535"/>
+        <a:ext cx="3703320" cy="1458329"/>
+      </dsp:txXfrm>
+    </dsp:sp>
+    <dsp:sp modelId="{23932328-9F65-40D1-9330-DD2D59D992BC}">
+      <dsp:nvSpPr>
+        <dsp:cNvPr id="0" name=""/>
+        <dsp:cNvSpPr/>
+      </dsp:nvSpPr>
+      <dsp:spPr>
+        <a:xfrm>
+          <a:off x="5387690" y="1823535"/>
+          <a:ext cx="2841909" cy="1458329"/>
+        </a:xfrm>
+        <a:prstGeom prst="rect">
+          <a:avLst/>
+        </a:prstGeom>
+        <a:noFill/>
+        <a:ln>
+          <a:noFill/>
+        </a:ln>
+        <a:effectLst/>
+      </dsp:spPr>
+      <dsp:style>
+        <a:lnRef idx="0">
+          <a:scrgbClr r="0" g="0" b="0"/>
+        </a:lnRef>
+        <a:fillRef idx="0">
+          <a:scrgbClr r="0" g="0" b="0"/>
+        </a:fillRef>
+        <a:effectRef idx="0">
+          <a:scrgbClr r="0" g="0" b="0"/>
+        </a:effectRef>
+        <a:fontRef idx="minor"/>
+      </dsp:style>
+      <dsp:txBody>
+        <a:bodyPr spcFirstLastPara="0" vert="horz" wrap="square" lIns="154340" tIns="154340" rIns="154340" bIns="154340" numCol="1" spcCol="1270" anchor="ctr" anchorCtr="0">
+          <a:noAutofit/>
+        </a:bodyPr>
+        <a:lstStyle/>
+        <a:p>
+          <a:pPr marL="0" lvl="0" indent="0" algn="l" defTabSz="577850">
+            <a:lnSpc>
+              <a:spcPct val="100000"/>
+            </a:lnSpc>
+            <a:spcBef>
+              <a:spcPct val="0"/>
+            </a:spcBef>
+            <a:spcAft>
+              <a:spcPct val="35000"/>
+            </a:spcAft>
+            <a:buNone/>
+          </a:pPr>
+          <a:r>
+            <a:rPr lang="en-CA" sz="1300" kern="1200"/>
+            <a:t>Sieve plots, mosaic plots, spineplots, …</a:t>
+          </a:r>
+          <a:endParaRPr lang="en-US" sz="1300" kern="1200"/>
+        </a:p>
+        <a:p>
+          <a:pPr marL="0" lvl="0" indent="0" algn="l" defTabSz="577850">
+            <a:lnSpc>
+              <a:spcPct val="100000"/>
+            </a:lnSpc>
+            <a:spcBef>
+              <a:spcPct val="0"/>
+            </a:spcBef>
+            <a:spcAft>
+              <a:spcPct val="35000"/>
+            </a:spcAft>
+            <a:buNone/>
+          </a:pPr>
+          <a:r>
+            <a:rPr lang="en-CA" sz="1300" kern="1200"/>
+            <a:t>Correspondence analysis: best 2D summary</a:t>
+          </a:r>
+          <a:endParaRPr lang="en-US" sz="1300" kern="1200"/>
+        </a:p>
+        <a:p>
+          <a:pPr marL="0" lvl="0" indent="0" algn="l" defTabSz="577850">
+            <a:lnSpc>
+              <a:spcPct val="100000"/>
+            </a:lnSpc>
+            <a:spcBef>
+              <a:spcPct val="0"/>
+            </a:spcBef>
+            <a:spcAft>
+              <a:spcPct val="35000"/>
+            </a:spcAft>
+            <a:buNone/>
+          </a:pPr>
+          <a:r>
+            <a:rPr lang="en-CA" sz="1300" kern="1200"/>
+            <a:t>Effect plots, Data + Model plots</a:t>
+          </a:r>
+          <a:endParaRPr lang="en-US" sz="1300" kern="1200"/>
+        </a:p>
+      </dsp:txBody>
+      <dsp:txXfrm>
+        <a:off x="5387690" y="1823535"/>
+        <a:ext cx="2841909" cy="1458329"/>
+      </dsp:txXfrm>
+    </dsp:sp>
+    <dsp:sp modelId="{CDBC4275-C7C5-4F71-9D47-CCB2D1EE3D0A}">
+      <dsp:nvSpPr>
+        <dsp:cNvPr id="0" name=""/>
+        <dsp:cNvSpPr/>
+      </dsp:nvSpPr>
+      <dsp:spPr>
+        <a:xfrm>
+          <a:off x="0" y="3646447"/>
+          <a:ext cx="8229600" cy="1458329"/>
+        </a:xfrm>
+        <a:prstGeom prst="roundRect">
+          <a:avLst>
+            <a:gd name="adj" fmla="val 10000"/>
+          </a:avLst>
+        </a:prstGeom>
+        <a:solidFill>
+          <a:schemeClr val="accent1">
+            <a:tint val="40000"/>
+            <a:hueOff val="0"/>
+            <a:satOff val="0"/>
+            <a:lumOff val="0"/>
+            <a:alphaOff val="0"/>
+          </a:schemeClr>
+        </a:solidFill>
+        <a:ln>
+          <a:noFill/>
+        </a:ln>
+        <a:effectLst/>
+      </dsp:spPr>
+      <dsp:style>
+        <a:lnRef idx="0">
+          <a:scrgbClr r="0" g="0" b="0"/>
+        </a:lnRef>
+        <a:fillRef idx="1">
+          <a:scrgbClr r="0" g="0" b="0"/>
+        </a:fillRef>
+        <a:effectRef idx="0">
+          <a:scrgbClr r="0" g="0" b="0"/>
+        </a:effectRef>
+        <a:fontRef idx="minor"/>
+      </dsp:style>
+    </dsp:sp>
+    <dsp:sp modelId="{1D3D79CA-CE57-4583-9095-2E0C5BD58180}">
+      <dsp:nvSpPr>
+        <dsp:cNvPr id="0" name=""/>
+        <dsp:cNvSpPr/>
+      </dsp:nvSpPr>
+      <dsp:spPr>
+        <a:xfrm>
+          <a:off x="441144" y="3974571"/>
+          <a:ext cx="802081" cy="802081"/>
+        </a:xfrm>
+        <a:prstGeom prst="rect">
+          <a:avLst/>
+        </a:prstGeom>
+        <a:blipFill>
+          <a:blip xmlns:r="http://schemas.openxmlformats.org/officeDocument/2006/relationships" r:embed="rId5">
+            <a:extLst>
+              <a:ext uri="{28A0092B-C50C-407E-A947-70E740481C1C}">
+                <a14:useLocalDpi xmlns:a14="http://schemas.microsoft.com/office/drawing/2010/main" val="0"/>
+              </a:ext>
+              <a:ext uri="{96DAC541-7B7A-43D3-8B79-37D633B846F1}">
+                <asvg:svgBlip xmlns:asvg="http://schemas.microsoft.com/office/drawing/2016/SVG/main" r:embed="rId6"/>
+              </a:ext>
+            </a:extLst>
+          </a:blip>
+          <a:stretch>
+            <a:fillRect/>
+          </a:stretch>
+        </a:blipFill>
+        <a:ln w="25400" cap="flat" cmpd="sng" algn="ctr">
+          <a:solidFill>
+            <a:schemeClr val="lt1">
+              <a:hueOff val="0"/>
+              <a:satOff val="0"/>
+              <a:lumOff val="0"/>
+              <a:alphaOff val="0"/>
+            </a:schemeClr>
+          </a:solidFill>
+          <a:prstDash val="solid"/>
+        </a:ln>
+        <a:effectLst/>
+      </dsp:spPr>
+      <dsp:style>
+        <a:lnRef idx="2">
+          <a:scrgbClr r="0" g="0" b="0"/>
+        </a:lnRef>
+        <a:fillRef idx="1">
+          <a:scrgbClr r="0" g="0" b="0"/>
+        </a:fillRef>
+        <a:effectRef idx="0">
+          <a:scrgbClr r="0" g="0" b="0"/>
+        </a:effectRef>
+        <a:fontRef idx="minor">
+          <a:schemeClr val="lt1"/>
+        </a:fontRef>
+      </dsp:style>
+    </dsp:sp>
+    <dsp:sp modelId="{C25CACD3-C3F0-467F-BFBC-6E6A8CBC6379}">
+      <dsp:nvSpPr>
+        <dsp:cNvPr id="0" name=""/>
+        <dsp:cNvSpPr/>
+      </dsp:nvSpPr>
+      <dsp:spPr>
+        <a:xfrm>
+          <a:off x="1684370" y="3646447"/>
+          <a:ext cx="6545229" cy="1458329"/>
+        </a:xfrm>
+        <a:prstGeom prst="rect">
+          <a:avLst/>
+        </a:prstGeom>
+        <a:noFill/>
+        <a:ln>
+          <a:noFill/>
+        </a:ln>
+        <a:effectLst/>
+      </dsp:spPr>
+      <dsp:style>
+        <a:lnRef idx="0">
+          <a:scrgbClr r="0" g="0" b="0"/>
+        </a:lnRef>
+        <a:fillRef idx="0">
+          <a:scrgbClr r="0" g="0" b="0"/>
+        </a:fillRef>
+        <a:effectRef idx="0">
+          <a:scrgbClr r="0" g="0" b="0"/>
+        </a:effectRef>
+        <a:fontRef idx="minor"/>
+      </dsp:style>
+      <dsp:txBody>
+        <a:bodyPr spcFirstLastPara="0" vert="horz" wrap="square" lIns="154340" tIns="154340" rIns="154340" bIns="154340" numCol="1" spcCol="1270" anchor="ctr" anchorCtr="0">
+          <a:noAutofit/>
+        </a:bodyPr>
+        <a:lstStyle/>
+        <a:p>
+          <a:pPr marL="0" lvl="0" indent="0" algn="l" defTabSz="1066800">
+            <a:lnSpc>
+              <a:spcPct val="100000"/>
+            </a:lnSpc>
+            <a:spcBef>
+              <a:spcPct val="0"/>
+            </a:spcBef>
+            <a:spcAft>
+              <a:spcPct val="35000"/>
+            </a:spcAft>
+            <a:buNone/>
+          </a:pPr>
+          <a:r>
+            <a:rPr lang="en-CA" sz="2400" kern="1200"/>
+            <a:t>Build from simple, loglinear models to more complex ones</a:t>
+          </a:r>
+          <a:endParaRPr lang="en-US" sz="2400" kern="1200"/>
+        </a:p>
+      </dsp:txBody>
+      <dsp:txXfrm>
+        <a:off x="1684370" y="3646447"/>
+        <a:ext cx="6545229" cy="1458329"/>
+      </dsp:txXfrm>
+    </dsp:sp>
+  </dsp:spTree>
+</dsp:drawing>
+</file>
+
+<file path=ppt/diagrams/layout1.xml><?xml version="1.0" encoding="utf-8"?>
+<dgm:layoutDef xmlns:dgm="http://schemas.openxmlformats.org/drawingml/2006/diagram" xmlns:a="http://schemas.openxmlformats.org/drawingml/2006/main" uniqueId="urn:microsoft.com/office/officeart/2018/2/layout/IconVerticalSolidList">
+  <dgm:title val="Icon Vertical Solid List"/>
+  <dgm:desc val="Use to show a series of visuals from top to bottom with Level 1 or Level 1 and Level 2 text grouped in a shape. Works best with icons or small pictures with lengthier descriptions."/>
+  <dgm:catLst>
+    <dgm:cat type="icon" pri="500"/>
+  </dgm:catLst>
+  <dgm:sampData useDef="1">
+    <dgm:dataModel>
+      <dgm:ptLst/>
+      <dgm:bg/>
+      <dgm:whole/>
+    </dgm:dataModel>
+  </dgm:sampData>
+  <dgm:styleData useDef="1">
+    <dgm:dataModel>
+      <dgm:ptLst/>
+      <dgm:bg/>
+      <dgm:whole/>
+    </dgm:dataModel>
+  </dgm:styleData>
+  <dgm:clrData useDef="1">
+    <dgm:dataModel>
+      <dgm:ptLst/>
+      <dgm:bg/>
+      <dgm:whole/>
+    </dgm:dataModel>
+  </dgm:clrData>
+  <dgm:layoutNode name="root">
+    <dgm:varLst>
+      <dgm:dir/>
+      <dgm:resizeHandles val="exact"/>
+    </dgm:varLst>
+    <dgm:choose name="Name0">
+      <dgm:if name="Name1" axis="self" func="var" arg="dir" op="equ" val="norm">
+        <dgm:alg type="lin">
+          <dgm:param type="linDir" val="fromT"/>
+          <dgm:param type="nodeHorzAlign" val="l"/>
+        </dgm:alg>
+      </dgm:if>
+      <dgm:else name="Name2">
+        <dgm:alg type="lin">
+          <dgm:param type="linDir" val="fromT"/>
+          <dgm:param type="nodeHorzAlign" val="r"/>
+        </dgm:alg>
+      </dgm:else>
+    </dgm:choose>
+    <dgm:shape xmlns:r="http://schemas.openxmlformats.org/officeDocument/2006/relationships" r:blip="">
+      <dgm:adjLst/>
+    </dgm:shape>
+    <dgm:presOf/>
+    <dgm:choose name="Name3">
+      <dgm:if name="Name4" axis="ch" ptType="node" func="cnt" op="lte" val="3">
+        <dgm:constrLst>
+          <dgm:constr type="h" for="ch" forName="compNode" refType="h" fact="0.3"/>
+          <dgm:constr type="w" for="ch" forName="compNode" refType="w"/>
+          <dgm:constr type="h" for="ch" forName="sibTrans" refType="h" refFor="ch" refForName="compNode" fact="0.25"/>
+          <dgm:constr type="primFontSz" for="des" forName="parTx" val="25"/>
+          <dgm:constr type="primFontSz" for="des" forName="desTx" refType="primFontSz" refFor="des" refForName="parTx" op="lte" fact="0.75"/>
+          <dgm:constr type="h" for="des" forName="compNode" op="equ"/>
+          <dgm:constr type="h" for="des" forName="bgRect" op="equ"/>
+          <dgm:constr type="h" for="des" forName="iconRect" op="equ"/>
+          <dgm:constr type="w" for="des" forName="iconRect" op="equ"/>
+          <dgm:constr type="h" for="des" forName="spaceRect" op="equ"/>
+          <dgm:constr type="h" for="des" forName="parTx" op="equ"/>
+          <dgm:constr type="h" for="des" forName="desTx" op="equ"/>
+        </dgm:constrLst>
+      </dgm:if>
+      <dgm:if name="Name5" axis="ch" ptType="node" func="cnt" op="lte" val="4">
+        <dgm:constrLst>
+          <dgm:constr type="h" for="ch" forName="compNode" refType="h" fact="0.3"/>
+          <dgm:constr type="w" for="ch" forName="compNode" refType="w"/>
+          <dgm:constr type="h" for="ch" forName="sibTrans" refType="h" refFor="ch" refForName="compNode" fact="0.25"/>
+          <dgm:constr type="primFontSz" for="des" forName="parTx" val="22"/>
+          <dgm:constr type="primFontSz" for="des" forName="desTx" refType="primFontSz" refFor="des" refForName="parTx" op="lte" fact="0.75"/>
+          <dgm:constr type="h" for="des" forName="compNode" op="equ"/>
+          <dgm:constr type="h" for="des" forName="bgRect" op="equ"/>
+          <dgm:constr type="h" for="des" forName="iconRect" op="equ"/>
+          <dgm:constr type="w" for="des" forName="iconRect" op="equ"/>
+          <dgm:constr type="h" for="des" forName="spaceRect" op="equ"/>
+          <dgm:constr type="h" for="des" forName="parTx" op="equ"/>
+          <dgm:constr type="h" for="des" forName="desTx" op="equ"/>
+        </dgm:constrLst>
+      </dgm:if>
+      <dgm:if name="Name6" axis="ch" ptType="node" func="cnt" op="lte" val="6">
+        <dgm:constrLst>
+          <dgm:constr type="h" for="ch" forName="compNode" refType="h" fact="0.3"/>
+          <dgm:constr type="w" for="ch" forName="compNode" refType="w"/>
+          <dgm:constr type="h" for="ch" forName="sibTrans" refType="h" refFor="ch" refForName="compNode" fact="0.25"/>
+          <dgm:constr type="primFontSz" for="des" forName="parTx" val="19"/>
+          <dgm:constr type="primFontSz" for="des" forName="desTx" refType="primFontSz" refFor="des" refForName="parTx" op="lte" fact="0.75"/>
+          <dgm:constr type="h" for="des" forName="compNode" op="equ"/>
+          <dgm:constr type="h" for="des" forName="bgRect" op="equ"/>
+          <dgm:constr type="h" for="des" forName="iconRect" op="equ"/>
+          <dgm:constr type="w" for="des" forName="iconRect" op="equ"/>
+          <dgm:constr type="h" for="des" forName="spaceRect" op="equ"/>
+          <dgm:constr type="h" for="des" forName="parTx" op="equ"/>
+          <dgm:constr type="h" for="des" forName="desTx" op="equ"/>
+        </dgm:constrLst>
+      </dgm:if>
+      <dgm:else name="Name7">
+        <dgm:constrLst>
+          <dgm:constr type="h" for="ch" forName="compNode" refType="h" fact="0.3"/>
+          <dgm:constr type="w" for="ch" forName="compNode" refType="w"/>
+          <dgm:constr type="h" for="ch" forName="sibTrans" refType="h" refFor="ch" refForName="compNode" fact="0.25"/>
+          <dgm:constr type="primFontSz" for="des" forName="parTx" val="16"/>
+          <dgm:constr type="primFontSz" for="des" forName="desTx" refType="primFontSz" refFor="des" refForName="parTx" op="lte" fact="0.75"/>
+          <dgm:constr type="h" for="des" forName="compNode" op="equ"/>
+          <dgm:constr type="h" for="des" forName="bgRect" op="equ"/>
+          <dgm:constr type="h" for="des" forName="iconRect" op="equ"/>
+          <dgm:constr type="w" for="des" forName="iconRect" op="equ"/>
+          <dgm:constr type="h" for="des" forName="spaceRect" op="equ"/>
+          <dgm:constr type="h" for="des" forName="parTx" op="equ"/>
+          <dgm:constr type="h" for="des" forName="desTx" op="equ"/>
+        </dgm:constrLst>
+      </dgm:else>
+    </dgm:choose>
+    <dgm:ruleLst>
+      <dgm:rule type="h" for="ch" forName="compNode" val="0" fact="NaN" max="NaN"/>
+    </dgm:ruleLst>
+    <dgm:forEach name="Name8" axis="ch" ptType="node">
+      <dgm:layoutNode name="compNode">
+        <dgm:alg type="composite"/>
+        <dgm:shape xmlns:r="http://schemas.openxmlformats.org/officeDocument/2006/relationships" r:blip="">
+          <dgm:adjLst/>
+        </dgm:shape>
+        <dgm:presOf axis="self"/>
+        <dgm:choose name="Name9">
+          <dgm:if name="Name10" axis="ch" ptType="node" func="cnt" op="gte" val="1">
+            <dgm:constrLst>
+              <dgm:constr type="w" for="ch" forName="bgRect" refType="w"/>
+              <dgm:constr type="h" for="ch" forName="bgRect" refType="h"/>
+              <dgm:constr type="l" for="ch" forName="bgRect"/>
+              <dgm:constr type="t" for="ch" forName="bgRect"/>
+              <dgm:constr type="h" for="ch" forName="iconRect" refType="h" fact="0.55"/>
+              <dgm:constr type="w" for="ch" forName="iconRect" refType="h" refFor="ch" refForName="iconRect"/>
+              <dgm:constr type="l" for="ch" forName="iconRect" refType="h" refFor="ch" refForName="iconRect" fact="0.55"/>
+              <dgm:constr type="ctrY" for="ch" forName="iconRect" refType="ctrY" refFor="ch" refForName="bgRect"/>
+              <dgm:constr type="w" for="ch" forName="spaceRect" refType="l" refFor="ch" refForName="iconRect"/>
+              <dgm:constr type="h" for="ch" forName="spaceRect" refType="h"/>
+              <dgm:constr type="l" for="ch" forName="spaceRect" refType="r" refFor="ch" refForName="iconRect"/>
+              <dgm:constr type="t" for="ch" forName="spaceRect"/>
+              <dgm:constr type="w" for="ch" forName="parTx" refType="w" fact="0.45"/>
+              <dgm:constr type="h" for="ch" forName="parTx" refType="h"/>
+              <dgm:constr type="l" for="ch" forName="parTx" refType="r" refFor="ch" refForName="spaceRect"/>
+              <dgm:constr type="t" for="ch" forName="parTx"/>
+              <dgm:constr type="h" for="ch" forName="desTx" refType="h"/>
+              <dgm:constr type="l" for="ch" forName="desTx" refType="r" refFor="ch" refForName="parTx"/>
+              <dgm:constr type="t" for="ch" forName="desTx"/>
+            </dgm:constrLst>
+          </dgm:if>
+          <dgm:else name="Name11">
+            <dgm:constrLst>
+              <dgm:constr type="w" for="ch" forName="bgRect" refType="w"/>
+              <dgm:constr type="h" for="ch" forName="bgRect" refType="h"/>
+              <dgm:constr type="l" for="ch" forName="bgRect"/>
+              <dgm:constr type="t" for="ch" forName="bgRect"/>
+              <dgm:constr type="h" for="ch" forName="iconRect" refType="h" fact="0.55"/>
+              <dgm:constr type="w" for="ch" forName="iconRect" refType="h" refFor="ch" refForName="iconRect"/>
+              <dgm:constr type="l" for="ch" forName="iconRect" refType="h" refFor="ch" refForName="iconRect" fact="0.55"/>
+              <dgm:constr type="ctrY" for="ch" forName="iconRect" refType="ctrY" refFor="ch" refForName="bgRect"/>
+              <dgm:constr type="w" for="ch" forName="spaceRect" refType="l" refFor="ch" refForName="iconRect"/>
+              <dgm:constr type="h" for="ch" forName="spaceRect" refType="h"/>
+              <dgm:constr type="l" for="ch" forName="spaceRect" refType="r" refFor="ch" refForName="iconRect"/>
+              <dgm:constr type="t" for="ch" forName="spaceRect"/>
+              <dgm:constr type="h" for="ch" forName="parTx" refType="h"/>
+              <dgm:constr type="l" for="ch" forName="parTx" refType="r" refFor="ch" refForName="spaceRect"/>
+              <dgm:constr type="t" for="ch" forName="parTx"/>
+            </dgm:constrLst>
+          </dgm:else>
+        </dgm:choose>
+        <dgm:ruleLst>
+          <dgm:rule type="h" val="INF" fact="NaN" max="NaN"/>
+        </dgm:ruleLst>
+        <dgm:layoutNode name="bgRect" styleLbl="bgShp">
+          <dgm:alg type="sp"/>
+          <dgm:shape xmlns:r="http://schemas.openxmlformats.org/officeDocument/2006/relationships" type="roundRect" r:blip="">
+            <dgm:adjLst>
+              <dgm:adj idx="1" val="0.1"/>
+            </dgm:adjLst>
+          </dgm:shape>
+          <dgm:presOf/>
+          <dgm:constrLst/>
+          <dgm:ruleLst/>
+        </dgm:layoutNode>
+        <dgm:layoutNode name="iconRect" styleLbl="node1">
+          <dgm:alg type="sp"/>
+          <dgm:shape xmlns:r="http://schemas.openxmlformats.org/officeDocument/2006/relationships" type="rect" r:blip="" blipPhldr="1">
+            <dgm:adjLst/>
+          </dgm:shape>
+          <dgm:presOf/>
+          <dgm:constrLst/>
+          <dgm:ruleLst/>
+        </dgm:layoutNode>
+        <dgm:layoutNode name="spaceRect">
+          <dgm:alg type="sp"/>
+          <dgm:shape xmlns:r="http://schemas.openxmlformats.org/officeDocument/2006/relationships" r:blip="">
+            <dgm:adjLst/>
+          </dgm:shape>
+          <dgm:presOf/>
+          <dgm:constrLst/>
+          <dgm:ruleLst/>
+        </dgm:layoutNode>
+        <dgm:layoutNode name="parTx" styleLbl="revTx">
+          <dgm:varLst>
+            <dgm:chMax val="0"/>
+            <dgm:chPref val="0"/>
+          </dgm:varLst>
+          <dgm:alg type="tx">
+            <dgm:param type="txAnchorVert" val="mid"/>
+            <dgm:param type="parTxLTRAlign" val="l"/>
+            <dgm:param type="shpTxLTRAlignCh" val="l"/>
+            <dgm:param type="parTxRTLAlign" val="r"/>
+            <dgm:param type="shpTxRTLAlignCh" val="r"/>
+          </dgm:alg>
+          <dgm:shape xmlns:r="http://schemas.openxmlformats.org/officeDocument/2006/relationships" type="rect" r:blip="">
+            <dgm:adjLst/>
+          </dgm:shape>
+          <dgm:presOf axis="self" ptType="node"/>
+          <dgm:constrLst>
+            <dgm:constr type="lMarg" refType="h" fact="0.3"/>
+            <dgm:constr type="rMarg" refType="h" fact="0.3"/>
+            <dgm:constr type="tMarg" refType="h" fact="0.3"/>
+            <dgm:constr type="bMarg" refType="h" fact="0.3"/>
+          </dgm:constrLst>
+          <dgm:ruleLst>
+            <dgm:rule type="primFontSz" val="14" fact="NaN" max="NaN"/>
+            <dgm:rule type="h" val="INF" fact="NaN" max="NaN"/>
+          </dgm:ruleLst>
+        </dgm:layoutNode>
+        <dgm:choose name="Name12">
+          <dgm:if name="Name13" axis="ch" ptType="node" func="cnt" op="gte" val="1">
+            <dgm:layoutNode name="desTx" styleLbl="revTx">
+              <dgm:varLst/>
+              <dgm:alg type="tx">
+                <dgm:param type="txAnchorVertCh" val="mid"/>
+                <dgm:param type="parTxLTRAlign" val="l"/>
+                <dgm:param type="shpTxLTRAlignCh" val="l"/>
+                <dgm:param type="parTxRTLAlign" val="r"/>
+                <dgm:param type="shpTxRTLAlignCh" val="r"/>
+                <dgm:param type="stBulletLvl" val="0"/>
+              </dgm:alg>
+              <dgm:shape xmlns:r="http://schemas.openxmlformats.org/officeDocument/2006/relationships" type="rect" r:blip="">
+                <dgm:adjLst/>
+              </dgm:shape>
+              <dgm:presOf axis="des" ptType="node"/>
+              <dgm:constrLst>
+                <dgm:constr type="primFontSz" val="18"/>
+                <dgm:constr type="secFontSz" refType="primFontSz"/>
+                <dgm:constr type="lMarg" refType="h" fact="0.3"/>
+                <dgm:constr type="rMarg" refType="h" fact="0.3"/>
+                <dgm:constr type="tMarg" refType="h" fact="0.3"/>
+                <dgm:constr type="bMarg" refType="h" fact="0.3"/>
+              </dgm:constrLst>
+              <dgm:ruleLst>
+                <dgm:rule type="primFontSz" val="11" fact="NaN" max="NaN"/>
+              </dgm:ruleLst>
+            </dgm:layoutNode>
+          </dgm:if>
+          <dgm:else name="Name14"/>
+        </dgm:choose>
+      </dgm:layoutNode>
+      <dgm:forEach name="Name15" axis="followSib" ptType="sibTrans" cnt="1">
+        <dgm:layoutNode name="sibTrans">
+          <dgm:alg type="sp"/>
+          <dgm:shape xmlns:r="http://schemas.openxmlformats.org/officeDocument/2006/relationships" r:blip="">
+            <dgm:adjLst/>
+          </dgm:shape>
+          <dgm:presOf axis="self"/>
+          <dgm:constrLst/>
+          <dgm:ruleLst/>
+        </dgm:layoutNode>
+      </dgm:forEach>
+    </dgm:forEach>
+  </dgm:layoutNode>
+  <dgm:extLst>
+    <a:ext uri="{68A01E43-0DF5-4B5B-8FA6-DAF915123BFB}">
+      <dgm1612:lstStyle xmlns:dgm1612="http://schemas.microsoft.com/office/drawing/2016/12/diagram">
+        <a:lvl1pPr>
+          <a:lnSpc>
+            <a:spcPct val="100000"/>
+          </a:lnSpc>
+        </a:lvl1pPr>
+        <a:lvl2pPr>
+          <a:lnSpc>
+            <a:spcPct val="100000"/>
+          </a:lnSpc>
+        </a:lvl2pPr>
+      </dgm1612:lstStyle>
+    </a:ext>
+  </dgm:extLst>
+</dgm:layoutDef>
+</file>
+
+<file path=ppt/diagrams/quickStyle1.xml><?xml version="1.0" encoding="utf-8"?>
+<dgm:styleDef xmlns:dgm="http://schemas.openxmlformats.org/drawingml/2006/diagram" xmlns:a="http://schemas.openxmlformats.org/drawingml/2006/main" uniqueId="urn:microsoft.com/office/officeart/2005/8/quickstyle/simple1">
+  <dgm:title val=""/>
+  <dgm:desc val=""/>
+  <dgm:catLst>
+    <dgm:cat type="simple" pri="10100"/>
+  </dgm:catLst>
+  <dgm:scene3d>
+    <a:camera prst="orthographicFront"/>
+    <a:lightRig rig="threePt" dir="t"/>
+  </dgm:scene3d>
+  <dgm:styleLbl name="node0">
+    <dgm:scene3d>
+      <a:camera prst="orthographicFront"/>
+      <a:lightRig rig="threePt" dir="t"/>
+    </dgm:scene3d>
+    <dgm:sp3d/>
+    <dgm:txPr/>
+    <dgm:style>
+      <a:lnRef idx="2">
+        <a:scrgbClr r="0" g="0" b="0"/>
+      </a:lnRef>
+      <a:fillRef idx="1">
+        <a:scrgbClr r="0" g="0" b="0"/>
+      </a:fillRef>
+      <a:effectRef idx="0">
+        <a:scrgbClr r="0" g="0" b="0"/>
+      </a:effectRef>
+      <a:fontRef idx="minor">
+        <a:schemeClr val="lt1"/>
+      </a:fontRef>
+    </dgm:style>
+  </dgm:styleLbl>
+  <dgm:styleLbl name="lnNode1">
+    <dgm:scene3d>
+      <a:camera prst="orthographicFront"/>
+      <a:lightRig rig="threePt" dir="t"/>
+    </dgm:scene3d>
+    <dgm:sp3d/>
+    <dgm:txPr/>
+    <dgm:style>
+      <a:lnRef idx="2">
+        <a:scrgbClr r="0" g="0" b="0"/>
+      </a:lnRef>
+      <a:fillRef idx="1">
+        <a:scrgbClr r="0" g="0" b="0"/>
+      </a:fillRef>
+      <a:effectRef idx="0">
+        <a:scrgbClr r="0" g="0" b="0"/>
+      </a:effectRef>
+      <a:fontRef idx="minor">
+        <a:schemeClr val="lt1"/>
+      </a:fontRef>
+    </dgm:style>
+  </dgm:styleLbl>
+  <dgm:styleLbl name="vennNode1">
+    <dgm:scene3d>
+      <a:camera prst="orthographicFront"/>
+      <a:lightRig rig="threePt" dir="t"/>
+    </dgm:scene3d>
+    <dgm:sp3d/>
+    <dgm:txPr/>
+    <dgm:style>
+      <a:lnRef idx="2">
+        <a:scrgbClr r="0" g="0" b="0"/>
+      </a:lnRef>
+      <a:fillRef idx="1">
+        <a:scrgbClr r="0" g="0" b="0"/>
+      </a:fillRef>
+      <a:effectRef idx="0">
+        <a:scrgbClr r="0" g="0" b="0"/>
+      </a:effectRef>
+      <a:fontRef idx="minor">
+        <a:schemeClr val="tx1"/>
+      </a:fontRef>
+    </dgm:style>
+  </dgm:styleLbl>
+  <dgm:styleLbl name="alignNode1">
+    <dgm:scene3d>
+      <a:camera prst="orthographicFront"/>
+      <a:lightRig rig="threePt" dir="t"/>
+    </dgm:scene3d>
+    <dgm:sp3d/>
+    <dgm:txPr/>
+    <dgm:style>
+      <a:lnRef idx="2">
+        <a:scrgbClr r="0" g="0" b="0"/>
+      </a:lnRef>
+      <a:fillRef idx="1">
+        <a:scrgbClr r="0" g="0" b="0"/>
+      </a:fillRef>
+      <a:effectRef idx="0">
+        <a:scrgbClr r="0" g="0" b="0"/>
+      </a:effectRef>
+      <a:fontRef idx="minor">
+        <a:schemeClr val="lt1"/>
+      </a:fontRef>
+    </dgm:style>
+  </dgm:styleLbl>
+  <dgm:styleLbl name="node1">
+    <dgm:scene3d>
+      <a:camera prst="orthographicFront"/>
+      <a:lightRig rig="threePt" dir="t"/>
+    </dgm:scene3d>
+    <dgm:sp3d/>
+    <dgm:txPr/>
+    <dgm:style>
+      <a:lnRef idx="2">
+        <a:scrgbClr r="0" g="0" b="0"/>
+      </a:lnRef>
+      <a:fillRef idx="1">
+        <a:scrgbClr r="0" g="0" b="0"/>
+      </a:fillRef>
+      <a:effectRef idx="0">
+        <a:scrgbClr r="0" g="0" b="0"/>
+      </a:effectRef>
+      <a:fontRef idx="minor">
+        <a:schemeClr val="lt1"/>
+      </a:fontRef>
+    </dgm:style>
+  </dgm:styleLbl>
+  <dgm:styleLbl name="node2">
+    <dgm:scene3d>
+      <a:camera prst="orthographicFront"/>
+      <a:lightRig rig="threePt" dir="t"/>
+    </dgm:scene3d>
+    <dgm:sp3d/>
+    <dgm:txPr/>
+    <dgm:style>
+      <a:lnRef idx="2">
+        <a:scrgbClr r="0" g="0" b="0"/>
+      </a:lnRef>
+      <a:fillRef idx="1">
+        <a:scrgbClr r="0" g="0" b="0"/>
+      </a:fillRef>
+      <a:effectRef idx="0">
+        <a:scrgbClr r="0" g="0" b="0"/>
+      </a:effectRef>
+      <a:fontRef idx="minor">
+        <a:schemeClr val="lt1"/>
+      </a:fontRef>
+    </dgm:style>
+  </dgm:styleLbl>
+  <dgm:styleLbl name="node3">
+    <dgm:scene3d>
+      <a:camera prst="orthographicFront"/>
+      <a:lightRig rig="threePt" dir="t"/>
+    </dgm:scene3d>
+    <dgm:sp3d/>
+    <dgm:txPr/>
+    <dgm:style>
+      <a:lnRef idx="2">
+        <a:scrgbClr r="0" g="0" b="0"/>
+      </a:lnRef>
+      <a:fillRef idx="1">
+        <a:scrgbClr r="0" g="0" b="0"/>
+      </a:fillRef>
+      <a:effectRef idx="0">
+        <a:scrgbClr r="0" g="0" b="0"/>
+      </a:effectRef>
+      <a:fontRef idx="minor">
+        <a:schemeClr val="lt1"/>
+      </a:fontRef>
+    </dgm:style>
+  </dgm:styleLbl>
+  <dgm:styleLbl name="node4">
+    <dgm:scene3d>
+      <a:camera prst="orthographicFront"/>
+      <a:lightRig rig="threePt" dir="t"/>
+    </dgm:scene3d>
+    <dgm:sp3d/>
+    <dgm:txPr/>
+    <dgm:style>
+      <a:lnRef idx="2">
+        <a:scrgbClr r="0" g="0" b="0"/>
+      </a:lnRef>
+      <a:fillRef idx="1">
+        <a:scrgbClr r="0" g="0" b="0"/>
+      </a:fillRef>
+      <a:effectRef idx="0">
+        <a:scrgbClr r="0" g="0" b="0"/>
+      </a:effectRef>
+      <a:fontRef idx="minor">
+        <a:schemeClr val="lt1"/>
+      </a:fontRef>
+    </dgm:style>
+  </dgm:styleLbl>
+  <dgm:styleLbl name="fgImgPlace1">
+    <dgm:scene3d>
+      <a:camera prst="orthographicFront"/>
+      <a:lightRig rig="threePt" dir="t"/>
+    </dgm:scene3d>
+    <dgm:sp3d/>
+    <dgm:txPr/>
+    <dgm:style>
+      <a:lnRef idx="2">
+        <a:scrgbClr r="0" g="0" b="0"/>
+      </a:lnRef>
+      <a:fillRef idx="1">
+        <a:scrgbClr r="0" g="0" b="0"/>
+      </a:fillRef>
+      <a:effectRef idx="0">
+        <a:scrgbClr r="0" g="0" b="0"/>
+      </a:effectRef>
+      <a:fontRef idx="minor"/>
+    </dgm:style>
+  </dgm:styleLbl>
+  <dgm:styleLbl name="alignImgPlace1">
+    <dgm:scene3d>
+      <a:camera prst="orthographicFront"/>
+      <a:lightRig rig="threePt" dir="t"/>
+    </dgm:scene3d>
+    <dgm:sp3d/>
+    <dgm:txPr/>
+    <dgm:style>
+      <a:lnRef idx="2">
+        <a:scrgbClr r="0" g="0" b="0"/>
+      </a:lnRef>
+      <a:fillRef idx="1">
+        <a:scrgbClr r="0" g="0" b="0"/>
+      </a:fillRef>
+      <a:effectRef idx="0">
+        <a:scrgbClr r="0" g="0" b="0"/>
+      </a:effectRef>
+      <a:fontRef idx="minor"/>
+    </dgm:style>
+  </dgm:styleLbl>
+  <dgm:styleLbl name="bgImgPlace1">
+    <dgm:scene3d>
+      <a:camera prst="orthographicFront"/>
+      <a:lightRig rig="threePt" dir="t"/>
+    </dgm:scene3d>
+    <dgm:sp3d/>
+    <dgm:txPr/>
+    <dgm:style>
+      <a:lnRef idx="2">
+        <a:scrgbClr r="0" g="0" b="0"/>
+      </a:lnRef>
+      <a:fillRef idx="1">
+        <a:scrgbClr r="0" g="0" b="0"/>
+      </a:fillRef>
+      <a:effectRef idx="0">
+        <a:scrgbClr r="0" g="0" b="0"/>
+      </a:effectRef>
+      <a:fontRef idx="minor"/>
+    </dgm:style>
+  </dgm:styleLbl>
+  <dgm:styleLbl name="sibTrans2D1">
+    <dgm:scene3d>
+      <a:camera prst="orthographicFront"/>
+      <a:lightRig rig="threePt" dir="t"/>
+    </dgm:scene3d>
+    <dgm:sp3d/>
+    <dgm:txPr/>
+    <dgm:style>
+      <a:lnRef idx="0">
+        <a:scrgbClr r="0" g="0" b="0"/>
+      </a:lnRef>
+      <a:fillRef idx="1">
+        <a:scrgbClr r="0" g="0" b="0"/>
+      </a:fillRef>
+      <a:effectRef idx="0">
+        <a:scrgbClr r="0" g="0" b="0"/>
+      </a:effectRef>
+      <a:fontRef idx="minor">
+        <a:schemeClr val="lt1"/>
+      </a:fontRef>
+    </dgm:style>
+  </dgm:styleLbl>
+  <dgm:styleLbl name="fgSibTrans2D1">
+    <dgm:scene3d>
+      <a:camera prst="orthographicFront"/>
+      <a:lightRig rig="threePt" dir="t"/>
+    </dgm:scene3d>
+    <dgm:sp3d/>
+    <dgm:txPr/>
+    <dgm:style>
+      <a:lnRef idx="0">
+        <a:scrgbClr r="0" g="0" b="0"/>
+      </a:lnRef>
+      <a:fillRef idx="1">
+        <a:scrgbClr r="0" g="0" b="0"/>
+      </a:fillRef>
+      <a:effectRef idx="0">
+        <a:scrgbClr r="0" g="0" b="0"/>
+      </a:effectRef>
+      <a:fontRef idx="minor">
+        <a:schemeClr val="lt1"/>
+      </a:fontRef>
+    </dgm:style>
+  </dgm:styleLbl>
+  <dgm:styleLbl name="bgSibTrans2D1">
+    <dgm:scene3d>
+      <a:camera prst="orthographicFront"/>
+      <a:lightRig rig="threePt" dir="t"/>
+    </dgm:scene3d>
+    <dgm:sp3d/>
+    <dgm:txPr/>
+    <dgm:style>
+      <a:lnRef idx="0">
+        <a:scrgbClr r="0" g="0" b="0"/>
+      </a:lnRef>
+      <a:fillRef idx="1">
+        <a:scrgbClr r="0" g="0" b="0"/>
+      </a:fillRef>
+      <a:effectRef idx="0">
+        <a:scrgbClr r="0" g="0" b="0"/>
+      </a:effectRef>
+      <a:fontRef idx="minor">
+        <a:schemeClr val="lt1"/>
+      </a:fontRef>
+    </dgm:style>
+  </dgm:styleLbl>
+  <dgm:styleLbl name="sibTrans1D1">
+    <dgm:scene3d>
+      <a:camera prst="orthographicFront"/>
+      <a:lightRig rig="threePt" dir="t"/>
+    </dgm:scene3d>
+    <dgm:sp3d/>
+    <dgm:txPr/>
+    <dgm:style>
+      <a:lnRef idx="1">
+        <a:scrgbClr r="0" g="0" b="0"/>
+      </a:lnRef>
+      <a:fillRef idx="0">
+        <a:scrgbClr r="0" g="0" b="0"/>
+      </a:fillRef>
+      <a:effectRef idx="0">
+        <a:scrgbClr r="0" g="0" b="0"/>
+      </a:effectRef>
+      <a:fontRef idx="minor"/>
+    </dgm:style>
+  </dgm:styleLbl>
+  <dgm:styleLbl name="callout">
+    <dgm:scene3d>
+      <a:camera prst="orthographicFront"/>
+      <a:lightRig rig="threePt" dir="t"/>
+    </dgm:scene3d>
+    <dgm:sp3d/>
+    <dgm:txPr/>
+    <dgm:style>
+      <a:lnRef idx="2">
+        <a:scrgbClr r="0" g="0" b="0"/>
+      </a:lnRef>
+      <a:fillRef idx="1">
+        <a:scrgbClr r="0" g="0" b="0"/>
+      </a:fillRef>
+      <a:effectRef idx="0">
+        <a:scrgbClr r="0" g="0" b="0"/>
+      </a:effectRef>
+      <a:fontRef idx="minor"/>
+    </dgm:style>
+  </dgm:styleLbl>
+  <dgm:styleLbl name="asst0">
+    <dgm:scene3d>
+      <a:camera prst="orthographicFront"/>
+      <a:lightRig rig="threePt" dir="t"/>
+    </dgm:scene3d>
+    <dgm:sp3d/>
+    <dgm:txPr/>
+    <dgm:style>
+      <a:lnRef idx="2">
+        <a:scrgbClr r="0" g="0" b="0"/>
+      </a:lnRef>
+      <a:fillRef idx="1">
+        <a:scrgbClr r="0" g="0" b="0"/>
+      </a:fillRef>
+      <a:effectRef idx="0">
+        <a:scrgbClr r="0" g="0" b="0"/>
+      </a:effectRef>
+      <a:fontRef idx="minor">
+        <a:schemeClr val="lt1"/>
+      </a:fontRef>
+    </dgm:style>
+  </dgm:styleLbl>
+  <dgm:styleLbl name="asst1">
+    <dgm:scene3d>
+      <a:camera prst="orthographicFront"/>
+      <a:lightRig rig="threePt" dir="t"/>
+    </dgm:scene3d>
+    <dgm:sp3d/>
+    <dgm:txPr/>
+    <dgm:style>
+      <a:lnRef idx="2">
+        <a:scrgbClr r="0" g="0" b="0"/>
+      </a:lnRef>
+      <a:fillRef idx="1">
+        <a:scrgbClr r="0" g="0" b="0"/>
+      </a:fillRef>
+      <a:effectRef idx="0">
+        <a:scrgbClr r="0" g="0" b="0"/>
+      </a:effectRef>
+      <a:fontRef idx="minor">
+        <a:schemeClr val="lt1"/>
+      </a:fontRef>
+    </dgm:style>
+  </dgm:styleLbl>
+  <dgm:styleLbl name="asst2">
+    <dgm:scene3d>
+      <a:camera prst="orthographicFront"/>
+      <a:lightRig rig="threePt" dir="t"/>
+    </dgm:scene3d>
+    <dgm:sp3d/>
+    <dgm:txPr/>
+    <dgm:style>
+      <a:lnRef idx="2">
+        <a:scrgbClr r="0" g="0" b="0"/>
+      </a:lnRef>
+      <a:fillRef idx="1">
+        <a:scrgbClr r="0" g="0" b="0"/>
+      </a:fillRef>
+      <a:effectRef idx="0">
+        <a:scrgbClr r="0" g="0" b="0"/>
+      </a:effectRef>
+      <a:fontRef idx="minor">
+        <a:schemeClr val="lt1"/>
+      </a:fontRef>
+    </dgm:style>
+  </dgm:styleLbl>
+  <dgm:styleLbl name="asst3">
+    <dgm:scene3d>
+      <a:camera prst="orthographicFront"/>
+      <a:lightRig rig="threePt" dir="t"/>
+    </dgm:scene3d>
+    <dgm:sp3d/>
+    <dgm:txPr/>
+    <dgm:style>
+      <a:lnRef idx="2">
+        <a:scrgbClr r="0" g="0" b="0"/>
+      </a:lnRef>
+      <a:fillRef idx="1">
+        <a:scrgbClr r="0" g="0" b="0"/>
+      </a:fillRef>
+      <a:effectRef idx="0">
+        <a:scrgbClr r="0" g="0" b="0"/>
+      </a:effectRef>
+      <a:fontRef idx="minor">
+        <a:schemeClr val="lt1"/>
+      </a:fontRef>
+    </dgm:style>
+  </dgm:styleLbl>
+  <dgm:styleLbl name="asst4">
+    <dgm:scene3d>
+      <a:camera prst="orthographicFront"/>
+      <a:lightRig rig="threePt" dir="t"/>
+    </dgm:scene3d>
+    <dgm:sp3d/>
+    <dgm:txPr/>
+    <dgm:style>
+      <a:lnRef idx="2">
+        <a:scrgbClr r="0" g="0" b="0"/>
+      </a:lnRef>
+      <a:fillRef idx="1">
+        <a:scrgbClr r="0" g="0" b="0"/>
+      </a:fillRef>
+      <a:effectRef idx="0">
+        <a:scrgbClr r="0" g="0" b="0"/>
+      </a:effectRef>
+      <a:fontRef idx="minor">
+        <a:schemeClr val="lt1"/>
+      </a:fontRef>
+    </dgm:style>
+  </dgm:styleLbl>
+  <dgm:styleLbl name="parChTrans2D1">
+    <dgm:scene3d>
+      <a:camera prst="orthographicFront"/>
+      <a:lightRig rig="threePt" dir="t"/>
+    </dgm:scene3d>
+    <dgm:sp3d/>
+    <dgm:txPr/>
+    <dgm:style>
+      <a:lnRef idx="2">
+        <a:scrgbClr r="0" g="0" b="0"/>
+      </a:lnRef>
+      <a:fillRef idx="1">
+        <a:scrgbClr r="0" g="0" b="0"/>
+      </a:fillRef>
+      <a:effectRef idx="0">
+        <a:scrgbClr r="0" g="0" b="0"/>
+      </a:effectRef>
+      <a:fontRef idx="minor">
+        <a:schemeClr val="lt1"/>
+      </a:fontRef>
+    </dgm:style>
+  </dgm:styleLbl>
+  <dgm:styleLbl name="parChTrans2D2">
+    <dgm:scene3d>
+      <a:camera prst="orthographicFront"/>
+      <a:lightRig rig="threePt" dir="t"/>
+    </dgm:scene3d>
+    <dgm:sp3d/>
+    <dgm:txPr/>
+    <dgm:style>
+      <a:lnRef idx="2">
+        <a:scrgbClr r="0" g="0" b="0"/>
+      </a:lnRef>
+      <a:fillRef idx="1">
+        <a:scrgbClr r="0" g="0" b="0"/>
+      </a:fillRef>
+      <a:effectRef idx="0">
+        <a:scrgbClr r="0" g="0" b="0"/>
+      </a:effectRef>
+      <a:fontRef idx="minor">
+        <a:schemeClr val="lt1"/>
+      </a:fontRef>
+    </dgm:style>
+  </dgm:styleLbl>
+  <dgm:styleLbl name="parChTrans2D3">
+    <dgm:scene3d>
+      <a:camera prst="orthographicFront"/>
+      <a:lightRig rig="threePt" dir="t"/>
+    </dgm:scene3d>
+    <dgm:sp3d/>
+    <dgm:txPr/>
+    <dgm:style>
+      <a:lnRef idx="2">
+        <a:scrgbClr r="0" g="0" b="0"/>
+      </a:lnRef>
+      <a:fillRef idx="1">
+        <a:scrgbClr r="0" g="0" b="0"/>
+      </a:fillRef>
+      <a:effectRef idx="0">
+        <a:scrgbClr r="0" g="0" b="0"/>
+      </a:effectRef>
+      <a:fontRef idx="minor">
+        <a:schemeClr val="lt1"/>
+      </a:fontRef>
+    </dgm:style>
+  </dgm:styleLbl>
+  <dgm:styleLbl name="parChTrans2D4">
+    <dgm:scene3d>
+      <a:camera prst="orthographicFront"/>
+      <a:lightRig rig="threePt" dir="t"/>
+    </dgm:scene3d>
+    <dgm:sp3d/>
+    <dgm:txPr/>
+    <dgm:style>
+      <a:lnRef idx="2">
+        <a:scrgbClr r="0" g="0" b="0"/>
+      </a:lnRef>
+      <a:fillRef idx="1">
+        <a:scrgbClr r="0" g="0" b="0"/>
+      </a:fillRef>
+      <a:effectRef idx="0">
+        <a:scrgbClr r="0" g="0" b="0"/>
+      </a:effectRef>
+      <a:fontRef idx="minor">
+        <a:schemeClr val="lt1"/>
+      </a:fontRef>
+    </dgm:style>
+  </dgm:styleLbl>
+  <dgm:styleLbl name="parChTrans1D1">
+    <dgm:scene3d>
+      <a:camera prst="orthographicFront"/>
+      <a:lightRig rig="threePt" dir="t"/>
+    </dgm:scene3d>
+    <dgm:sp3d/>
+    <dgm:txPr/>
+    <dgm:style>
+      <a:lnRef idx="2">
+        <a:scrgbClr r="0" g="0" b="0"/>
+      </a:lnRef>
+      <a:fillRef idx="0">
+        <a:scrgbClr r="0" g="0" b="0"/>
+      </a:fillRef>
+      <a:effectRef idx="0">
+        <a:scrgbClr r="0" g="0" b="0"/>
+      </a:effectRef>
+      <a:fontRef idx="minor"/>
+    </dgm:style>
+  </dgm:styleLbl>
+  <dgm:styleLbl name="parChTrans1D2">
+    <dgm:scene3d>
+      <a:camera prst="orthographicFront"/>
+      <a:lightRig rig="threePt" dir="t"/>
+    </dgm:scene3d>
+    <dgm:sp3d/>
+    <dgm:txPr/>
+    <dgm:style>
+      <a:lnRef idx="2">
+        <a:scrgbClr r="0" g="0" b="0"/>
+      </a:lnRef>
+      <a:fillRef idx="0">
+        <a:scrgbClr r="0" g="0" b="0"/>
+      </a:fillRef>
+      <a:effectRef idx="0">
+        <a:scrgbClr r="0" g="0" b="0"/>
+      </a:effectRef>
+      <a:fontRef idx="minor"/>
+    </dgm:style>
+  </dgm:styleLbl>
+  <dgm:styleLbl name="parChTrans1D3">
+    <dgm:scene3d>
+      <a:camera prst="orthographicFront"/>
+      <a:lightRig rig="threePt" dir="t"/>
+    </dgm:scene3d>
+    <dgm:sp3d/>
+    <dgm:txPr/>
+    <dgm:style>
+      <a:lnRef idx="2">
+        <a:scrgbClr r="0" g="0" b="0"/>
+      </a:lnRef>
+      <a:fillRef idx="0">
+        <a:scrgbClr r="0" g="0" b="0"/>
+      </a:fillRef>
+      <a:effectRef idx="0">
+        <a:scrgbClr r="0" g="0" b="0"/>
+      </a:effectRef>
+      <a:fontRef idx="minor"/>
+    </dgm:style>
+  </dgm:styleLbl>
+  <dgm:styleLbl name="parChTrans1D4">
+    <dgm:scene3d>
+      <a:camera prst="orthographicFront"/>
+      <a:lightRig rig="threePt" dir="t"/>
+    </dgm:scene3d>
+    <dgm:sp3d/>
+    <dgm:txPr/>
+    <dgm:style>
+      <a:lnRef idx="2">
+        <a:scrgbClr r="0" g="0" b="0"/>
+      </a:lnRef>
+      <a:fillRef idx="0">
+        <a:scrgbClr r="0" g="0" b="0"/>
+      </a:fillRef>
+      <a:effectRef idx="0">
+        <a:scrgbClr r="0" g="0" b="0"/>
+      </a:effectRef>
+      <a:fontRef idx="minor"/>
+    </dgm:style>
+  </dgm:styleLbl>
+  <dgm:styleLbl name="fgAcc1">
+    <dgm:scene3d>
+      <a:camera prst="orthographicFront"/>
+      <a:lightRig rig="threePt" dir="t"/>
+    </dgm:scene3d>
+    <dgm:sp3d/>
+    <dgm:txPr/>
+    <dgm:style>
+      <a:lnRef idx="2">
+        <a:scrgbClr r="0" g="0" b="0"/>
+      </a:lnRef>
+      <a:fillRef idx="1">
+        <a:scrgbClr r="0" g="0" b="0"/>
+      </a:fillRef>
+      <a:effectRef idx="0">
+        <a:scrgbClr r="0" g="0" b="0"/>
+      </a:effectRef>
+      <a:fontRef idx="minor"/>
+    </dgm:style>
+  </dgm:styleLbl>
+  <dgm:styleLbl name="conFgAcc1">
+    <dgm:scene3d>
+      <a:camera prst="orthographicFront"/>
+      <a:lightRig rig="threePt" dir="t"/>
+    </dgm:scene3d>
+    <dgm:sp3d/>
+    <dgm:txPr/>
+    <dgm:style>
+      <a:lnRef idx="2">
+        <a:scrgbClr r="0" g="0" b="0"/>
+      </a:lnRef>
+      <a:fillRef idx="1">
+        <a:scrgbClr r="0" g="0" b="0"/>
+      </a:fillRef>
+      <a:effectRef idx="0">
+        <a:scrgbClr r="0" g="0" b="0"/>
+      </a:effectRef>
+      <a:fontRef idx="minor"/>
+    </dgm:style>
+  </dgm:styleLbl>
+  <dgm:styleLbl name="alignAcc1">
+    <dgm:scene3d>
+      <a:camera prst="orthographicFront"/>
+      <a:lightRig rig="threePt" dir="t"/>
+    </dgm:scene3d>
+    <dgm:sp3d/>
+    <dgm:txPr/>
+    <dgm:style>
+      <a:lnRef idx="2">
+        <a:scrgbClr r="0" g="0" b="0"/>
+      </a:lnRef>
+      <a:fillRef idx="1">
+        <a:scrgbClr r="0" g="0" b="0"/>
+      </a:fillRef>
+      <a:effectRef idx="0">
+        <a:scrgbClr r="0" g="0" b="0"/>
+      </a:effectRef>
+      <a:fontRef idx="minor"/>
+    </dgm:style>
+  </dgm:styleLbl>
+  <dgm:styleLbl name="trAlignAcc1">
+    <dgm:scene3d>
+      <a:camera prst="orthographicFront"/>
+      <a:lightRig rig="threePt" dir="t"/>
+    </dgm:scene3d>
+    <dgm:sp3d/>
+    <dgm:txPr/>
+    <dgm:style>
+      <a:lnRef idx="1">
+        <a:scrgbClr r="0" g="0" b="0"/>
+      </a:lnRef>
+      <a:fillRef idx="1">
+        <a:scrgbClr r="0" g="0" b="0"/>
+      </a:fillRef>
+      <a:effectRef idx="0">
+        <a:scrgbClr r="0" g="0" b="0"/>
+      </a:effectRef>
+      <a:fontRef idx="minor"/>
+    </dgm:style>
+  </dgm:styleLbl>
+  <dgm:styleLbl name="bgAcc1">
+    <dgm:scene3d>
+      <a:camera prst="orthographicFront"/>
+      <a:lightRig rig="threePt" dir="t"/>
+    </dgm:scene3d>
+    <dgm:sp3d/>
+    <dgm:txPr/>
+    <dgm:style>
+      <a:lnRef idx="2">
+        <a:scrgbClr r="0" g="0" b="0"/>
+      </a:lnRef>
+      <a:fillRef idx="1">
+        <a:scrgbClr r="0" g="0" b="0"/>
+      </a:fillRef>
+      <a:effectRef idx="0">
+        <a:scrgbClr r="0" g="0" b="0"/>
+      </a:effectRef>
+      <a:fontRef idx="minor"/>
+    </dgm:style>
+  </dgm:styleLbl>
+  <dgm:styleLbl name="solidFgAcc1">
+    <dgm:scene3d>
+      <a:camera prst="orthographicFront"/>
+      <a:lightRig rig="threePt" dir="t"/>
+    </dgm:scene3d>
+    <dgm:sp3d/>
+    <dgm:txPr/>
+    <dgm:style>
+      <a:lnRef idx="2">
+        <a:scrgbClr r="0" g="0" b="0"/>
+      </a:lnRef>
+      <a:fillRef idx="1">
+        <a:scrgbClr r="0" g="0" b="0"/>
+      </a:fillRef>
+      <a:effectRef idx="0">
+        <a:scrgbClr r="0" g="0" b="0"/>
+      </a:effectRef>
+      <a:fontRef idx="minor"/>
+    </dgm:style>
+  </dgm:styleLbl>
+  <dgm:styleLbl name="solidAlignAcc1">
+    <dgm:scene3d>
+      <a:camera prst="orthographicFront"/>
+      <a:lightRig rig="threePt" dir="t"/>
+    </dgm:scene3d>
+    <dgm:sp3d/>
+    <dgm:txPr/>
+    <dgm:style>
+      <a:lnRef idx="2">
+        <a:scrgbClr r="0" g="0" b="0"/>
+      </a:lnRef>
+      <a:fillRef idx="1">
+        <a:scrgbClr r="0" g="0" b="0"/>
+      </a:fillRef>
+      <a:effectRef idx="0">
+        <a:scrgbClr r="0" g="0" b="0"/>
+      </a:effectRef>
+      <a:fontRef idx="minor"/>
+    </dgm:style>
+  </dgm:styleLbl>
+  <dgm:styleLbl name="solidBgAcc1">
+    <dgm:scene3d>
+      <a:camera prst="orthographicFront"/>
+      <a:lightRig rig="threePt" dir="t"/>
+    </dgm:scene3d>
+    <dgm:sp3d/>
+    <dgm:txPr/>
+    <dgm:style>
+      <a:lnRef idx="2">
+        <a:scrgbClr r="0" g="0" b="0"/>
+      </a:lnRef>
+      <a:fillRef idx="1">
+        <a:scrgbClr r="0" g="0" b="0"/>
+      </a:fillRef>
+      <a:effectRef idx="0">
+        <a:scrgbClr r="0" g="0" b="0"/>
+      </a:effectRef>
+      <a:fontRef idx="minor"/>
+    </dgm:style>
+  </dgm:styleLbl>
+  <dgm:styleLbl name="fgAccFollowNode1">
+    <dgm:scene3d>
+      <a:camera prst="orthographicFront"/>
+      <a:lightRig rig="threePt" dir="t"/>
+    </dgm:scene3d>
+    <dgm:sp3d/>
+    <dgm:txPr/>
+    <dgm:style>
+      <a:lnRef idx="2">
+        <a:scrgbClr r="0" g="0" b="0"/>
+      </a:lnRef>
+      <a:fillRef idx="1">
+        <a:scrgbClr r="0" g="0" b="0"/>
+      </a:fillRef>
+      <a:effectRef idx="0">
+        <a:scrgbClr r="0" g="0" b="0"/>
+      </a:effectRef>
+      <a:fontRef idx="minor"/>
+    </dgm:style>
+  </dgm:styleLbl>
+  <dgm:styleLbl name="alignAccFollowNode1">
+    <dgm:scene3d>
+      <a:camera prst="orthographicFront"/>
+      <a:lightRig rig="threePt" dir="t"/>
+    </dgm:scene3d>
+    <dgm:sp3d/>
+    <dgm:txPr/>
+    <dgm:style>
+      <a:lnRef idx="2">
+        <a:scrgbClr r="0" g="0" b="0"/>
+      </a:lnRef>
+      <a:fillRef idx="1">
+        <a:scrgbClr r="0" g="0" b="0"/>
+      </a:fillRef>
+      <a:effectRef idx="0">
+        <a:scrgbClr r="0" g="0" b="0"/>
+      </a:effectRef>
+      <a:fontRef idx="minor"/>
+    </dgm:style>
+  </dgm:styleLbl>
+  <dgm:styleLbl name="bgAccFollowNode1">
+    <dgm:scene3d>
+      <a:camera prst="orthographicFront"/>
+      <a:lightRig rig="threePt" dir="t"/>
+    </dgm:scene3d>
+    <dgm:sp3d/>
+    <dgm:txPr/>
+    <dgm:style>
+      <a:lnRef idx="2">
+        <a:scrgbClr r="0" g="0" b="0"/>
+      </a:lnRef>
+      <a:fillRef idx="1">
+        <a:scrgbClr r="0" g="0" b="0"/>
+      </a:fillRef>
+      <a:effectRef idx="0">
+        <a:scrgbClr r="0" g="0" b="0"/>
+      </a:effectRef>
+      <a:fontRef idx="minor"/>
+    </dgm:style>
+  </dgm:styleLbl>
+  <dgm:styleLbl name="fgAcc0">
+    <dgm:scene3d>
+      <a:camera prst="orthographicFront"/>
+      <a:lightRig rig="threePt" dir="t"/>
+    </dgm:scene3d>
+    <dgm:sp3d/>
+    <dgm:txPr/>
+    <dgm:style>
+      <a:lnRef idx="2">
+        <a:scrgbClr r="0" g="0" b="0"/>
+      </a:lnRef>
+      <a:fillRef idx="1">
+        <a:scrgbClr r="0" g="0" b="0"/>
+      </a:fillRef>
+      <a:effectRef idx="0">
+        <a:scrgbClr r="0" g="0" b="0"/>
+      </a:effectRef>
+      <a:fontRef idx="minor"/>
+    </dgm:style>
+  </dgm:styleLbl>
+  <dgm:styleLbl name="fgAcc2">
+    <dgm:scene3d>
+      <a:camera prst="orthographicFront"/>
+      <a:lightRig rig="threePt" dir="t"/>
+    </dgm:scene3d>
+    <dgm:sp3d/>
+    <dgm:txPr/>
+    <dgm:style>
+      <a:lnRef idx="2">
+        <a:scrgbClr r="0" g="0" b="0"/>
+      </a:lnRef>
+      <a:fillRef idx="1">
+        <a:scrgbClr r="0" g="0" b="0"/>
+      </a:fillRef>
+      <a:effectRef idx="0">
+        <a:scrgbClr r="0" g="0" b="0"/>
+      </a:effectRef>
+      <a:fontRef idx="minor"/>
+    </dgm:style>
+  </dgm:styleLbl>
+  <dgm:styleLbl name="fgAcc3">
+    <dgm:scene3d>
+      <a:camera prst="orthographicFront"/>
+      <a:lightRig rig="threePt" dir="t"/>
+    </dgm:scene3d>
+    <dgm:sp3d/>
+    <dgm:txPr/>
+    <dgm:style>
+      <a:lnRef idx="2">
+        <a:scrgbClr r="0" g="0" b="0"/>
+      </a:lnRef>
+      <a:fillRef idx="1">
+        <a:scrgbClr r="0" g="0" b="0"/>
+      </a:fillRef>
+      <a:effectRef idx="0">
+        <a:scrgbClr r="0" g="0" b="0"/>
+      </a:effectRef>
+      <a:fontRef idx="minor"/>
+    </dgm:style>
+  </dgm:styleLbl>
+  <dgm:styleLbl name="fgAcc4">
+    <dgm:scene3d>
+      <a:camera prst="orthographicFront"/>
+      <a:lightRig rig="threePt" dir="t"/>
+    </dgm:scene3d>
+    <dgm:sp3d/>
+    <dgm:txPr/>
+    <dgm:style>
+      <a:lnRef idx="2">
+        <a:scrgbClr r="0" g="0" b="0"/>
+      </a:lnRef>
+      <a:fillRef idx="1">
+        <a:scrgbClr r="0" g="0" b="0"/>
+      </a:fillRef>
+      <a:effectRef idx="0">
+        <a:scrgbClr r="0" g="0" b="0"/>
+      </a:effectRef>
+      <a:fontRef idx="minor"/>
+    </dgm:style>
+  </dgm:styleLbl>
+  <dgm:styleLbl name="bgShp">
+    <dgm:scene3d>
+      <a:camera prst="orthographicFront"/>
+      <a:lightRig rig="threePt" dir="t"/>
+    </dgm:scene3d>
+    <dgm:sp3d/>
+    <dgm:txPr/>
+    <dgm:style>
+      <a:lnRef idx="0">
+        <a:scrgbClr r="0" g="0" b="0"/>
+      </a:lnRef>
+      <a:fillRef idx="1">
+        <a:scrgbClr r="0" g="0" b="0"/>
+      </a:fillRef>
+      <a:effectRef idx="0">
+        <a:scrgbClr r="0" g="0" b="0"/>
+      </a:effectRef>
+      <a:fontRef idx="minor"/>
+    </dgm:style>
+  </dgm:styleLbl>
+  <dgm:styleLbl name="dkBgShp">
+    <dgm:scene3d>
+      <a:camera prst="orthographicFront"/>
+      <a:lightRig rig="threePt" dir="t"/>
+    </dgm:scene3d>
+    <dgm:sp3d/>
+    <dgm:txPr/>
+    <dgm:style>
+      <a:lnRef idx="0">
+        <a:scrgbClr r="0" g="0" b="0"/>
+      </a:lnRef>
+      <a:fillRef idx="1">
+        <a:scrgbClr r="0" g="0" b="0"/>
+      </a:fillRef>
+      <a:effectRef idx="0">
+        <a:scrgbClr r="0" g="0" b="0"/>
+      </a:effectRef>
+      <a:fontRef idx="minor"/>
+    </dgm:style>
+  </dgm:styleLbl>
+  <dgm:styleLbl name="trBgShp">
+    <dgm:scene3d>
+      <a:camera prst="orthographicFront"/>
+      <a:lightRig rig="threePt" dir="t"/>
+    </dgm:scene3d>
+    <dgm:sp3d/>
+    <dgm:txPr/>
+    <dgm:style>
+      <a:lnRef idx="0">
+        <a:scrgbClr r="0" g="0" b="0"/>
+      </a:lnRef>
+      <a:fillRef idx="1">
+        <a:scrgbClr r="0" g="0" b="0"/>
+      </a:fillRef>
+      <a:effectRef idx="0">
+        <a:scrgbClr r="0" g="0" b="0"/>
+      </a:effectRef>
+      <a:fontRef idx="minor"/>
+    </dgm:style>
+  </dgm:styleLbl>
+  <dgm:styleLbl name="fgShp">
+    <dgm:scene3d>
+      <a:camera prst="orthographicFront"/>
+      <a:lightRig rig="threePt" dir="t"/>
+    </dgm:scene3d>
+    <dgm:sp3d/>
+    <dgm:txPr/>
+    <dgm:style>
+      <a:lnRef idx="2">
+        <a:scrgbClr r="0" g="0" b="0"/>
+      </a:lnRef>
+      <a:fillRef idx="1">
+        <a:scrgbClr r="0" g="0" b="0"/>
+      </a:fillRef>
+      <a:effectRef idx="0">
+        <a:scrgbClr r="0" g="0" b="0"/>
+      </a:effectRef>
+      <a:fontRef idx="minor"/>
+    </dgm:style>
+  </dgm:styleLbl>
+  <dgm:styleLbl name="revTx">
+    <dgm:scene3d>
+      <a:camera prst="orthographicFront"/>
+      <a:lightRig rig="threePt" dir="t"/>
+    </dgm:scene3d>
+    <dgm:sp3d/>
+    <dgm:txPr/>
+    <dgm:style>
+      <a:lnRef idx="0">
+        <a:scrgbClr r="0" g="0" b="0"/>
+      </a:lnRef>
+      <a:fillRef idx="0">
+        <a:scrgbClr r="0" g="0" b="0"/>
+      </a:fillRef>
+      <a:effectRef idx="0">
+        <a:scrgbClr r="0" g="0" b="0"/>
+      </a:effectRef>
+      <a:fontRef idx="minor"/>
+    </dgm:style>
+  </dgm:styleLbl>
+</dgm:styleDef>
 </file>
 
 <file path=ppt/handoutMasters/handoutMaster1.xml><?xml version="1.0" encoding="utf-8"?>
@@ -3550,6 +6685,591 @@
       </p:grpSpPr>
       <p:sp>
         <p:nvSpPr>
+          <p:cNvPr id="2" name="Title 1">
+            <a:extLst>
+              <a:ext uri="{FF2B5EF4-FFF2-40B4-BE49-F238E27FC236}">
+                <a16:creationId xmlns:a16="http://schemas.microsoft.com/office/drawing/2014/main" id="{ECFB6671-18E2-4931-80D9-DAD89F592EC5}"/>
+              </a:ext>
+            </a:extLst>
+          </p:cNvPr>
+          <p:cNvSpPr>
+            <a:spLocks noGrp="1"/>
+          </p:cNvSpPr>
+          <p:nvPr>
+            <p:ph type="title"/>
+          </p:nvPr>
+        </p:nvSpPr>
+        <p:spPr/>
+        <p:txBody>
+          <a:bodyPr>
+            <a:normAutofit fontScale="90000"/>
+          </a:bodyPr>
+          <a:lstStyle/>
+          <a:p>
+            <a:r>
+              <a:rPr lang="en-US" dirty="0"/>
+              <a:t>04: </a:t>
+            </a:r>
+            <a:r>
+              <a:rPr lang="en-US" dirty="0" err="1"/>
+              <a:t>Loglinar</a:t>
+            </a:r>
+            <a:r>
+              <a:rPr lang="en-US" dirty="0"/>
+              <a:t> models, mosaic displays</a:t>
+            </a:r>
+          </a:p>
+        </p:txBody>
+      </p:sp>
+      <p:sp>
+        <p:nvSpPr>
+          <p:cNvPr id="3" name="Content Placeholder 2">
+            <a:extLst>
+              <a:ext uri="{FF2B5EF4-FFF2-40B4-BE49-F238E27FC236}">
+                <a16:creationId xmlns:a16="http://schemas.microsoft.com/office/drawing/2014/main" id="{30DB61E5-3ECC-4FD6-93A0-BBB245FFABD5}"/>
+              </a:ext>
+            </a:extLst>
+          </p:cNvPr>
+          <p:cNvSpPr>
+            <a:spLocks noGrp="1"/>
+          </p:cNvSpPr>
+          <p:nvPr>
+            <p:ph idx="1"/>
+          </p:nvPr>
+        </p:nvSpPr>
+        <p:spPr/>
+        <p:txBody>
+          <a:bodyPr>
+            <a:normAutofit lnSpcReduction="10000"/>
+          </a:bodyPr>
+          <a:lstStyle/>
+          <a:p>
+            <a:r>
+              <a:rPr lang="en-US" sz="2400" dirty="0"/>
+              <a:t>Mosaic plots use sequential splits to show marginal and conditional frequencies in an </a:t>
+            </a:r>
+            <a:r>
+              <a:rPr lang="en-US" sz="2400" i="1" dirty="0"/>
+              <a:t>n</a:t>
+            </a:r>
+            <a:r>
+              <a:rPr lang="en-US" sz="2400" dirty="0"/>
+              <a:t>-way table</a:t>
+            </a:r>
+          </a:p>
+          <a:p>
+            <a:pPr lvl="1"/>
+            <a:r>
+              <a:rPr lang="en-US" sz="2000" dirty="0"/>
+              <a:t>Shading: </a:t>
+            </a:r>
+            <a:r>
+              <a:rPr lang="en-US" sz="2000" dirty="0">
+                <a:solidFill>
+                  <a:srgbClr val="0070C0"/>
+                </a:solidFill>
+              </a:rPr>
+              <a:t>sign</a:t>
+            </a:r>
+            <a:r>
+              <a:rPr lang="en-US" sz="2000" dirty="0"/>
+              <a:t> and </a:t>
+            </a:r>
+            <a:r>
+              <a:rPr lang="en-US" sz="2000" b="1" dirty="0"/>
+              <a:t>magnitude</a:t>
+            </a:r>
+            <a:r>
+              <a:rPr lang="en-US" sz="2000" dirty="0"/>
+              <a:t> </a:t>
+            </a:r>
+            <a:r>
+              <a:rPr lang="en-US" sz="2000"/>
+              <a:t>of residuals </a:t>
+            </a:r>
+            <a:r>
+              <a:rPr lang="en-US" sz="2000">
+                <a:sym typeface="Symbol" panose="05050102010706020507" pitchFamily="18" charset="2"/>
+              </a:rPr>
+              <a:t></a:t>
+            </a:r>
+            <a:r>
+              <a:rPr lang="en-US" sz="2000"/>
+              <a:t> </a:t>
+            </a:r>
+            <a:r>
+              <a:rPr lang="en-US" sz="2000" dirty="0"/>
+              <a:t>contributions to χ</a:t>
+            </a:r>
+            <a:r>
+              <a:rPr lang="en-US" sz="2000" baseline="30000" dirty="0"/>
+              <a:t>2</a:t>
+            </a:r>
+          </a:p>
+          <a:p>
+            <a:pPr lvl="1"/>
+            <a:r>
+              <a:rPr lang="en-US" sz="2000" dirty="0"/>
+              <a:t>Shows the pattern of association not accounted for</a:t>
+            </a:r>
+          </a:p>
+          <a:p>
+            <a:pPr lvl="1"/>
+            <a:r>
+              <a:rPr lang="en-US" sz="2000" dirty="0"/>
+              <a:t>Permuting rows/cols often helps</a:t>
+            </a:r>
+          </a:p>
+          <a:p>
+            <a:r>
+              <a:rPr lang="en-US" sz="2400" dirty="0"/>
+              <a:t>Loglinear models </a:t>
+            </a:r>
+          </a:p>
+          <a:p>
+            <a:pPr lvl="1"/>
+            <a:r>
+              <a:rPr lang="en-US" sz="2000" dirty="0"/>
+              <a:t>Express associations with ANOVA-like interaction terms: A*B, A*C</a:t>
+            </a:r>
+          </a:p>
+          <a:p>
+            <a:pPr lvl="2"/>
+            <a:r>
+              <a:rPr lang="en-US" sz="1800" dirty="0"/>
+              <a:t>Joint independence: [AB][C] </a:t>
+            </a:r>
+            <a:r>
+              <a:rPr lang="en-US" sz="1800" dirty="0">
+                <a:latin typeface="Calibri" panose="020F0502020204030204" pitchFamily="34" charset="0"/>
+                <a:cs typeface="Calibri" panose="020F0502020204030204" pitchFamily="34" charset="0"/>
+                <a:sym typeface="Symbol MT" panose="05050102010706020507" pitchFamily="18" charset="2"/>
+              </a:rPr>
+              <a:t>≡</a:t>
+            </a:r>
+            <a:r>
+              <a:rPr lang="en-US" sz="1800" dirty="0">
+                <a:sym typeface="Symbol MT" panose="05050102010706020507" pitchFamily="18" charset="2"/>
+              </a:rPr>
+              <a:t> A * B + C</a:t>
+            </a:r>
+            <a:endParaRPr lang="en-US" sz="1800" dirty="0"/>
+          </a:p>
+          <a:p>
+            <a:pPr lvl="2"/>
+            <a:r>
+              <a:rPr lang="en-US" sz="1800" dirty="0"/>
+              <a:t>Conditional independence: [AC][BC] </a:t>
+            </a:r>
+            <a:r>
+              <a:rPr lang="en-US" sz="1800" dirty="0">
+                <a:latin typeface="Calibri" panose="020F0502020204030204" pitchFamily="34" charset="0"/>
+                <a:cs typeface="Calibri" panose="020F0502020204030204" pitchFamily="34" charset="0"/>
+                <a:sym typeface="Symbol MT" panose="05050102010706020507" pitchFamily="18" charset="2"/>
+              </a:rPr>
+              <a:t>≡ </a:t>
+            </a:r>
+            <a:r>
+              <a:rPr lang="en-US" sz="1800" dirty="0">
+                <a:sym typeface="Symbol MT" panose="05050102010706020507" pitchFamily="18" charset="2"/>
+              </a:rPr>
+              <a:t>A </a:t>
+            </a:r>
+            <a:r>
+              <a:rPr lang="en-US" sz="1800" dirty="0">
+                <a:sym typeface="Symbol" panose="05050102010706020507" pitchFamily="18" charset="2"/>
+              </a:rPr>
+              <a:t> B | C</a:t>
+            </a:r>
+          </a:p>
+          <a:p>
+            <a:pPr lvl="1"/>
+            <a:r>
+              <a:rPr lang="en-US" sz="2000" dirty="0">
+                <a:sym typeface="Symbol" panose="05050102010706020507" pitchFamily="18" charset="2"/>
+              </a:rPr>
+              <a:t>Fitting models  “cleaning the mosaic”</a:t>
+            </a:r>
+          </a:p>
+          <a:p>
+            <a:pPr lvl="1"/>
+            <a:r>
+              <a:rPr lang="en-US" sz="2000" dirty="0">
+                <a:sym typeface="Symbol" panose="05050102010706020507" pitchFamily="18" charset="2"/>
+              </a:rPr>
+              <a:t>Response models: include all associations among predictors</a:t>
+            </a:r>
+          </a:p>
+          <a:p>
+            <a:r>
+              <a:rPr lang="en-US" sz="2400" dirty="0">
+                <a:sym typeface="Symbol" panose="05050102010706020507" pitchFamily="18" charset="2"/>
+              </a:rPr>
+              <a:t>Sequential / partial plots &amp; models</a:t>
+            </a:r>
+          </a:p>
+          <a:p>
+            <a:pPr lvl="1"/>
+            <a:r>
+              <a:rPr lang="en-US" sz="2000" dirty="0">
+                <a:sym typeface="Symbol" panose="05050102010706020507" pitchFamily="18" charset="2"/>
+              </a:rPr>
+              <a:t>Sequential: Decompose all associations: V</a:t>
+            </a:r>
+            <a:r>
+              <a:rPr lang="en-US" sz="2000" baseline="-25000" dirty="0">
+                <a:sym typeface="Symbol" panose="05050102010706020507" pitchFamily="18" charset="2"/>
+              </a:rPr>
+              <a:t>1</a:t>
+            </a:r>
+            <a:r>
+              <a:rPr lang="en-US" sz="2000" dirty="0">
+                <a:sym typeface="Symbol" panose="05050102010706020507" pitchFamily="18" charset="2"/>
+              </a:rPr>
+              <a:t>;  V</a:t>
+            </a:r>
+            <a:r>
+              <a:rPr lang="en-US" sz="2000" baseline="-25000" dirty="0">
+                <a:sym typeface="Symbol" panose="05050102010706020507" pitchFamily="18" charset="2"/>
+              </a:rPr>
+              <a:t>2</a:t>
+            </a:r>
+            <a:r>
+              <a:rPr lang="en-US" sz="2000" dirty="0">
+                <a:sym typeface="Symbol" panose="05050102010706020507" pitchFamily="18" charset="2"/>
+              </a:rPr>
+              <a:t>|V</a:t>
+            </a:r>
+            <a:r>
+              <a:rPr lang="en-US" sz="2000" baseline="-25000" dirty="0">
+                <a:sym typeface="Symbol" panose="05050102010706020507" pitchFamily="18" charset="2"/>
+              </a:rPr>
+              <a:t>1</a:t>
+            </a:r>
+            <a:r>
+              <a:rPr lang="en-US" sz="2000" dirty="0">
+                <a:sym typeface="Symbol" panose="05050102010706020507" pitchFamily="18" charset="2"/>
+              </a:rPr>
+              <a:t>;   V</a:t>
+            </a:r>
+            <a:r>
+              <a:rPr lang="en-US" sz="2000" baseline="-25000" dirty="0">
+                <a:sym typeface="Symbol" panose="05050102010706020507" pitchFamily="18" charset="2"/>
+              </a:rPr>
+              <a:t>3</a:t>
+            </a:r>
+            <a:r>
+              <a:rPr lang="en-US" sz="2000" dirty="0">
+                <a:sym typeface="Symbol" panose="05050102010706020507" pitchFamily="18" charset="2"/>
+              </a:rPr>
+              <a:t>|{V</a:t>
+            </a:r>
+            <a:r>
+              <a:rPr lang="en-US" sz="2000" baseline="-25000" dirty="0">
+                <a:sym typeface="Symbol" panose="05050102010706020507" pitchFamily="18" charset="2"/>
+              </a:rPr>
+              <a:t>1</a:t>
+            </a:r>
+            <a:r>
+              <a:rPr lang="en-US" sz="2000" dirty="0">
+                <a:sym typeface="Symbol" panose="05050102010706020507" pitchFamily="18" charset="2"/>
+              </a:rPr>
+              <a:t>, V</a:t>
+            </a:r>
+            <a:r>
+              <a:rPr lang="en-US" sz="2000" baseline="-25000" dirty="0">
+                <a:sym typeface="Symbol" panose="05050102010706020507" pitchFamily="18" charset="2"/>
+              </a:rPr>
+              <a:t>2</a:t>
+            </a:r>
+            <a:r>
+              <a:rPr lang="en-US" sz="2000" dirty="0">
+                <a:sym typeface="Symbol" panose="05050102010706020507" pitchFamily="18" charset="2"/>
+              </a:rPr>
+              <a:t>}, …</a:t>
+            </a:r>
+          </a:p>
+          <a:p>
+            <a:pPr lvl="1"/>
+            <a:r>
+              <a:rPr lang="en-US" sz="2000" dirty="0">
+                <a:sym typeface="Symbol" panose="05050102010706020507" pitchFamily="18" charset="2"/>
+              </a:rPr>
+              <a:t>Partial: Decompose conditional associations: [V</a:t>
+            </a:r>
+            <a:r>
+              <a:rPr lang="en-US" sz="2000" baseline="-25000" dirty="0">
+                <a:sym typeface="Symbol" panose="05050102010706020507" pitchFamily="18" charset="2"/>
+              </a:rPr>
+              <a:t>1</a:t>
+            </a:r>
+            <a:r>
+              <a:rPr lang="en-US" sz="2000" dirty="0">
+                <a:sym typeface="Symbol" panose="05050102010706020507" pitchFamily="18" charset="2"/>
+              </a:rPr>
+              <a:t>, V</a:t>
+            </a:r>
+            <a:r>
+              <a:rPr lang="en-US" sz="2000" baseline="-25000" dirty="0">
+                <a:sym typeface="Symbol" panose="05050102010706020507" pitchFamily="18" charset="2"/>
+              </a:rPr>
+              <a:t>2</a:t>
+            </a:r>
+            <a:r>
+              <a:rPr lang="en-US" sz="2000" dirty="0">
+                <a:sym typeface="Symbol" panose="05050102010706020507" pitchFamily="18" charset="2"/>
+              </a:rPr>
+              <a:t> ]| V</a:t>
+            </a:r>
+            <a:r>
+              <a:rPr lang="en-US" sz="2000" baseline="-25000" dirty="0">
+                <a:sym typeface="Symbol" panose="05050102010706020507" pitchFamily="18" charset="2"/>
+              </a:rPr>
+              <a:t>3</a:t>
+            </a:r>
+            <a:r>
+              <a:rPr lang="en-US" sz="2000" dirty="0">
+                <a:sym typeface="Symbol" panose="05050102010706020507" pitchFamily="18" charset="2"/>
+              </a:rPr>
+              <a:t>= {a, b, …}</a:t>
+            </a:r>
+            <a:endParaRPr lang="en-US" sz="2000" dirty="0"/>
+          </a:p>
+        </p:txBody>
+      </p:sp>
+      <p:sp>
+        <p:nvSpPr>
+          <p:cNvPr id="4" name="Slide Number Placeholder 3">
+            <a:extLst>
+              <a:ext uri="{FF2B5EF4-FFF2-40B4-BE49-F238E27FC236}">
+                <a16:creationId xmlns:a16="http://schemas.microsoft.com/office/drawing/2014/main" id="{F08FA1E9-B6E8-4A7F-8556-FFF9AD625BF2}"/>
+              </a:ext>
+            </a:extLst>
+          </p:cNvPr>
+          <p:cNvSpPr>
+            <a:spLocks noGrp="1"/>
+          </p:cNvSpPr>
+          <p:nvPr>
+            <p:ph type="sldNum" sz="quarter" idx="12"/>
+          </p:nvPr>
+        </p:nvSpPr>
+        <p:spPr/>
+        <p:txBody>
+          <a:bodyPr/>
+          <a:lstStyle/>
+          <a:p>
+            <a:fld id="{621225AB-15B9-4C79-A121-04D1DC7E2307}" type="slidenum">
+              <a:rPr lang="en-US" smtClean="0"/>
+              <a:t>10</a:t>
+            </a:fld>
+            <a:endParaRPr lang="en-US"/>
+          </a:p>
+        </p:txBody>
+      </p:sp>
+    </p:spTree>
+    <p:extLst>
+      <p:ext uri="{BB962C8B-B14F-4D97-AF65-F5344CB8AC3E}">
+        <p14:creationId xmlns:p14="http://schemas.microsoft.com/office/powerpoint/2010/main" val="81777766"/>
+      </p:ext>
+    </p:extLst>
+  </p:cSld>
+  <p:clrMapOvr>
+    <a:masterClrMapping/>
+  </p:clrMapOvr>
+  <p:timing>
+    <p:tnLst>
+      <p:par>
+        <p:cTn id="1" dur="indefinite" restart="never" nodeType="tmRoot">
+          <p:childTnLst>
+            <p:seq concurrent="1" nextAc="seek">
+              <p:cTn id="2" dur="indefinite" nodeType="mainSeq">
+                <p:childTnLst>
+                  <p:par>
+                    <p:cTn id="3" fill="hold">
+                      <p:stCondLst>
+                        <p:cond delay="indefinite"/>
+                      </p:stCondLst>
+                      <p:childTnLst>
+                        <p:par>
+                          <p:cTn id="4" fill="hold">
+                            <p:stCondLst>
+                              <p:cond delay="0"/>
+                            </p:stCondLst>
+                            <p:childTnLst>
+                              <p:par>
+                                <p:cTn id="5" presetID="1" presetClass="entr" presetSubtype="0" fill="hold" nodeType="clickEffect">
+                                  <p:stCondLst>
+                                    <p:cond delay="0"/>
+                                  </p:stCondLst>
+                                  <p:childTnLst>
+                                    <p:set>
+                                      <p:cBhvr>
+                                        <p:cTn id="6" dur="1" fill="hold">
+                                          <p:stCondLst>
+                                            <p:cond delay="0"/>
+                                          </p:stCondLst>
+                                        </p:cTn>
+                                        <p:tgtEl>
+                                          <p:spTgt spid="3">
+                                            <p:txEl>
+                                              <p:pRg st="0" end="0"/>
+                                            </p:txEl>
+                                          </p:spTgt>
+                                        </p:tgtEl>
+                                        <p:attrNameLst>
+                                          <p:attrName>style.visibility</p:attrName>
+                                        </p:attrNameLst>
+                                      </p:cBhvr>
+                                      <p:to>
+                                        <p:strVal val="visible"/>
+                                      </p:to>
+                                    </p:set>
+                                  </p:childTnLst>
+                                </p:cTn>
+                              </p:par>
+                              <p:par>
+                                <p:cTn id="7" presetID="1" presetClass="entr" presetSubtype="0" fill="hold" nodeType="withEffect">
+                                  <p:stCondLst>
+                                    <p:cond delay="0"/>
+                                  </p:stCondLst>
+                                  <p:childTnLst>
+                                    <p:set>
+                                      <p:cBhvr>
+                                        <p:cTn id="8" dur="1" fill="hold">
+                                          <p:stCondLst>
+                                            <p:cond delay="0"/>
+                                          </p:stCondLst>
+                                        </p:cTn>
+                                        <p:tgtEl>
+                                          <p:spTgt spid="3">
+                                            <p:txEl>
+                                              <p:pRg st="1" end="1"/>
+                                            </p:txEl>
+                                          </p:spTgt>
+                                        </p:tgtEl>
+                                        <p:attrNameLst>
+                                          <p:attrName>style.visibility</p:attrName>
+                                        </p:attrNameLst>
+                                      </p:cBhvr>
+                                      <p:to>
+                                        <p:strVal val="visible"/>
+                                      </p:to>
+                                    </p:set>
+                                  </p:childTnLst>
+                                </p:cTn>
+                              </p:par>
+                              <p:par>
+                                <p:cTn id="9" presetID="1" presetClass="entr" presetSubtype="0" fill="hold" nodeType="withEffect">
+                                  <p:stCondLst>
+                                    <p:cond delay="0"/>
+                                  </p:stCondLst>
+                                  <p:childTnLst>
+                                    <p:set>
+                                      <p:cBhvr>
+                                        <p:cTn id="10" dur="1" fill="hold">
+                                          <p:stCondLst>
+                                            <p:cond delay="0"/>
+                                          </p:stCondLst>
+                                        </p:cTn>
+                                        <p:tgtEl>
+                                          <p:spTgt spid="3">
+                                            <p:txEl>
+                                              <p:pRg st="2" end="2"/>
+                                            </p:txEl>
+                                          </p:spTgt>
+                                        </p:tgtEl>
+                                        <p:attrNameLst>
+                                          <p:attrName>style.visibility</p:attrName>
+                                        </p:attrNameLst>
+                                      </p:cBhvr>
+                                      <p:to>
+                                        <p:strVal val="visible"/>
+                                      </p:to>
+                                    </p:set>
+                                  </p:childTnLst>
+                                </p:cTn>
+                              </p:par>
+                              <p:par>
+                                <p:cTn id="11" presetID="1" presetClass="entr" presetSubtype="0" fill="hold" nodeType="withEffect">
+                                  <p:stCondLst>
+                                    <p:cond delay="0"/>
+                                  </p:stCondLst>
+                                  <p:childTnLst>
+                                    <p:set>
+                                      <p:cBhvr>
+                                        <p:cTn id="12" dur="1" fill="hold">
+                                          <p:stCondLst>
+                                            <p:cond delay="0"/>
+                                          </p:stCondLst>
+                                        </p:cTn>
+                                        <p:tgtEl>
+                                          <p:spTgt spid="3">
+                                            <p:txEl>
+                                              <p:pRg st="3" end="3"/>
+                                            </p:txEl>
+                                          </p:spTgt>
+                                        </p:tgtEl>
+                                        <p:attrNameLst>
+                                          <p:attrName>style.visibility</p:attrName>
+                                        </p:attrNameLst>
+                                      </p:cBhvr>
+                                      <p:to>
+                                        <p:strVal val="visible"/>
+                                      </p:to>
+                                    </p:set>
+                                  </p:childTnLst>
+                                </p:cTn>
+                              </p:par>
+                            </p:childTnLst>
+                          </p:cTn>
+                        </p:par>
+                      </p:childTnLst>
+                    </p:cTn>
+                  </p:par>
+                </p:childTnLst>
+              </p:cTn>
+              <p:prevCondLst>
+                <p:cond evt="onPrev" delay="0">
+                  <p:tgtEl>
+                    <p:sldTgt/>
+                  </p:tgtEl>
+                </p:cond>
+              </p:prevCondLst>
+              <p:nextCondLst>
+                <p:cond evt="onNext" delay="0">
+                  <p:tgtEl>
+                    <p:sldTgt/>
+                  </p:tgtEl>
+                </p:cond>
+              </p:nextCondLst>
+            </p:seq>
+          </p:childTnLst>
+        </p:cTn>
+      </p:par>
+    </p:tnLst>
+  </p:timing>
+</p:sld>
+</file>
+
+<file path=ppt/slides/slide11.xml><?xml version="1.0" encoding="utf-8"?>
+<p:sld xmlns:a="http://schemas.openxmlformats.org/drawingml/2006/main" xmlns:r="http://schemas.openxmlformats.org/officeDocument/2006/relationships" xmlns:p="http://schemas.openxmlformats.org/presentationml/2006/main">
+  <p:cSld>
+    <p:spTree>
+      <p:nvGrpSpPr>
+        <p:cNvPr id="1" name=""/>
+        <p:cNvGrpSpPr/>
+        <p:nvPr/>
+      </p:nvGrpSpPr>
+      <p:grpSpPr>
+        <a:xfrm>
+          <a:off x="0" y="0"/>
+          <a:ext cx="0" cy="0"/>
+          <a:chOff x="0" y="0"/>
+          <a:chExt cx="0" cy="0"/>
+        </a:xfrm>
+      </p:grpSpPr>
+      <p:sp>
+        <p:nvSpPr>
           <p:cNvPr id="2" name="Slide Number Placeholder 1">
             <a:extLst>
               <a:ext uri="{FF2B5EF4-FFF2-40B4-BE49-F238E27FC236}">
@@ -3571,7 +7291,7 @@
           <a:p>
             <a:fld id="{621225AB-15B9-4C79-A121-04D1DC7E2307}" type="slidenum">
               <a:rPr lang="en-US" smtClean="0"/>
-              <a:t>10</a:t>
+              <a:t>11</a:t>
             </a:fld>
             <a:endParaRPr lang="en-US"/>
           </a:p>
@@ -3710,7 +7430,7 @@
 </p:sld>
 </file>
 
-<file path=ppt/slides/slide11.xml><?xml version="1.0" encoding="utf-8"?>
+<file path=ppt/slides/slide12.xml><?xml version="1.0" encoding="utf-8"?>
 <p:sld xmlns:a="http://schemas.openxmlformats.org/drawingml/2006/main" xmlns:r="http://schemas.openxmlformats.org/officeDocument/2006/relationships" xmlns:p="http://schemas.openxmlformats.org/presentationml/2006/main">
   <p:cSld>
     <p:spTree>
@@ -3780,7 +7500,7 @@
           <a:p>
             <a:fld id="{621225AB-15B9-4C79-A121-04D1DC7E2307}" type="slidenum">
               <a:rPr lang="en-US" smtClean="0"/>
-              <a:t>11</a:t>
+              <a:t>12</a:t>
             </a:fld>
             <a:endParaRPr lang="en-US"/>
           </a:p>
@@ -3960,7 +7680,7 @@
 </p:sld>
 </file>
 
-<file path=ppt/slides/slide12.xml><?xml version="1.0" encoding="utf-8"?>
+<file path=ppt/slides/slide13.xml><?xml version="1.0" encoding="utf-8"?>
 <p:sld xmlns:a="http://schemas.openxmlformats.org/drawingml/2006/main" xmlns:r="http://schemas.openxmlformats.org/officeDocument/2006/relationships" xmlns:p="http://schemas.openxmlformats.org/presentationml/2006/main">
   <p:cSld>
     <p:spTree>
@@ -4000,7 +7720,7 @@
           <a:p>
             <a:fld id="{621225AB-15B9-4C79-A121-04D1DC7E2307}" type="slidenum">
               <a:rPr lang="en-US" smtClean="0"/>
-              <a:t>12</a:t>
+              <a:t>13</a:t>
             </a:fld>
             <a:endParaRPr lang="en-US"/>
           </a:p>
@@ -4139,7 +7859,7 @@
 </p:sld>
 </file>
 
-<file path=ppt/slides/slide13.xml><?xml version="1.0" encoding="utf-8"?>
+<file path=ppt/slides/slide14.xml><?xml version="1.0" encoding="utf-8"?>
 <p:sld xmlns:a="http://schemas.openxmlformats.org/drawingml/2006/main" xmlns:r="http://schemas.openxmlformats.org/officeDocument/2006/relationships" xmlns:p="http://schemas.openxmlformats.org/presentationml/2006/main">
   <p:cSld>
     <p:spTree>
@@ -4326,7 +8046,7 @@
           <a:p>
             <a:fld id="{621225AB-15B9-4C79-A121-04D1DC7E2307}" type="slidenum">
               <a:rPr lang="en-US" smtClean="0"/>
-              <a:t>13</a:t>
+              <a:t>14</a:t>
             </a:fld>
             <a:endParaRPr lang="en-US"/>
           </a:p>
@@ -4345,7 +8065,7 @@
 </p:sld>
 </file>
 
-<file path=ppt/slides/slide14.xml><?xml version="1.0" encoding="utf-8"?>
+<file path=ppt/slides/slide15.xml><?xml version="1.0" encoding="utf-8"?>
 <p:sld xmlns:a="http://schemas.openxmlformats.org/drawingml/2006/main" xmlns:r="http://schemas.openxmlformats.org/officeDocument/2006/relationships" xmlns:p="http://schemas.openxmlformats.org/presentationml/2006/main">
   <p:cSld>
     <p:spTree>
@@ -4385,7 +8105,7 @@
           <a:p>
             <a:fld id="{621225AB-15B9-4C79-A121-04D1DC7E2307}" type="slidenum">
               <a:rPr lang="en-US" smtClean="0"/>
-              <a:t>14</a:t>
+              <a:t>15</a:t>
             </a:fld>
             <a:endParaRPr lang="en-US"/>
           </a:p>
@@ -4524,7 +8244,7 @@
 </p:sld>
 </file>
 
-<file path=ppt/slides/slide15.xml><?xml version="1.0" encoding="utf-8"?>
+<file path=ppt/slides/slide16.xml><?xml version="1.0" encoding="utf-8"?>
 <p:sld xmlns:a="http://schemas.openxmlformats.org/drawingml/2006/main" xmlns:r="http://schemas.openxmlformats.org/officeDocument/2006/relationships" xmlns:p="http://schemas.openxmlformats.org/presentationml/2006/main">
   <p:cSld>
     <p:spTree>
@@ -4888,7 +8608,7 @@
           <a:p>
             <a:fld id="{621225AB-15B9-4C79-A121-04D1DC7E2307}" type="slidenum">
               <a:rPr lang="en-US" smtClean="0"/>
-              <a:t>15</a:t>
+              <a:t>16</a:t>
             </a:fld>
             <a:endParaRPr lang="en-US"/>
           </a:p>
@@ -5363,7 +9083,7 @@
 </p:sld>
 </file>
 
-<file path=ppt/slides/slide16.xml><?xml version="1.0" encoding="utf-8"?>
+<file path=ppt/slides/slide17.xml><?xml version="1.0" encoding="utf-8"?>
 <p:sld xmlns:a="http://schemas.openxmlformats.org/drawingml/2006/main" xmlns:r="http://schemas.openxmlformats.org/officeDocument/2006/relationships" xmlns:p="http://schemas.openxmlformats.org/presentationml/2006/main">
   <p:cSld>
     <p:spTree>
@@ -5403,7 +9123,7 @@
           <a:p>
             <a:fld id="{621225AB-15B9-4C79-A121-04D1DC7E2307}" type="slidenum">
               <a:rPr lang="en-US" smtClean="0"/>
-              <a:t>16</a:t>
+              <a:t>17</a:t>
             </a:fld>
             <a:endParaRPr lang="en-US"/>
           </a:p>
@@ -5542,7 +9262,7 @@
 </p:sld>
 </file>
 
-<file path=ppt/slides/slide17.xml><?xml version="1.0" encoding="utf-8"?>
+<file path=ppt/slides/slide18.xml><?xml version="1.0" encoding="utf-8"?>
 <p:sld xmlns:a="http://schemas.openxmlformats.org/drawingml/2006/main" xmlns:r="http://schemas.openxmlformats.org/officeDocument/2006/relationships" xmlns:p="http://schemas.openxmlformats.org/presentationml/2006/main">
   <p:cSld>
     <p:spTree>
@@ -5785,7 +9505,7 @@
           <a:p>
             <a:fld id="{621225AB-15B9-4C79-A121-04D1DC7E2307}" type="slidenum">
               <a:rPr lang="en-US" smtClean="0"/>
-              <a:t>17</a:t>
+              <a:t>18</a:t>
             </a:fld>
             <a:endParaRPr lang="en-US"/>
           </a:p>
@@ -6136,7 +9856,7 @@
 </p:sld>
 </file>
 
-<file path=ppt/slides/slide18.xml><?xml version="1.0" encoding="utf-8"?>
+<file path=ppt/slides/slide19.xml><?xml version="1.0" encoding="utf-8"?>
 <p:sld xmlns:a="http://schemas.openxmlformats.org/drawingml/2006/main" xmlns:r="http://schemas.openxmlformats.org/officeDocument/2006/relationships" xmlns:p="http://schemas.openxmlformats.org/presentationml/2006/main">
   <p:cSld>
     <p:spTree>
@@ -6176,7 +9896,7 @@
           <a:p>
             <a:fld id="{621225AB-15B9-4C79-A121-04D1DC7E2307}" type="slidenum">
               <a:rPr lang="en-US" smtClean="0"/>
-              <a:t>18</a:t>
+              <a:t>19</a:t>
             </a:fld>
             <a:endParaRPr lang="en-US"/>
           </a:p>
@@ -6315,7 +10035,224 @@
 </p:sld>
 </file>
 
-<file path=ppt/slides/slide19.xml><?xml version="1.0" encoding="utf-8"?>
+<file path=ppt/slides/slide2.xml><?xml version="1.0" encoding="utf-8"?>
+<p:sld xmlns:a="http://schemas.openxmlformats.org/drawingml/2006/main" xmlns:r="http://schemas.openxmlformats.org/officeDocument/2006/relationships" xmlns:p="http://schemas.openxmlformats.org/presentationml/2006/main">
+  <p:cSld>
+    <p:bg>
+      <p:bgPr>
+        <a:blipFill dpi="0" rotWithShape="1">
+          <a:blip r:embed="rId2">
+            <a:lum/>
+          </a:blip>
+          <a:srcRect/>
+          <a:stretch>
+            <a:fillRect l="-7000" r="-7000"/>
+          </a:stretch>
+        </a:blipFill>
+        <a:effectLst/>
+      </p:bgPr>
+    </p:bg>
+    <p:spTree>
+      <p:nvGrpSpPr>
+        <p:cNvPr id="1" name=""/>
+        <p:cNvGrpSpPr/>
+        <p:nvPr/>
+      </p:nvGrpSpPr>
+      <p:grpSpPr>
+        <a:xfrm>
+          <a:off x="0" y="0"/>
+          <a:ext cx="0" cy="0"/>
+          <a:chOff x="0" y="0"/>
+          <a:chExt cx="0" cy="0"/>
+        </a:xfrm>
+      </p:grpSpPr>
+      <p:sp>
+        <p:nvSpPr>
+          <p:cNvPr id="2" name="Title 1">
+            <a:extLst>
+              <a:ext uri="{FF2B5EF4-FFF2-40B4-BE49-F238E27FC236}">
+                <a16:creationId xmlns:a16="http://schemas.microsoft.com/office/drawing/2014/main" id="{9A644701-A8B6-5D40-E14D-833BA2375FA6}"/>
+              </a:ext>
+            </a:extLst>
+          </p:cNvPr>
+          <p:cNvSpPr>
+            <a:spLocks noGrp="1"/>
+          </p:cNvSpPr>
+          <p:nvPr>
+            <p:ph type="title"/>
+          </p:nvPr>
+        </p:nvSpPr>
+        <p:spPr>
+          <a:xfrm>
+            <a:off x="693738" y="5257800"/>
+            <a:ext cx="7772400" cy="774700"/>
+          </a:xfrm>
+        </p:spPr>
+        <p:txBody>
+          <a:bodyPr>
+            <a:noAutofit/>
+          </a:bodyPr>
+          <a:lstStyle/>
+          <a:p>
+            <a:pPr algn="ctr"/>
+            <a:r>
+              <a:rPr lang="en-CA" sz="5400" dirty="0"/>
+              <a:t>The Last Waltz</a:t>
+            </a:r>
+          </a:p>
+        </p:txBody>
+      </p:sp>
+      <p:sp>
+        <p:nvSpPr>
+          <p:cNvPr id="5" name="Text Placeholder 4">
+            <a:extLst>
+              <a:ext uri="{FF2B5EF4-FFF2-40B4-BE49-F238E27FC236}">
+                <a16:creationId xmlns:a16="http://schemas.microsoft.com/office/drawing/2014/main" id="{5BEB9BA8-E1DA-75BF-7FB0-463174294A55}"/>
+              </a:ext>
+            </a:extLst>
+          </p:cNvPr>
+          <p:cNvSpPr>
+            <a:spLocks noGrp="1"/>
+          </p:cNvSpPr>
+          <p:nvPr>
+            <p:ph type="body" idx="1"/>
+          </p:nvPr>
+        </p:nvSpPr>
+        <p:spPr>
+          <a:xfrm>
+            <a:off x="685800" y="3200400"/>
+            <a:ext cx="7772400" cy="1895475"/>
+          </a:xfrm>
+          <a:solidFill>
+            <a:schemeClr val="bg1">
+              <a:alpha val="55000"/>
+            </a:schemeClr>
+          </a:solidFill>
+        </p:spPr>
+        <p:txBody>
+          <a:bodyPr>
+            <a:noAutofit/>
+          </a:bodyPr>
+          <a:lstStyle/>
+          <a:p>
+            <a:pPr marL="342900" indent="-342900">
+              <a:buFont typeface="Arial" panose="020B0604020202020204" pitchFamily="34" charset="0"/>
+              <a:buChar char="•"/>
+            </a:pPr>
+            <a:r>
+              <a:rPr lang="en-CA" sz="3600" dirty="0">
+                <a:solidFill>
+                  <a:schemeClr val="tx1"/>
+                </a:solidFill>
+              </a:rPr>
+              <a:t>Where did we start?</a:t>
+            </a:r>
+          </a:p>
+          <a:p>
+            <a:pPr marL="342900" indent="-342900">
+              <a:buFont typeface="Arial" panose="020B0604020202020204" pitchFamily="34" charset="0"/>
+              <a:buChar char="•"/>
+            </a:pPr>
+            <a:r>
+              <a:rPr lang="en-CA" sz="3600" dirty="0">
+                <a:solidFill>
+                  <a:schemeClr val="tx1"/>
+                </a:solidFill>
+              </a:rPr>
+              <a:t>What have </a:t>
+            </a:r>
+            <a:r>
+              <a:rPr lang="en-CA" sz="3600" i="1" dirty="0">
+                <a:solidFill>
+                  <a:schemeClr val="tx1"/>
+                </a:solidFill>
+              </a:rPr>
+              <a:t>I</a:t>
+            </a:r>
+            <a:r>
+              <a:rPr lang="en-CA" sz="3600" dirty="0">
+                <a:solidFill>
+                  <a:schemeClr val="tx1"/>
+                </a:solidFill>
+              </a:rPr>
+              <a:t> tried to teach?</a:t>
+            </a:r>
+          </a:p>
+          <a:p>
+            <a:pPr marL="342900" indent="-342900">
+              <a:buFont typeface="Arial" panose="020B0604020202020204" pitchFamily="34" charset="0"/>
+              <a:buChar char="•"/>
+            </a:pPr>
+            <a:r>
+              <a:rPr lang="en-CA" sz="3600" dirty="0">
+                <a:solidFill>
+                  <a:schemeClr val="tx1"/>
+                </a:solidFill>
+              </a:rPr>
+              <a:t>What did </a:t>
+            </a:r>
+            <a:r>
+              <a:rPr lang="en-CA" sz="3600" i="1" dirty="0">
+                <a:solidFill>
+                  <a:schemeClr val="tx1"/>
+                </a:solidFill>
+              </a:rPr>
+              <a:t>you</a:t>
+            </a:r>
+            <a:r>
+              <a:rPr lang="en-CA" sz="3600" dirty="0">
+                <a:solidFill>
+                  <a:schemeClr val="tx1"/>
+                </a:solidFill>
+              </a:rPr>
+              <a:t> learn?</a:t>
+            </a:r>
+          </a:p>
+        </p:txBody>
+      </p:sp>
+      <p:sp>
+        <p:nvSpPr>
+          <p:cNvPr id="4" name="Slide Number Placeholder 3">
+            <a:extLst>
+              <a:ext uri="{FF2B5EF4-FFF2-40B4-BE49-F238E27FC236}">
+                <a16:creationId xmlns:a16="http://schemas.microsoft.com/office/drawing/2014/main" id="{29EF614E-BC56-C62D-C0F5-301CDE8219BE}"/>
+              </a:ext>
+            </a:extLst>
+          </p:cNvPr>
+          <p:cNvSpPr>
+            <a:spLocks noGrp="1"/>
+          </p:cNvSpPr>
+          <p:nvPr>
+            <p:ph type="sldNum" sz="quarter" idx="12"/>
+          </p:nvPr>
+        </p:nvSpPr>
+        <p:spPr/>
+        <p:txBody>
+          <a:bodyPr/>
+          <a:lstStyle/>
+          <a:p>
+            <a:fld id="{621225AB-15B9-4C79-A121-04D1DC7E2307}" type="slidenum">
+              <a:rPr lang="en-US" smtClean="0"/>
+              <a:t>2</a:t>
+            </a:fld>
+            <a:endParaRPr lang="en-US"/>
+          </a:p>
+        </p:txBody>
+      </p:sp>
+    </p:spTree>
+    <p:extLst>
+      <p:ext uri="{BB962C8B-B14F-4D97-AF65-F5344CB8AC3E}">
+        <p14:creationId xmlns:p14="http://schemas.microsoft.com/office/powerpoint/2010/main" val="3278005836"/>
+      </p:ext>
+    </p:extLst>
+  </p:cSld>
+  <p:clrMapOvr>
+    <a:masterClrMapping/>
+  </p:clrMapOvr>
+</p:sld>
+</file>
+
+<file path=ppt/slides/slide20.xml><?xml version="1.0" encoding="utf-8"?>
 <p:sld xmlns:a="http://schemas.openxmlformats.org/drawingml/2006/main" xmlns:r="http://schemas.openxmlformats.org/officeDocument/2006/relationships" xmlns:p="http://schemas.openxmlformats.org/presentationml/2006/main">
   <p:cSld>
     <p:spTree>
@@ -6587,7 +10524,7 @@
           <a:p>
             <a:fld id="{621225AB-15B9-4C79-A121-04D1DC7E2307}" type="slidenum">
               <a:rPr lang="en-US" smtClean="0"/>
-              <a:t>19</a:t>
+              <a:t>20</a:t>
             </a:fld>
             <a:endParaRPr lang="en-US"/>
           </a:p>
@@ -6907,224 +10844,7 @@
 </p:sld>
 </file>
 
-<file path=ppt/slides/slide2.xml><?xml version="1.0" encoding="utf-8"?>
-<p:sld xmlns:a="http://schemas.openxmlformats.org/drawingml/2006/main" xmlns:r="http://schemas.openxmlformats.org/officeDocument/2006/relationships" xmlns:p="http://schemas.openxmlformats.org/presentationml/2006/main">
-  <p:cSld>
-    <p:bg>
-      <p:bgPr>
-        <a:blipFill dpi="0" rotWithShape="1">
-          <a:blip r:embed="rId2">
-            <a:lum/>
-          </a:blip>
-          <a:srcRect/>
-          <a:stretch>
-            <a:fillRect l="-7000" r="-7000"/>
-          </a:stretch>
-        </a:blipFill>
-        <a:effectLst/>
-      </p:bgPr>
-    </p:bg>
-    <p:spTree>
-      <p:nvGrpSpPr>
-        <p:cNvPr id="1" name=""/>
-        <p:cNvGrpSpPr/>
-        <p:nvPr/>
-      </p:nvGrpSpPr>
-      <p:grpSpPr>
-        <a:xfrm>
-          <a:off x="0" y="0"/>
-          <a:ext cx="0" cy="0"/>
-          <a:chOff x="0" y="0"/>
-          <a:chExt cx="0" cy="0"/>
-        </a:xfrm>
-      </p:grpSpPr>
-      <p:sp>
-        <p:nvSpPr>
-          <p:cNvPr id="2" name="Title 1">
-            <a:extLst>
-              <a:ext uri="{FF2B5EF4-FFF2-40B4-BE49-F238E27FC236}">
-                <a16:creationId xmlns:a16="http://schemas.microsoft.com/office/drawing/2014/main" id="{9A644701-A8B6-5D40-E14D-833BA2375FA6}"/>
-              </a:ext>
-            </a:extLst>
-          </p:cNvPr>
-          <p:cNvSpPr>
-            <a:spLocks noGrp="1"/>
-          </p:cNvSpPr>
-          <p:nvPr>
-            <p:ph type="title"/>
-          </p:nvPr>
-        </p:nvSpPr>
-        <p:spPr>
-          <a:xfrm>
-            <a:off x="693738" y="5257800"/>
-            <a:ext cx="7772400" cy="774700"/>
-          </a:xfrm>
-        </p:spPr>
-        <p:txBody>
-          <a:bodyPr>
-            <a:noAutofit/>
-          </a:bodyPr>
-          <a:lstStyle/>
-          <a:p>
-            <a:pPr algn="ctr"/>
-            <a:r>
-              <a:rPr lang="en-CA" sz="5400" dirty="0"/>
-              <a:t>The Last Waltz</a:t>
-            </a:r>
-          </a:p>
-        </p:txBody>
-      </p:sp>
-      <p:sp>
-        <p:nvSpPr>
-          <p:cNvPr id="5" name="Text Placeholder 4">
-            <a:extLst>
-              <a:ext uri="{FF2B5EF4-FFF2-40B4-BE49-F238E27FC236}">
-                <a16:creationId xmlns:a16="http://schemas.microsoft.com/office/drawing/2014/main" id="{5BEB9BA8-E1DA-75BF-7FB0-463174294A55}"/>
-              </a:ext>
-            </a:extLst>
-          </p:cNvPr>
-          <p:cNvSpPr>
-            <a:spLocks noGrp="1"/>
-          </p:cNvSpPr>
-          <p:nvPr>
-            <p:ph type="body" idx="1"/>
-          </p:nvPr>
-        </p:nvSpPr>
-        <p:spPr>
-          <a:xfrm>
-            <a:off x="685800" y="3200400"/>
-            <a:ext cx="7772400" cy="1895475"/>
-          </a:xfrm>
-          <a:solidFill>
-            <a:schemeClr val="bg1">
-              <a:alpha val="55000"/>
-            </a:schemeClr>
-          </a:solidFill>
-        </p:spPr>
-        <p:txBody>
-          <a:bodyPr>
-            <a:noAutofit/>
-          </a:bodyPr>
-          <a:lstStyle/>
-          <a:p>
-            <a:pPr marL="342900" indent="-342900">
-              <a:buFont typeface="Arial" panose="020B0604020202020204" pitchFamily="34" charset="0"/>
-              <a:buChar char="•"/>
-            </a:pPr>
-            <a:r>
-              <a:rPr lang="en-CA" sz="3600" dirty="0">
-                <a:solidFill>
-                  <a:schemeClr val="tx1"/>
-                </a:solidFill>
-              </a:rPr>
-              <a:t>Where did we start?</a:t>
-            </a:r>
-          </a:p>
-          <a:p>
-            <a:pPr marL="342900" indent="-342900">
-              <a:buFont typeface="Arial" panose="020B0604020202020204" pitchFamily="34" charset="0"/>
-              <a:buChar char="•"/>
-            </a:pPr>
-            <a:r>
-              <a:rPr lang="en-CA" sz="3600" dirty="0">
-                <a:solidFill>
-                  <a:schemeClr val="tx1"/>
-                </a:solidFill>
-              </a:rPr>
-              <a:t>What have </a:t>
-            </a:r>
-            <a:r>
-              <a:rPr lang="en-CA" sz="3600" i="1" dirty="0">
-                <a:solidFill>
-                  <a:schemeClr val="tx1"/>
-                </a:solidFill>
-              </a:rPr>
-              <a:t>I</a:t>
-            </a:r>
-            <a:r>
-              <a:rPr lang="en-CA" sz="3600" dirty="0">
-                <a:solidFill>
-                  <a:schemeClr val="tx1"/>
-                </a:solidFill>
-              </a:rPr>
-              <a:t> tried to teach?</a:t>
-            </a:r>
-          </a:p>
-          <a:p>
-            <a:pPr marL="342900" indent="-342900">
-              <a:buFont typeface="Arial" panose="020B0604020202020204" pitchFamily="34" charset="0"/>
-              <a:buChar char="•"/>
-            </a:pPr>
-            <a:r>
-              <a:rPr lang="en-CA" sz="3600" dirty="0">
-                <a:solidFill>
-                  <a:schemeClr val="tx1"/>
-                </a:solidFill>
-              </a:rPr>
-              <a:t>What did </a:t>
-            </a:r>
-            <a:r>
-              <a:rPr lang="en-CA" sz="3600" i="1" dirty="0">
-                <a:solidFill>
-                  <a:schemeClr val="tx1"/>
-                </a:solidFill>
-              </a:rPr>
-              <a:t>you</a:t>
-            </a:r>
-            <a:r>
-              <a:rPr lang="en-CA" sz="3600" dirty="0">
-                <a:solidFill>
-                  <a:schemeClr val="tx1"/>
-                </a:solidFill>
-              </a:rPr>
-              <a:t> learn?</a:t>
-            </a:r>
-          </a:p>
-        </p:txBody>
-      </p:sp>
-      <p:sp>
-        <p:nvSpPr>
-          <p:cNvPr id="4" name="Slide Number Placeholder 3">
-            <a:extLst>
-              <a:ext uri="{FF2B5EF4-FFF2-40B4-BE49-F238E27FC236}">
-                <a16:creationId xmlns:a16="http://schemas.microsoft.com/office/drawing/2014/main" id="{29EF614E-BC56-C62D-C0F5-301CDE8219BE}"/>
-              </a:ext>
-            </a:extLst>
-          </p:cNvPr>
-          <p:cNvSpPr>
-            <a:spLocks noGrp="1"/>
-          </p:cNvSpPr>
-          <p:nvPr>
-            <p:ph type="sldNum" sz="quarter" idx="12"/>
-          </p:nvPr>
-        </p:nvSpPr>
-        <p:spPr/>
-        <p:txBody>
-          <a:bodyPr/>
-          <a:lstStyle/>
-          <a:p>
-            <a:fld id="{621225AB-15B9-4C79-A121-04D1DC7E2307}" type="slidenum">
-              <a:rPr lang="en-US" smtClean="0"/>
-              <a:t>2</a:t>
-            </a:fld>
-            <a:endParaRPr lang="en-US"/>
-          </a:p>
-        </p:txBody>
-      </p:sp>
-    </p:spTree>
-    <p:extLst>
-      <p:ext uri="{BB962C8B-B14F-4D97-AF65-F5344CB8AC3E}">
-        <p14:creationId xmlns:p14="http://schemas.microsoft.com/office/powerpoint/2010/main" val="3278005836"/>
-      </p:ext>
-    </p:extLst>
-  </p:cSld>
-  <p:clrMapOvr>
-    <a:masterClrMapping/>
-  </p:clrMapOvr>
-</p:sld>
-</file>
-
-<file path=ppt/slides/slide20.xml><?xml version="1.0" encoding="utf-8"?>
+<file path=ppt/slides/slide21.xml><?xml version="1.0" encoding="utf-8"?>
 <p:sld xmlns:a="http://schemas.openxmlformats.org/drawingml/2006/main" xmlns:r="http://schemas.openxmlformats.org/officeDocument/2006/relationships" xmlns:p="http://schemas.openxmlformats.org/presentationml/2006/main">
   <p:cSld>
     <p:spTree>
@@ -7164,7 +10884,7 @@
           <a:p>
             <a:fld id="{621225AB-15B9-4C79-A121-04D1DC7E2307}" type="slidenum">
               <a:rPr lang="en-US" smtClean="0"/>
-              <a:t>20</a:t>
+              <a:t>21</a:t>
             </a:fld>
             <a:endParaRPr lang="en-US"/>
           </a:p>
@@ -7303,7 +11023,7 @@
 </p:sld>
 </file>
 
-<file path=ppt/slides/slide21.xml><?xml version="1.0" encoding="utf-8"?>
+<file path=ppt/slides/slide22.xml><?xml version="1.0" encoding="utf-8"?>
 <p:sld xmlns:a="http://schemas.openxmlformats.org/drawingml/2006/main" xmlns:r="http://schemas.openxmlformats.org/officeDocument/2006/relationships" xmlns:p="http://schemas.openxmlformats.org/presentationml/2006/main">
   <p:cSld>
     <p:spTree>
@@ -7455,7 +11175,7 @@
           <a:p>
             <a:fld id="{621225AB-15B9-4C79-A121-04D1DC7E2307}" type="slidenum">
               <a:rPr lang="en-US" smtClean="0"/>
-              <a:t>21</a:t>
+              <a:t>22</a:t>
             </a:fld>
             <a:endParaRPr lang="en-US"/>
           </a:p>
@@ -7474,7 +11194,7 @@
 </p:sld>
 </file>
 
-<file path=ppt/slides/slide22.xml><?xml version="1.0" encoding="utf-8"?>
+<file path=ppt/slides/slide23.xml><?xml version="1.0" encoding="utf-8"?>
 <p:sld xmlns:a="http://schemas.openxmlformats.org/drawingml/2006/main" xmlns:r="http://schemas.openxmlformats.org/officeDocument/2006/relationships" xmlns:p="http://schemas.openxmlformats.org/presentationml/2006/main">
   <p:cSld>
     <p:spTree>
@@ -7570,7 +11290,7 @@
           <a:p>
             <a:fld id="{621225AB-15B9-4C79-A121-04D1DC7E2307}" type="slidenum">
               <a:rPr lang="en-US" smtClean="0"/>
-              <a:t>22</a:t>
+              <a:t>23</a:t>
             </a:fld>
             <a:endParaRPr lang="en-US"/>
           </a:p>
@@ -7625,7 +11345,7 @@
 </p:sld>
 </file>
 
-<file path=ppt/slides/slide23.xml><?xml version="1.0" encoding="utf-8"?>
+<file path=ppt/slides/slide24.xml><?xml version="1.0" encoding="utf-8"?>
 <p:sld xmlns:a="http://schemas.openxmlformats.org/drawingml/2006/main" xmlns:r="http://schemas.openxmlformats.org/officeDocument/2006/relationships" xmlns:p="http://schemas.openxmlformats.org/presentationml/2006/main">
   <p:cSld>
     <p:spTree>
@@ -7744,7 +11464,7 @@
           <a:p>
             <a:fld id="{621225AB-15B9-4C79-A121-04D1DC7E2307}" type="slidenum">
               <a:rPr lang="en-US" smtClean="0"/>
-              <a:t>23</a:t>
+              <a:t>24</a:t>
             </a:fld>
             <a:endParaRPr lang="en-US"/>
           </a:p>
@@ -7763,7 +11483,7 @@
 </p:sld>
 </file>
 
-<file path=ppt/slides/slide24.xml><?xml version="1.0" encoding="utf-8"?>
+<file path=ppt/slides/slide25.xml><?xml version="1.0" encoding="utf-8"?>
 <p:sld xmlns:a="http://schemas.openxmlformats.org/drawingml/2006/main" xmlns:r="http://schemas.openxmlformats.org/officeDocument/2006/relationships" xmlns:p="http://schemas.openxmlformats.org/presentationml/2006/main">
   <p:cSld>
     <p:spTree>
@@ -7889,7 +11609,7 @@
           <a:p>
             <a:fld id="{621225AB-15B9-4C79-A121-04D1DC7E2307}" type="slidenum">
               <a:rPr lang="en-US" smtClean="0"/>
-              <a:t>24</a:t>
+              <a:t>25</a:t>
             </a:fld>
             <a:endParaRPr lang="en-US"/>
           </a:p>
@@ -7908,7 +11628,7 @@
 </p:sld>
 </file>
 
-<file path=ppt/slides/slide25.xml><?xml version="1.0" encoding="utf-8"?>
+<file path=ppt/slides/slide26.xml><?xml version="1.0" encoding="utf-8"?>
 <p:sld xmlns:a="http://schemas.openxmlformats.org/drawingml/2006/main" xmlns:r="http://schemas.openxmlformats.org/officeDocument/2006/relationships" xmlns:p="http://schemas.openxmlformats.org/presentationml/2006/main">
   <p:cSld>
     <p:spTree>
@@ -7942,7 +11662,7 @@
           <a:p>
             <a:fld id="{621225AB-15B9-4C79-A121-04D1DC7E2307}" type="slidenum">
               <a:rPr lang="en-US" smtClean="0"/>
-              <a:t>25</a:t>
+              <a:t>26</a:t>
             </a:fld>
             <a:endParaRPr lang="en-US"/>
           </a:p>
@@ -8021,6 +11741,121 @@
       </p:grpSpPr>
       <p:sp>
         <p:nvSpPr>
+          <p:cNvPr id="5" name="Title 4">
+            <a:extLst>
+              <a:ext uri="{FF2B5EF4-FFF2-40B4-BE49-F238E27FC236}">
+                <a16:creationId xmlns:a16="http://schemas.microsoft.com/office/drawing/2014/main" id="{CDB771EC-9D6E-54ED-5DBC-BF4096A02286}"/>
+              </a:ext>
+            </a:extLst>
+          </p:cNvPr>
+          <p:cNvSpPr>
+            <a:spLocks noGrp="1"/>
+          </p:cNvSpPr>
+          <p:nvPr>
+            <p:ph type="title"/>
+          </p:nvPr>
+        </p:nvSpPr>
+        <p:spPr/>
+        <p:txBody>
+          <a:bodyPr>
+            <a:normAutofit fontScale="90000"/>
+          </a:bodyPr>
+          <a:lstStyle/>
+          <a:p>
+            <a:r>
+              <a:rPr lang="en-CA" dirty="0"/>
+              <a:t>My goals</a:t>
+            </a:r>
+          </a:p>
+        </p:txBody>
+      </p:sp>
+      <p:graphicFrame>
+        <p:nvGraphicFramePr>
+          <p:cNvPr id="8" name="Content Placeholder 5">
+            <a:extLst>
+              <a:ext uri="{FF2B5EF4-FFF2-40B4-BE49-F238E27FC236}">
+                <a16:creationId xmlns:a16="http://schemas.microsoft.com/office/drawing/2014/main" id="{C49EAA27-0286-0594-CE32-6C85DBA60069}"/>
+              </a:ext>
+            </a:extLst>
+          </p:cNvPr>
+          <p:cNvGraphicFramePr>
+            <a:graphicFrameLocks noGrp="1"/>
+          </p:cNvGraphicFramePr>
+          <p:nvPr>
+            <p:ph idx="1"/>
+          </p:nvPr>
+        </p:nvGraphicFramePr>
+        <p:xfrm>
+          <a:off x="457200" y="1143000"/>
+          <a:ext cx="8229600" cy="5105400"/>
+        </p:xfrm>
+        <a:graphic>
+          <a:graphicData uri="http://schemas.openxmlformats.org/drawingml/2006/diagram">
+            <dgm:relIds xmlns:dgm="http://schemas.openxmlformats.org/drawingml/2006/diagram" xmlns:r="http://schemas.openxmlformats.org/officeDocument/2006/relationships" r:dm="rId2" r:lo="rId3" r:qs="rId4" r:cs="rId5"/>
+          </a:graphicData>
+        </a:graphic>
+      </p:graphicFrame>
+      <p:sp>
+        <p:nvSpPr>
+          <p:cNvPr id="4" name="Slide Number Placeholder 3">
+            <a:extLst>
+              <a:ext uri="{FF2B5EF4-FFF2-40B4-BE49-F238E27FC236}">
+                <a16:creationId xmlns:a16="http://schemas.microsoft.com/office/drawing/2014/main" id="{9E28D4CF-8385-7B9D-C795-878DF3D98E5F}"/>
+              </a:ext>
+            </a:extLst>
+          </p:cNvPr>
+          <p:cNvSpPr>
+            <a:spLocks noGrp="1"/>
+          </p:cNvSpPr>
+          <p:nvPr>
+            <p:ph type="sldNum" sz="quarter" idx="12"/>
+          </p:nvPr>
+        </p:nvSpPr>
+        <p:spPr/>
+        <p:txBody>
+          <a:bodyPr/>
+          <a:lstStyle/>
+          <a:p>
+            <a:fld id="{621225AB-15B9-4C79-A121-04D1DC7E2307}" type="slidenum">
+              <a:rPr lang="en-US" smtClean="0"/>
+              <a:t>3</a:t>
+            </a:fld>
+            <a:endParaRPr lang="en-US"/>
+          </a:p>
+        </p:txBody>
+      </p:sp>
+    </p:spTree>
+    <p:extLst>
+      <p:ext uri="{BB962C8B-B14F-4D97-AF65-F5344CB8AC3E}">
+        <p14:creationId xmlns:p14="http://schemas.microsoft.com/office/powerpoint/2010/main" val="1375567535"/>
+      </p:ext>
+    </p:extLst>
+  </p:cSld>
+  <p:clrMapOvr>
+    <a:masterClrMapping/>
+  </p:clrMapOvr>
+</p:sld>
+</file>
+
+<file path=ppt/slides/slide4.xml><?xml version="1.0" encoding="utf-8"?>
+<p:sld xmlns:a="http://schemas.openxmlformats.org/drawingml/2006/main" xmlns:r="http://schemas.openxmlformats.org/officeDocument/2006/relationships" xmlns:p="http://schemas.openxmlformats.org/presentationml/2006/main">
+  <p:cSld>
+    <p:spTree>
+      <p:nvGrpSpPr>
+        <p:cNvPr id="1" name=""/>
+        <p:cNvGrpSpPr/>
+        <p:nvPr/>
+      </p:nvGrpSpPr>
+      <p:grpSpPr>
+        <a:xfrm>
+          <a:off x="0" y="0"/>
+          <a:ext cx="0" cy="0"/>
+          <a:chOff x="0" y="0"/>
+          <a:chExt cx="0" cy="0"/>
+        </a:xfrm>
+      </p:grpSpPr>
+      <p:sp>
+        <p:nvSpPr>
           <p:cNvPr id="2" name="Title 1">
             <a:extLst>
               <a:ext uri="{FF2B5EF4-FFF2-40B4-BE49-F238E27FC236}">
@@ -8268,7 +12103,7 @@
           <a:p>
             <a:fld id="{621225AB-15B9-4C79-A121-04D1DC7E2307}" type="slidenum">
               <a:rPr lang="en-US" smtClean="0"/>
-              <a:t>3</a:t>
+              <a:t>4</a:t>
             </a:fld>
             <a:endParaRPr lang="en-US"/>
           </a:p>
@@ -8848,7 +12683,7 @@
 </p:sld>
 </file>
 
-<file path=ppt/slides/slide4.xml><?xml version="1.0" encoding="utf-8"?>
+<file path=ppt/slides/slide5.xml><?xml version="1.0" encoding="utf-8"?>
 <p:sld xmlns:a="http://schemas.openxmlformats.org/drawingml/2006/main" xmlns:r="http://schemas.openxmlformats.org/officeDocument/2006/relationships" xmlns:p="http://schemas.openxmlformats.org/presentationml/2006/main">
   <p:cSld>
     <p:spTree>
@@ -8888,7 +12723,7 @@
           <a:p>
             <a:fld id="{621225AB-15B9-4C79-A121-04D1DC7E2307}" type="slidenum">
               <a:rPr lang="en-US" smtClean="0"/>
-              <a:t>4</a:t>
+              <a:t>5</a:t>
             </a:fld>
             <a:endParaRPr lang="en-US"/>
           </a:p>
@@ -9027,7 +12862,7 @@
 </p:sld>
 </file>
 
-<file path=ppt/slides/slide5.xml><?xml version="1.0" encoding="utf-8"?>
+<file path=ppt/slides/slide6.xml><?xml version="1.0" encoding="utf-8"?>
 <p:sld xmlns:a="http://schemas.openxmlformats.org/drawingml/2006/main" xmlns:r="http://schemas.openxmlformats.org/officeDocument/2006/relationships" xmlns:p="http://schemas.openxmlformats.org/presentationml/2006/main">
   <p:cSld>
     <p:spTree>
@@ -9265,7 +13100,7 @@
           <a:p>
             <a:fld id="{621225AB-15B9-4C79-A121-04D1DC7E2307}" type="slidenum">
               <a:rPr lang="en-US" smtClean="0"/>
-              <a:t>5</a:t>
+              <a:t>6</a:t>
             </a:fld>
             <a:endParaRPr lang="en-US"/>
           </a:p>
@@ -9932,7 +13767,7 @@
 </p:sld>
 </file>
 
-<file path=ppt/slides/slide6.xml><?xml version="1.0" encoding="utf-8"?>
+<file path=ppt/slides/slide7.xml><?xml version="1.0" encoding="utf-8"?>
 <p:sld xmlns:a="http://schemas.openxmlformats.org/drawingml/2006/main" xmlns:r="http://schemas.openxmlformats.org/officeDocument/2006/relationships" xmlns:p="http://schemas.openxmlformats.org/presentationml/2006/main">
   <p:cSld>
     <p:spTree>
@@ -9972,7 +13807,7 @@
           <a:p>
             <a:fld id="{621225AB-15B9-4C79-A121-04D1DC7E2307}" type="slidenum">
               <a:rPr lang="en-US" smtClean="0"/>
-              <a:t>6</a:t>
+              <a:t>7</a:t>
             </a:fld>
             <a:endParaRPr lang="en-US"/>
           </a:p>
@@ -10111,7 +13946,7 @@
 </p:sld>
 </file>
 
-<file path=ppt/slides/slide7.xml><?xml version="1.0" encoding="utf-8"?>
+<file path=ppt/slides/slide8.xml><?xml version="1.0" encoding="utf-8"?>
 <p:sld xmlns:a="http://schemas.openxmlformats.org/drawingml/2006/main" xmlns:r="http://schemas.openxmlformats.org/officeDocument/2006/relationships" xmlns:p="http://schemas.openxmlformats.org/presentationml/2006/main">
   <p:cSld>
     <p:spTree>
@@ -10403,7 +14238,7 @@
           <a:p>
             <a:fld id="{621225AB-15B9-4C79-A121-04D1DC7E2307}" type="slidenum">
               <a:rPr lang="en-US" smtClean="0"/>
-              <a:t>7</a:t>
+              <a:t>8</a:t>
             </a:fld>
             <a:endParaRPr lang="en-US"/>
           </a:p>
@@ -10705,7 +14540,7 @@
 </p:sld>
 </file>
 
-<file path=ppt/slides/slide8.xml><?xml version="1.0" encoding="utf-8"?>
+<file path=ppt/slides/slide9.xml><?xml version="1.0" encoding="utf-8"?>
 <p:sld xmlns:a="http://schemas.openxmlformats.org/drawingml/2006/main" xmlns:r="http://schemas.openxmlformats.org/officeDocument/2006/relationships" xmlns:p="http://schemas.openxmlformats.org/presentationml/2006/main">
   <p:cSld>
     <p:spTree>
@@ -10745,7 +14580,7 @@
           <a:p>
             <a:fld id="{621225AB-15B9-4C79-A121-04D1DC7E2307}" type="slidenum">
               <a:rPr lang="en-US" smtClean="0"/>
-              <a:t>8</a:t>
+              <a:t>9</a:t>
             </a:fld>
             <a:endParaRPr lang="en-US"/>
           </a:p>
@@ -10881,591 +14716,6 @@
   <p:clrMapOvr>
     <a:masterClrMapping/>
   </p:clrMapOvr>
-</p:sld>
-</file>
-
-<file path=ppt/slides/slide9.xml><?xml version="1.0" encoding="utf-8"?>
-<p:sld xmlns:a="http://schemas.openxmlformats.org/drawingml/2006/main" xmlns:r="http://schemas.openxmlformats.org/officeDocument/2006/relationships" xmlns:p="http://schemas.openxmlformats.org/presentationml/2006/main">
-  <p:cSld>
-    <p:spTree>
-      <p:nvGrpSpPr>
-        <p:cNvPr id="1" name=""/>
-        <p:cNvGrpSpPr/>
-        <p:nvPr/>
-      </p:nvGrpSpPr>
-      <p:grpSpPr>
-        <a:xfrm>
-          <a:off x="0" y="0"/>
-          <a:ext cx="0" cy="0"/>
-          <a:chOff x="0" y="0"/>
-          <a:chExt cx="0" cy="0"/>
-        </a:xfrm>
-      </p:grpSpPr>
-      <p:sp>
-        <p:nvSpPr>
-          <p:cNvPr id="2" name="Title 1">
-            <a:extLst>
-              <a:ext uri="{FF2B5EF4-FFF2-40B4-BE49-F238E27FC236}">
-                <a16:creationId xmlns:a16="http://schemas.microsoft.com/office/drawing/2014/main" id="{ECFB6671-18E2-4931-80D9-DAD89F592EC5}"/>
-              </a:ext>
-            </a:extLst>
-          </p:cNvPr>
-          <p:cNvSpPr>
-            <a:spLocks noGrp="1"/>
-          </p:cNvSpPr>
-          <p:nvPr>
-            <p:ph type="title"/>
-          </p:nvPr>
-        </p:nvSpPr>
-        <p:spPr/>
-        <p:txBody>
-          <a:bodyPr>
-            <a:normAutofit fontScale="90000"/>
-          </a:bodyPr>
-          <a:lstStyle/>
-          <a:p>
-            <a:r>
-              <a:rPr lang="en-US" dirty="0"/>
-              <a:t>04: </a:t>
-            </a:r>
-            <a:r>
-              <a:rPr lang="en-US" dirty="0" err="1"/>
-              <a:t>Loglinar</a:t>
-            </a:r>
-            <a:r>
-              <a:rPr lang="en-US" dirty="0"/>
-              <a:t> models, mosaic displays</a:t>
-            </a:r>
-          </a:p>
-        </p:txBody>
-      </p:sp>
-      <p:sp>
-        <p:nvSpPr>
-          <p:cNvPr id="3" name="Content Placeholder 2">
-            <a:extLst>
-              <a:ext uri="{FF2B5EF4-FFF2-40B4-BE49-F238E27FC236}">
-                <a16:creationId xmlns:a16="http://schemas.microsoft.com/office/drawing/2014/main" id="{30DB61E5-3ECC-4FD6-93A0-BBB245FFABD5}"/>
-              </a:ext>
-            </a:extLst>
-          </p:cNvPr>
-          <p:cNvSpPr>
-            <a:spLocks noGrp="1"/>
-          </p:cNvSpPr>
-          <p:nvPr>
-            <p:ph idx="1"/>
-          </p:nvPr>
-        </p:nvSpPr>
-        <p:spPr/>
-        <p:txBody>
-          <a:bodyPr>
-            <a:normAutofit lnSpcReduction="10000"/>
-          </a:bodyPr>
-          <a:lstStyle/>
-          <a:p>
-            <a:r>
-              <a:rPr lang="en-US" sz="2400" dirty="0"/>
-              <a:t>Mosaic plots use sequential splits to show marginal and conditional frequencies in an </a:t>
-            </a:r>
-            <a:r>
-              <a:rPr lang="en-US" sz="2400" i="1" dirty="0"/>
-              <a:t>n</a:t>
-            </a:r>
-            <a:r>
-              <a:rPr lang="en-US" sz="2400" dirty="0"/>
-              <a:t>-way table</a:t>
-            </a:r>
-          </a:p>
-          <a:p>
-            <a:pPr lvl="1"/>
-            <a:r>
-              <a:rPr lang="en-US" sz="2000" dirty="0"/>
-              <a:t>Shading: </a:t>
-            </a:r>
-            <a:r>
-              <a:rPr lang="en-US" sz="2000" dirty="0">
-                <a:solidFill>
-                  <a:srgbClr val="0070C0"/>
-                </a:solidFill>
-              </a:rPr>
-              <a:t>sign</a:t>
-            </a:r>
-            <a:r>
-              <a:rPr lang="en-US" sz="2000" dirty="0"/>
-              <a:t> and </a:t>
-            </a:r>
-            <a:r>
-              <a:rPr lang="en-US" sz="2000" b="1" dirty="0"/>
-              <a:t>magnitude</a:t>
-            </a:r>
-            <a:r>
-              <a:rPr lang="en-US" sz="2000" dirty="0"/>
-              <a:t> </a:t>
-            </a:r>
-            <a:r>
-              <a:rPr lang="en-US" sz="2000"/>
-              <a:t>of residuals </a:t>
-            </a:r>
-            <a:r>
-              <a:rPr lang="en-US" sz="2000">
-                <a:sym typeface="Symbol" panose="05050102010706020507" pitchFamily="18" charset="2"/>
-              </a:rPr>
-              <a:t></a:t>
-            </a:r>
-            <a:r>
-              <a:rPr lang="en-US" sz="2000"/>
-              <a:t> </a:t>
-            </a:r>
-            <a:r>
-              <a:rPr lang="en-US" sz="2000" dirty="0"/>
-              <a:t>contributions to χ</a:t>
-            </a:r>
-            <a:r>
-              <a:rPr lang="en-US" sz="2000" baseline="30000" dirty="0"/>
-              <a:t>2</a:t>
-            </a:r>
-          </a:p>
-          <a:p>
-            <a:pPr lvl="1"/>
-            <a:r>
-              <a:rPr lang="en-US" sz="2000" dirty="0"/>
-              <a:t>Shows the pattern of association not accounted for</a:t>
-            </a:r>
-          </a:p>
-          <a:p>
-            <a:pPr lvl="1"/>
-            <a:r>
-              <a:rPr lang="en-US" sz="2000" dirty="0"/>
-              <a:t>Permuting rows/cols often helps</a:t>
-            </a:r>
-          </a:p>
-          <a:p>
-            <a:r>
-              <a:rPr lang="en-US" sz="2400" dirty="0"/>
-              <a:t>Loglinear models </a:t>
-            </a:r>
-          </a:p>
-          <a:p>
-            <a:pPr lvl="1"/>
-            <a:r>
-              <a:rPr lang="en-US" sz="2000" dirty="0"/>
-              <a:t>Express associations with ANOVA-like interaction terms: A*B, A*C</a:t>
-            </a:r>
-          </a:p>
-          <a:p>
-            <a:pPr lvl="2"/>
-            <a:r>
-              <a:rPr lang="en-US" sz="1800" dirty="0"/>
-              <a:t>Joint independence: [AB][C] </a:t>
-            </a:r>
-            <a:r>
-              <a:rPr lang="en-US" sz="1800" dirty="0">
-                <a:latin typeface="Calibri" panose="020F0502020204030204" pitchFamily="34" charset="0"/>
-                <a:cs typeface="Calibri" panose="020F0502020204030204" pitchFamily="34" charset="0"/>
-                <a:sym typeface="Symbol MT" panose="05050102010706020507" pitchFamily="18" charset="2"/>
-              </a:rPr>
-              <a:t>≡</a:t>
-            </a:r>
-            <a:r>
-              <a:rPr lang="en-US" sz="1800" dirty="0">
-                <a:sym typeface="Symbol MT" panose="05050102010706020507" pitchFamily="18" charset="2"/>
-              </a:rPr>
-              <a:t> A * B + C</a:t>
-            </a:r>
-            <a:endParaRPr lang="en-US" sz="1800" dirty="0"/>
-          </a:p>
-          <a:p>
-            <a:pPr lvl="2"/>
-            <a:r>
-              <a:rPr lang="en-US" sz="1800" dirty="0"/>
-              <a:t>Conditional independence: [AC][BC] </a:t>
-            </a:r>
-            <a:r>
-              <a:rPr lang="en-US" sz="1800" dirty="0">
-                <a:latin typeface="Calibri" panose="020F0502020204030204" pitchFamily="34" charset="0"/>
-                <a:cs typeface="Calibri" panose="020F0502020204030204" pitchFamily="34" charset="0"/>
-                <a:sym typeface="Symbol MT" panose="05050102010706020507" pitchFamily="18" charset="2"/>
-              </a:rPr>
-              <a:t>≡ </a:t>
-            </a:r>
-            <a:r>
-              <a:rPr lang="en-US" sz="1800" dirty="0">
-                <a:sym typeface="Symbol MT" panose="05050102010706020507" pitchFamily="18" charset="2"/>
-              </a:rPr>
-              <a:t>A </a:t>
-            </a:r>
-            <a:r>
-              <a:rPr lang="en-US" sz="1800" dirty="0">
-                <a:sym typeface="Symbol" panose="05050102010706020507" pitchFamily="18" charset="2"/>
-              </a:rPr>
-              <a:t> B | C</a:t>
-            </a:r>
-          </a:p>
-          <a:p>
-            <a:pPr lvl="1"/>
-            <a:r>
-              <a:rPr lang="en-US" sz="2000" dirty="0">
-                <a:sym typeface="Symbol" panose="05050102010706020507" pitchFamily="18" charset="2"/>
-              </a:rPr>
-              <a:t>Fitting models  “cleaning the mosaic”</a:t>
-            </a:r>
-          </a:p>
-          <a:p>
-            <a:pPr lvl="1"/>
-            <a:r>
-              <a:rPr lang="en-US" sz="2000" dirty="0">
-                <a:sym typeface="Symbol" panose="05050102010706020507" pitchFamily="18" charset="2"/>
-              </a:rPr>
-              <a:t>Response models: include all associations among predictors</a:t>
-            </a:r>
-          </a:p>
-          <a:p>
-            <a:r>
-              <a:rPr lang="en-US" sz="2400" dirty="0">
-                <a:sym typeface="Symbol" panose="05050102010706020507" pitchFamily="18" charset="2"/>
-              </a:rPr>
-              <a:t>Sequential / partial plots &amp; models</a:t>
-            </a:r>
-          </a:p>
-          <a:p>
-            <a:pPr lvl="1"/>
-            <a:r>
-              <a:rPr lang="en-US" sz="2000" dirty="0">
-                <a:sym typeface="Symbol" panose="05050102010706020507" pitchFamily="18" charset="2"/>
-              </a:rPr>
-              <a:t>Sequential: Decompose all associations: V</a:t>
-            </a:r>
-            <a:r>
-              <a:rPr lang="en-US" sz="2000" baseline="-25000" dirty="0">
-                <a:sym typeface="Symbol" panose="05050102010706020507" pitchFamily="18" charset="2"/>
-              </a:rPr>
-              <a:t>1</a:t>
-            </a:r>
-            <a:r>
-              <a:rPr lang="en-US" sz="2000" dirty="0">
-                <a:sym typeface="Symbol" panose="05050102010706020507" pitchFamily="18" charset="2"/>
-              </a:rPr>
-              <a:t>;  V</a:t>
-            </a:r>
-            <a:r>
-              <a:rPr lang="en-US" sz="2000" baseline="-25000" dirty="0">
-                <a:sym typeface="Symbol" panose="05050102010706020507" pitchFamily="18" charset="2"/>
-              </a:rPr>
-              <a:t>2</a:t>
-            </a:r>
-            <a:r>
-              <a:rPr lang="en-US" sz="2000" dirty="0">
-                <a:sym typeface="Symbol" panose="05050102010706020507" pitchFamily="18" charset="2"/>
-              </a:rPr>
-              <a:t>|V</a:t>
-            </a:r>
-            <a:r>
-              <a:rPr lang="en-US" sz="2000" baseline="-25000" dirty="0">
-                <a:sym typeface="Symbol" panose="05050102010706020507" pitchFamily="18" charset="2"/>
-              </a:rPr>
-              <a:t>1</a:t>
-            </a:r>
-            <a:r>
-              <a:rPr lang="en-US" sz="2000" dirty="0">
-                <a:sym typeface="Symbol" panose="05050102010706020507" pitchFamily="18" charset="2"/>
-              </a:rPr>
-              <a:t>;   V</a:t>
-            </a:r>
-            <a:r>
-              <a:rPr lang="en-US" sz="2000" baseline="-25000" dirty="0">
-                <a:sym typeface="Symbol" panose="05050102010706020507" pitchFamily="18" charset="2"/>
-              </a:rPr>
-              <a:t>3</a:t>
-            </a:r>
-            <a:r>
-              <a:rPr lang="en-US" sz="2000" dirty="0">
-                <a:sym typeface="Symbol" panose="05050102010706020507" pitchFamily="18" charset="2"/>
-              </a:rPr>
-              <a:t>|{V</a:t>
-            </a:r>
-            <a:r>
-              <a:rPr lang="en-US" sz="2000" baseline="-25000" dirty="0">
-                <a:sym typeface="Symbol" panose="05050102010706020507" pitchFamily="18" charset="2"/>
-              </a:rPr>
-              <a:t>1</a:t>
-            </a:r>
-            <a:r>
-              <a:rPr lang="en-US" sz="2000" dirty="0">
-                <a:sym typeface="Symbol" panose="05050102010706020507" pitchFamily="18" charset="2"/>
-              </a:rPr>
-              <a:t>, V</a:t>
-            </a:r>
-            <a:r>
-              <a:rPr lang="en-US" sz="2000" baseline="-25000" dirty="0">
-                <a:sym typeface="Symbol" panose="05050102010706020507" pitchFamily="18" charset="2"/>
-              </a:rPr>
-              <a:t>2</a:t>
-            </a:r>
-            <a:r>
-              <a:rPr lang="en-US" sz="2000" dirty="0">
-                <a:sym typeface="Symbol" panose="05050102010706020507" pitchFamily="18" charset="2"/>
-              </a:rPr>
-              <a:t>}, …</a:t>
-            </a:r>
-          </a:p>
-          <a:p>
-            <a:pPr lvl="1"/>
-            <a:r>
-              <a:rPr lang="en-US" sz="2000" dirty="0">
-                <a:sym typeface="Symbol" panose="05050102010706020507" pitchFamily="18" charset="2"/>
-              </a:rPr>
-              <a:t>Partial: Decompose conditional associations: [V</a:t>
-            </a:r>
-            <a:r>
-              <a:rPr lang="en-US" sz="2000" baseline="-25000" dirty="0">
-                <a:sym typeface="Symbol" panose="05050102010706020507" pitchFamily="18" charset="2"/>
-              </a:rPr>
-              <a:t>1</a:t>
-            </a:r>
-            <a:r>
-              <a:rPr lang="en-US" sz="2000" dirty="0">
-                <a:sym typeface="Symbol" panose="05050102010706020507" pitchFamily="18" charset="2"/>
-              </a:rPr>
-              <a:t>, V</a:t>
-            </a:r>
-            <a:r>
-              <a:rPr lang="en-US" sz="2000" baseline="-25000" dirty="0">
-                <a:sym typeface="Symbol" panose="05050102010706020507" pitchFamily="18" charset="2"/>
-              </a:rPr>
-              <a:t>2</a:t>
-            </a:r>
-            <a:r>
-              <a:rPr lang="en-US" sz="2000" dirty="0">
-                <a:sym typeface="Symbol" panose="05050102010706020507" pitchFamily="18" charset="2"/>
-              </a:rPr>
-              <a:t> ]| V</a:t>
-            </a:r>
-            <a:r>
-              <a:rPr lang="en-US" sz="2000" baseline="-25000" dirty="0">
-                <a:sym typeface="Symbol" panose="05050102010706020507" pitchFamily="18" charset="2"/>
-              </a:rPr>
-              <a:t>3</a:t>
-            </a:r>
-            <a:r>
-              <a:rPr lang="en-US" sz="2000" dirty="0">
-                <a:sym typeface="Symbol" panose="05050102010706020507" pitchFamily="18" charset="2"/>
-              </a:rPr>
-              <a:t>= {a, b, …}</a:t>
-            </a:r>
-            <a:endParaRPr lang="en-US" sz="2000" dirty="0"/>
-          </a:p>
-        </p:txBody>
-      </p:sp>
-      <p:sp>
-        <p:nvSpPr>
-          <p:cNvPr id="4" name="Slide Number Placeholder 3">
-            <a:extLst>
-              <a:ext uri="{FF2B5EF4-FFF2-40B4-BE49-F238E27FC236}">
-                <a16:creationId xmlns:a16="http://schemas.microsoft.com/office/drawing/2014/main" id="{F08FA1E9-B6E8-4A7F-8556-FFF9AD625BF2}"/>
-              </a:ext>
-            </a:extLst>
-          </p:cNvPr>
-          <p:cNvSpPr>
-            <a:spLocks noGrp="1"/>
-          </p:cNvSpPr>
-          <p:nvPr>
-            <p:ph type="sldNum" sz="quarter" idx="12"/>
-          </p:nvPr>
-        </p:nvSpPr>
-        <p:spPr/>
-        <p:txBody>
-          <a:bodyPr/>
-          <a:lstStyle/>
-          <a:p>
-            <a:fld id="{621225AB-15B9-4C79-A121-04D1DC7E2307}" type="slidenum">
-              <a:rPr lang="en-US" smtClean="0"/>
-              <a:t>9</a:t>
-            </a:fld>
-            <a:endParaRPr lang="en-US"/>
-          </a:p>
-        </p:txBody>
-      </p:sp>
-    </p:spTree>
-    <p:extLst>
-      <p:ext uri="{BB962C8B-B14F-4D97-AF65-F5344CB8AC3E}">
-        <p14:creationId xmlns:p14="http://schemas.microsoft.com/office/powerpoint/2010/main" val="81777766"/>
-      </p:ext>
-    </p:extLst>
-  </p:cSld>
-  <p:clrMapOvr>
-    <a:masterClrMapping/>
-  </p:clrMapOvr>
-  <p:timing>
-    <p:tnLst>
-      <p:par>
-        <p:cTn id="1" dur="indefinite" restart="never" nodeType="tmRoot">
-          <p:childTnLst>
-            <p:seq concurrent="1" nextAc="seek">
-              <p:cTn id="2" dur="indefinite" nodeType="mainSeq">
-                <p:childTnLst>
-                  <p:par>
-                    <p:cTn id="3" fill="hold">
-                      <p:stCondLst>
-                        <p:cond delay="indefinite"/>
-                      </p:stCondLst>
-                      <p:childTnLst>
-                        <p:par>
-                          <p:cTn id="4" fill="hold">
-                            <p:stCondLst>
-                              <p:cond delay="0"/>
-                            </p:stCondLst>
-                            <p:childTnLst>
-                              <p:par>
-                                <p:cTn id="5" presetID="1" presetClass="entr" presetSubtype="0" fill="hold" nodeType="clickEffect">
-                                  <p:stCondLst>
-                                    <p:cond delay="0"/>
-                                  </p:stCondLst>
-                                  <p:childTnLst>
-                                    <p:set>
-                                      <p:cBhvr>
-                                        <p:cTn id="6" dur="1" fill="hold">
-                                          <p:stCondLst>
-                                            <p:cond delay="0"/>
-                                          </p:stCondLst>
-                                        </p:cTn>
-                                        <p:tgtEl>
-                                          <p:spTgt spid="3">
-                                            <p:txEl>
-                                              <p:pRg st="0" end="0"/>
-                                            </p:txEl>
-                                          </p:spTgt>
-                                        </p:tgtEl>
-                                        <p:attrNameLst>
-                                          <p:attrName>style.visibility</p:attrName>
-                                        </p:attrNameLst>
-                                      </p:cBhvr>
-                                      <p:to>
-                                        <p:strVal val="visible"/>
-                                      </p:to>
-                                    </p:set>
-                                  </p:childTnLst>
-                                </p:cTn>
-                              </p:par>
-                              <p:par>
-                                <p:cTn id="7" presetID="1" presetClass="entr" presetSubtype="0" fill="hold" nodeType="withEffect">
-                                  <p:stCondLst>
-                                    <p:cond delay="0"/>
-                                  </p:stCondLst>
-                                  <p:childTnLst>
-                                    <p:set>
-                                      <p:cBhvr>
-                                        <p:cTn id="8" dur="1" fill="hold">
-                                          <p:stCondLst>
-                                            <p:cond delay="0"/>
-                                          </p:stCondLst>
-                                        </p:cTn>
-                                        <p:tgtEl>
-                                          <p:spTgt spid="3">
-                                            <p:txEl>
-                                              <p:pRg st="1" end="1"/>
-                                            </p:txEl>
-                                          </p:spTgt>
-                                        </p:tgtEl>
-                                        <p:attrNameLst>
-                                          <p:attrName>style.visibility</p:attrName>
-                                        </p:attrNameLst>
-                                      </p:cBhvr>
-                                      <p:to>
-                                        <p:strVal val="visible"/>
-                                      </p:to>
-                                    </p:set>
-                                  </p:childTnLst>
-                                </p:cTn>
-                              </p:par>
-                              <p:par>
-                                <p:cTn id="9" presetID="1" presetClass="entr" presetSubtype="0" fill="hold" nodeType="withEffect">
-                                  <p:stCondLst>
-                                    <p:cond delay="0"/>
-                                  </p:stCondLst>
-                                  <p:childTnLst>
-                                    <p:set>
-                                      <p:cBhvr>
-                                        <p:cTn id="10" dur="1" fill="hold">
-                                          <p:stCondLst>
-                                            <p:cond delay="0"/>
-                                          </p:stCondLst>
-                                        </p:cTn>
-                                        <p:tgtEl>
-                                          <p:spTgt spid="3">
-                                            <p:txEl>
-                                              <p:pRg st="2" end="2"/>
-                                            </p:txEl>
-                                          </p:spTgt>
-                                        </p:tgtEl>
-                                        <p:attrNameLst>
-                                          <p:attrName>style.visibility</p:attrName>
-                                        </p:attrNameLst>
-                                      </p:cBhvr>
-                                      <p:to>
-                                        <p:strVal val="visible"/>
-                                      </p:to>
-                                    </p:set>
-                                  </p:childTnLst>
-                                </p:cTn>
-                              </p:par>
-                              <p:par>
-                                <p:cTn id="11" presetID="1" presetClass="entr" presetSubtype="0" fill="hold" nodeType="withEffect">
-                                  <p:stCondLst>
-                                    <p:cond delay="0"/>
-                                  </p:stCondLst>
-                                  <p:childTnLst>
-                                    <p:set>
-                                      <p:cBhvr>
-                                        <p:cTn id="12" dur="1" fill="hold">
-                                          <p:stCondLst>
-                                            <p:cond delay="0"/>
-                                          </p:stCondLst>
-                                        </p:cTn>
-                                        <p:tgtEl>
-                                          <p:spTgt spid="3">
-                                            <p:txEl>
-                                              <p:pRg st="3" end="3"/>
-                                            </p:txEl>
-                                          </p:spTgt>
-                                        </p:tgtEl>
-                                        <p:attrNameLst>
-                                          <p:attrName>style.visibility</p:attrName>
-                                        </p:attrNameLst>
-                                      </p:cBhvr>
-                                      <p:to>
-                                        <p:strVal val="visible"/>
-                                      </p:to>
-                                    </p:set>
-                                  </p:childTnLst>
-                                </p:cTn>
-                              </p:par>
-                            </p:childTnLst>
-                          </p:cTn>
-                        </p:par>
-                      </p:childTnLst>
-                    </p:cTn>
-                  </p:par>
-                </p:childTnLst>
-              </p:cTn>
-              <p:prevCondLst>
-                <p:cond evt="onPrev" delay="0">
-                  <p:tgtEl>
-                    <p:sldTgt/>
-                  </p:tgtEl>
-                </p:cond>
-              </p:prevCondLst>
-              <p:nextCondLst>
-                <p:cond evt="onNext" delay="0">
-                  <p:tgtEl>
-                    <p:sldTgt/>
-                  </p:tgtEl>
-                </p:cond>
-              </p:nextCondLst>
-            </p:seq>
-          </p:childTnLst>
-        </p:cTn>
-      </p:par>
-    </p:tnLst>
-  </p:timing>
 </p:sld>
 </file>
 
